--- a/ppt/J.Sliwa_TechnicalDebrief.pptx
+++ b/ppt/J.Sliwa_TechnicalDebrief.pptx
@@ -126,6 +126,11 @@
       </a:defRPr>
     </a:lvl9pPr>
   </p:defaultTextStyle>
+  <p:extLst>
+    <p:ext uri="{EFAFB233-063F-42B5-8137-9DF3F51BA10A}">
+      <p15:sldGuideLst xmlns:p15="http://schemas.microsoft.com/office/powerpoint/2012/main"/>
+    </p:ext>
+  </p:extLst>
 </p:presentation>
 </file>
 
@@ -11548,8 +11553,8 @@
           </a:p>
         </p:txBody>
       </p:sp>
-      <mc:AlternateContent xmlns:mc="http://schemas.openxmlformats.org/markup-compatibility/2006">
-        <mc:Choice xmlns:a14="http://schemas.microsoft.com/office/drawing/2010/main" Requires="a14">
+      <mc:AlternateContent xmlns:mc="http://schemas.openxmlformats.org/markup-compatibility/2006" xmlns:a14="http://schemas.microsoft.com/office/drawing/2010/main">
+        <mc:Choice Requires="a14">
           <p:sp>
             <p:nvSpPr>
               <p:cNvPr id="3" name="Symbol zastępczy zawartości 2">
@@ -11835,7 +11840,7 @@
                               <m:nor/>
                             </m:rPr>
                             <a:rPr lang="pl-PL" b="0" i="0" dirty="0" smtClean="0"/>
-                            <m:t>) * </m:t>
+                            <m:t>) ∗ </m:t>
                           </m:r>
                           <m:r>
                             <m:rPr>
@@ -11996,7 +12001,7 @@
             </p:txBody>
           </p:sp>
         </mc:Choice>
-        <mc:Fallback>
+        <mc:Fallback xmlns="">
           <p:sp>
             <p:nvSpPr>
               <p:cNvPr id="3" name="Symbol zastępczy zawartości 2">
@@ -12115,8 +12120,8 @@
           </a:p>
         </p:txBody>
       </p:sp>
-      <mc:AlternateContent xmlns:mc="http://schemas.openxmlformats.org/markup-compatibility/2006">
-        <mc:Choice xmlns:a14="http://schemas.microsoft.com/office/drawing/2010/main" Requires="a14">
+      <mc:AlternateContent xmlns:mc="http://schemas.openxmlformats.org/markup-compatibility/2006" xmlns:a14="http://schemas.microsoft.com/office/drawing/2010/main">
+        <mc:Choice Requires="a14">
           <p:sp>
             <p:nvSpPr>
               <p:cNvPr id="3" name="Symbol zastępczy zawartości 2">
@@ -12967,7 +12972,7 @@
             </p:txBody>
           </p:sp>
         </mc:Choice>
-        <mc:Fallback>
+        <mc:Fallback xmlns="">
           <p:sp>
             <p:nvSpPr>
               <p:cNvPr id="3" name="Symbol zastępczy zawartości 2">
@@ -13086,8 +13091,8 @@
           </a:p>
         </p:txBody>
       </p:sp>
-      <mc:AlternateContent xmlns:mc="http://schemas.openxmlformats.org/markup-compatibility/2006">
-        <mc:Choice xmlns:a14="http://schemas.microsoft.com/office/drawing/2010/main" Requires="a14">
+      <mc:AlternateContent xmlns:mc="http://schemas.openxmlformats.org/markup-compatibility/2006" xmlns:a14="http://schemas.microsoft.com/office/drawing/2010/main">
+        <mc:Choice Requires="a14">
           <p:sp>
             <p:nvSpPr>
               <p:cNvPr id="3" name="Symbol zastępczy zawartości 2">
@@ -13769,7 +13774,7 @@
                           <m:nor/>
                         </m:rPr>
                         <a:rPr lang="pl-PL" sz="1400" b="1" i="0" dirty="0" smtClean="0"/>
-                        <m:t> * </m:t>
+                        <m:t> ∗ </m:t>
                       </m:r>
                       <m:r>
                         <m:rPr>
@@ -13877,7 +13882,9 @@
                       <m:t>atio</m:t>
                     </m:r>
                     <m:r>
-                      <a:rPr lang="pl-PL" sz="1800" b="0" i="1" dirty="0" smtClean="0"/>
+                      <a:rPr lang="pl-PL" sz="1800" b="0" i="1" dirty="0" smtClean="0">
+                        <a:latin typeface="Cambria Math" panose="02040503050406030204" pitchFamily="18" charset="0"/>
+                      </a:rPr>
                       <m:t> </m:t>
                     </m:r>
                   </m:oMath>
@@ -13997,7 +14004,7 @@
                         <m:nor/>
                       </m:rPr>
                       <a:rPr lang="pl-PL" sz="1600" b="0" i="0" dirty="0" smtClean="0"/>
-                      <m:t>(10, 8 * ( 3 / 1))</m:t>
+                      <m:t>(10, 8 ∗ ( 3 / 1))</m:t>
                     </m:r>
                   </m:oMath>
                 </a14:m>
@@ -14024,7 +14031,7 @@
             </p:txBody>
           </p:sp>
         </mc:Choice>
-        <mc:Fallback>
+        <mc:Fallback xmlns="">
           <p:sp>
             <p:nvSpPr>
               <p:cNvPr id="3" name="Symbol zastępczy zawartości 2">
@@ -15056,8 +15063,8 @@
           </a:p>
         </p:txBody>
       </p:sp>
-      <mc:AlternateContent xmlns:mc="http://schemas.openxmlformats.org/markup-compatibility/2006">
-        <mc:Choice xmlns:a14="http://schemas.microsoft.com/office/drawing/2010/main" Requires="a14">
+      <mc:AlternateContent xmlns:mc="http://schemas.openxmlformats.org/markup-compatibility/2006" xmlns:a14="http://schemas.microsoft.com/office/drawing/2010/main">
+        <mc:Choice Requires="a14">
           <p:sp>
             <p:nvSpPr>
               <p:cNvPr id="3" name="Symbol zastępczy zawartości 2">
@@ -15509,7 +15516,7 @@
             </p:txBody>
           </p:sp>
         </mc:Choice>
-        <mc:Fallback>
+        <mc:Fallback xmlns="">
           <p:sp>
             <p:nvSpPr>
               <p:cNvPr id="3" name="Symbol zastępczy zawartości 2">
@@ -16683,7 +16690,7 @@
             </a:r>
             <a:r>
               <a:rPr lang="pl-PL" dirty="0"/>
-              <a:t> we </a:t>
+              <a:t> </a:t>
             </a:r>
             <a:r>
               <a:rPr lang="pl-PL" dirty="0" err="1"/>
@@ -18709,8 +18716,8 @@
           </a:p>
         </p:txBody>
       </p:sp>
-      <mc:AlternateContent xmlns:mc="http://schemas.openxmlformats.org/markup-compatibility/2006">
-        <mc:Choice xmlns:a14="http://schemas.microsoft.com/office/drawing/2010/main" Requires="a14">
+      <mc:AlternateContent xmlns:mc="http://schemas.openxmlformats.org/markup-compatibility/2006" xmlns:a14="http://schemas.microsoft.com/office/drawing/2010/main">
+        <mc:Choice Requires="a14">
           <p:sp>
             <p:nvSpPr>
               <p:cNvPr id="3" name="Symbol zastępczy zawartości 2">
@@ -19102,7 +19109,7 @@
             </p:txBody>
           </p:sp>
         </mc:Choice>
-        <mc:Fallback>
+        <mc:Fallback xmlns="">
           <p:sp>
             <p:nvSpPr>
               <p:cNvPr id="3" name="Symbol zastępczy zawartości 2">
@@ -23438,7 +23445,7 @@
               </a:rPr>
               <a:t>following</a:t>
             </a:r>
-            <a:br>
+            <a:r>
               <a:rPr kumimoji="0" lang="pl-PL" altLang="pl-PL" sz="2400" b="0" i="0" u="none" strike="noStrike" cap="none" normalizeH="0" baseline="0" dirty="0">
                 <a:ln>
                   <a:noFill/>
@@ -23448,18 +23455,7 @@
                 </a:solidFill>
                 <a:effectLst/>
               </a:rPr>
-            </a:br>
-            <a:r>
-              <a:rPr kumimoji="0" lang="pl-PL" altLang="pl-PL" sz="2400" b="0" i="0" u="none" strike="noStrike" cap="none" normalizeH="0" baseline="0" dirty="0">
-                <a:ln>
-                  <a:noFill/>
-                </a:ln>
-                <a:solidFill>
-                  <a:srgbClr val="A9B7C6"/>
-                </a:solidFill>
-                <a:effectLst/>
-              </a:rPr>
-              <a:t>list </a:t>
+              <a:t> list </a:t>
             </a:r>
             <a:r>
               <a:rPr kumimoji="0" lang="pl-PL" altLang="pl-PL" sz="2400" b="0" i="0" u="none" strike="noStrike" cap="none" normalizeH="0" baseline="0" dirty="0" err="1">

--- a/ppt/J.Sliwa_TechnicalDebrief.pptx
+++ b/ppt/J.Sliwa_TechnicalDebrief.pptx
@@ -21,13 +21,14 @@
     <p:sldId id="269" r:id="rId15"/>
     <p:sldId id="273" r:id="rId16"/>
     <p:sldId id="270" r:id="rId17"/>
-    <p:sldId id="271" r:id="rId18"/>
-    <p:sldId id="274" r:id="rId19"/>
-    <p:sldId id="275" r:id="rId20"/>
-    <p:sldId id="272" r:id="rId21"/>
-    <p:sldId id="276" r:id="rId22"/>
-    <p:sldId id="277" r:id="rId23"/>
-    <p:sldId id="279" r:id="rId24"/>
+    <p:sldId id="274" r:id="rId18"/>
+    <p:sldId id="275" r:id="rId19"/>
+    <p:sldId id="271" r:id="rId20"/>
+    <p:sldId id="280" r:id="rId21"/>
+    <p:sldId id="272" r:id="rId22"/>
+    <p:sldId id="276" r:id="rId23"/>
+    <p:sldId id="277" r:id="rId24"/>
+    <p:sldId id="279" r:id="rId25"/>
   </p:sldIdLst>
   <p:sldSz cx="12192000" cy="6858000"/>
   <p:notesSz cx="6858000" cy="9144000"/>
@@ -14775,6 +14776,1375 @@
       </p:grpSpPr>
       <p:sp useBgFill="1">
         <p:nvSpPr>
+          <p:cNvPr id="11271" name="Rectangle 11270">
+            <a:extLst>
+              <a:ext uri="{FF2B5EF4-FFF2-40B4-BE49-F238E27FC236}">
+                <a16:creationId xmlns:a16="http://schemas.microsoft.com/office/drawing/2014/main" id="{C868C70C-E5C4-CD47-888C-FCB3373B6D38}"/>
+              </a:ext>
+              <a:ext uri="{C183D7F6-B498-43B3-948B-1728B52AA6E4}">
+                <adec:decorative xmlns:adec="http://schemas.microsoft.com/office/drawing/2017/decorative" val="1"/>
+              </a:ext>
+            </a:extLst>
+          </p:cNvPr>
+          <p:cNvSpPr>
+            <a:spLocks noGrp="1" noRot="1" noChangeAspect="1" noMove="1" noResize="1" noEditPoints="1" noAdjustHandles="1" noChangeArrowheads="1" noChangeShapeType="1" noTextEdit="1"/>
+          </p:cNvSpPr>
+          <p:nvPr>
+            <p:extLst>
+              <p:ext uri="{386F3935-93C4-4BCD-93E2-E3B085C9AB24}">
+                <p16:designElem xmlns:p16="http://schemas.microsoft.com/office/powerpoint/2015/main" val="1"/>
+              </p:ext>
+            </p:extLst>
+          </p:nvPr>
+        </p:nvSpPr>
+        <p:spPr>
+          <a:xfrm>
+            <a:off x="0" y="0"/>
+            <a:ext cx="12188952" cy="6858000"/>
+          </a:xfrm>
+          <a:prstGeom prst="rect">
+            <a:avLst/>
+          </a:prstGeom>
+          <a:ln>
+            <a:noFill/>
+          </a:ln>
+        </p:spPr>
+        <p:style>
+          <a:lnRef idx="2">
+            <a:schemeClr val="accent1">
+              <a:shade val="50000"/>
+            </a:schemeClr>
+          </a:lnRef>
+          <a:fillRef idx="1">
+            <a:schemeClr val="accent1"/>
+          </a:fillRef>
+          <a:effectRef idx="0">
+            <a:schemeClr val="accent1"/>
+          </a:effectRef>
+          <a:fontRef idx="minor">
+            <a:schemeClr val="lt1"/>
+          </a:fontRef>
+        </p:style>
+        <p:txBody>
+          <a:bodyPr rtlCol="0" anchor="ctr"/>
+          <a:lstStyle/>
+          <a:p>
+            <a:pPr algn="ctr"/>
+            <a:endParaRPr lang="en-US"/>
+          </a:p>
+        </p:txBody>
+      </p:sp>
+      <p:sp>
+        <p:nvSpPr>
+          <p:cNvPr id="2" name="Tytuł 1">
+            <a:extLst>
+              <a:ext uri="{FF2B5EF4-FFF2-40B4-BE49-F238E27FC236}">
+                <a16:creationId xmlns:a16="http://schemas.microsoft.com/office/drawing/2014/main" id="{1E156550-E941-A23A-04CC-5CFEBF37AF8D}"/>
+              </a:ext>
+            </a:extLst>
+          </p:cNvPr>
+          <p:cNvSpPr>
+            <a:spLocks noGrp="1"/>
+          </p:cNvSpPr>
+          <p:nvPr>
+            <p:ph type="title"/>
+          </p:nvPr>
+        </p:nvSpPr>
+        <p:spPr>
+          <a:xfrm>
+            <a:off x="5127362" y="455362"/>
+            <a:ext cx="6881728" cy="1550419"/>
+          </a:xfrm>
+        </p:spPr>
+        <p:txBody>
+          <a:bodyPr>
+            <a:normAutofit/>
+          </a:bodyPr>
+          <a:lstStyle/>
+          <a:p>
+            <a:r>
+              <a:rPr lang="pl-PL" dirty="0" err="1"/>
+              <a:t>Simulated</a:t>
+            </a:r>
+            <a:r>
+              <a:rPr lang="pl-PL" dirty="0"/>
+              <a:t> </a:t>
+            </a:r>
+            <a:r>
+              <a:rPr lang="pl-PL" dirty="0" err="1"/>
+              <a:t>annealing</a:t>
+            </a:r>
+            <a:r>
+              <a:rPr lang="pl-PL" dirty="0"/>
+              <a:t>:</a:t>
+            </a:r>
+            <a:br>
+              <a:rPr lang="pl-PL" dirty="0"/>
+            </a:br>
+            <a:r>
+              <a:rPr lang="pl-PL" sz="1600" b="0" i="1" dirty="0"/>
+              <a:t>by Wikipedia</a:t>
+            </a:r>
+            <a:endParaRPr lang="pl-PL" sz="1600" dirty="0"/>
+          </a:p>
+        </p:txBody>
+      </p:sp>
+      <p:pic>
+        <p:nvPicPr>
+          <p:cNvPr id="11266" name="Picture 2" descr="Annealing Services - Steel, Aluminum, and Copper">
+            <a:extLst>
+              <a:ext uri="{FF2B5EF4-FFF2-40B4-BE49-F238E27FC236}">
+                <a16:creationId xmlns:a16="http://schemas.microsoft.com/office/drawing/2014/main" id="{CA28215B-15E1-6464-525F-34653240F250}"/>
+              </a:ext>
+            </a:extLst>
+          </p:cNvPr>
+          <p:cNvPicPr>
+            <a:picLocks noChangeAspect="1" noChangeArrowheads="1"/>
+          </p:cNvPicPr>
+          <p:nvPr/>
+        </p:nvPicPr>
+        <p:blipFill rotWithShape="1">
+          <a:blip r:embed="rId2">
+            <a:extLst>
+              <a:ext uri="{28A0092B-C50C-407E-A947-70E740481C1C}">
+                <a14:useLocalDpi xmlns:a14="http://schemas.microsoft.com/office/drawing/2010/main" val="0"/>
+              </a:ext>
+            </a:extLst>
+          </a:blip>
+          <a:srcRect t="1949" r="1" b="1"/>
+          <a:stretch/>
+        </p:blipFill>
+        <p:spPr bwMode="auto">
+          <a:xfrm>
+            <a:off x="20" y="10"/>
+            <a:ext cx="4651228" cy="6857990"/>
+          </a:xfrm>
+          <a:prstGeom prst="rect">
+            <a:avLst/>
+          </a:prstGeom>
+          <a:noFill/>
+          <a:extLst>
+            <a:ext uri="{909E8E84-426E-40DD-AFC4-6F175D3DCCD1}">
+              <a14:hiddenFill xmlns:a14="http://schemas.microsoft.com/office/drawing/2010/main">
+                <a:solidFill>
+                  <a:srgbClr val="FFFFFF"/>
+                </a:solidFill>
+              </a14:hiddenFill>
+            </a:ext>
+          </a:extLst>
+        </p:spPr>
+      </p:pic>
+      <p:sp>
+        <p:nvSpPr>
+          <p:cNvPr id="11273" name="Rectangle 11272">
+            <a:extLst>
+              <a:ext uri="{FF2B5EF4-FFF2-40B4-BE49-F238E27FC236}">
+                <a16:creationId xmlns:a16="http://schemas.microsoft.com/office/drawing/2014/main" id="{D8C68F39-5E8A-844C-A8FD-394F253C1E5F}"/>
+              </a:ext>
+              <a:ext uri="{C183D7F6-B498-43B3-948B-1728B52AA6E4}">
+                <adec:decorative xmlns:adec="http://schemas.microsoft.com/office/drawing/2017/decorative" val="1"/>
+              </a:ext>
+            </a:extLst>
+          </p:cNvPr>
+          <p:cNvSpPr>
+            <a:spLocks noGrp="1" noRot="1" noChangeAspect="1" noMove="1" noResize="1" noEditPoints="1" noAdjustHandles="1" noChangeArrowheads="1" noChangeShapeType="1" noTextEdit="1"/>
+          </p:cNvSpPr>
+          <p:nvPr>
+            <p:extLst>
+              <p:ext uri="{386F3935-93C4-4BCD-93E2-E3B085C9AB24}">
+                <p16:designElem xmlns:p16="http://schemas.microsoft.com/office/powerpoint/2015/main" val="1"/>
+              </p:ext>
+            </p:extLst>
+          </p:nvPr>
+        </p:nvSpPr>
+        <p:spPr>
+          <a:xfrm>
+            <a:off x="0" y="565153"/>
+            <a:ext cx="1133856" cy="6292847"/>
+          </a:xfrm>
+          <a:prstGeom prst="rect">
+            <a:avLst/>
+          </a:prstGeom>
+          <a:gradFill flip="none" rotWithShape="1">
+            <a:gsLst>
+              <a:gs pos="0">
+                <a:schemeClr val="accent1">
+                  <a:alpha val="50000"/>
+                </a:schemeClr>
+              </a:gs>
+              <a:gs pos="81000">
+                <a:schemeClr val="accent4">
+                  <a:alpha val="50000"/>
+                </a:schemeClr>
+              </a:gs>
+              <a:gs pos="25000">
+                <a:schemeClr val="accent2">
+                  <a:alpha val="60000"/>
+                </a:schemeClr>
+              </a:gs>
+              <a:gs pos="50000">
+                <a:schemeClr val="accent3">
+                  <a:alpha val="55000"/>
+                </a:schemeClr>
+              </a:gs>
+              <a:gs pos="99000">
+                <a:schemeClr val="accent5">
+                  <a:alpha val="50000"/>
+                </a:schemeClr>
+              </a:gs>
+            </a:gsLst>
+            <a:path path="circle">
+              <a:fillToRect r="100000" b="100000"/>
+            </a:path>
+            <a:tileRect l="-100000" t="-100000"/>
+          </a:gradFill>
+          <a:ln>
+            <a:noFill/>
+          </a:ln>
+        </p:spPr>
+        <p:style>
+          <a:lnRef idx="2">
+            <a:schemeClr val="accent1">
+              <a:shade val="50000"/>
+            </a:schemeClr>
+          </a:lnRef>
+          <a:fillRef idx="1">
+            <a:schemeClr val="accent1"/>
+          </a:fillRef>
+          <a:effectRef idx="0">
+            <a:schemeClr val="accent1"/>
+          </a:effectRef>
+          <a:fontRef idx="minor">
+            <a:schemeClr val="lt1"/>
+          </a:fontRef>
+        </p:style>
+        <p:txBody>
+          <a:bodyPr rtlCol="0" anchor="ctr"/>
+          <a:lstStyle/>
+          <a:p>
+            <a:pPr algn="ctr"/>
+            <a:endParaRPr lang="en-US"/>
+          </a:p>
+        </p:txBody>
+      </p:sp>
+      <p:sp>
+        <p:nvSpPr>
+          <p:cNvPr id="11275" name="Rectangle 11274">
+            <a:extLst>
+              <a:ext uri="{FF2B5EF4-FFF2-40B4-BE49-F238E27FC236}">
+                <a16:creationId xmlns:a16="http://schemas.microsoft.com/office/drawing/2014/main" id="{BC583CEB-AC2B-2640-94F6-5958E6BC5BAB}"/>
+              </a:ext>
+              <a:ext uri="{C183D7F6-B498-43B3-948B-1728B52AA6E4}">
+                <adec:decorative xmlns:adec="http://schemas.microsoft.com/office/drawing/2017/decorative" val="1"/>
+              </a:ext>
+            </a:extLst>
+          </p:cNvPr>
+          <p:cNvSpPr>
+            <a:spLocks noGrp="1" noRot="1" noChangeAspect="1" noMove="1" noResize="1" noEditPoints="1" noAdjustHandles="1" noChangeArrowheads="1" noChangeShapeType="1" noTextEdit="1"/>
+          </p:cNvSpPr>
+          <p:nvPr>
+            <p:extLst>
+              <p:ext uri="{386F3935-93C4-4BCD-93E2-E3B085C9AB24}">
+                <p16:designElem xmlns:p16="http://schemas.microsoft.com/office/powerpoint/2015/main" val="1"/>
+              </p:ext>
+            </p:extLst>
+          </p:nvPr>
+        </p:nvSpPr>
+        <p:spPr>
+          <a:xfrm>
+            <a:off x="0" y="-3"/>
+            <a:ext cx="565150" cy="6857999"/>
+          </a:xfrm>
+          <a:prstGeom prst="rect">
+            <a:avLst/>
+          </a:prstGeom>
+          <a:gradFill flip="none" rotWithShape="1">
+            <a:gsLst>
+              <a:gs pos="0">
+                <a:schemeClr val="accent1">
+                  <a:alpha val="50000"/>
+                </a:schemeClr>
+              </a:gs>
+              <a:gs pos="81000">
+                <a:schemeClr val="accent4">
+                  <a:alpha val="50000"/>
+                </a:schemeClr>
+              </a:gs>
+              <a:gs pos="25000">
+                <a:schemeClr val="accent2">
+                  <a:alpha val="60000"/>
+                </a:schemeClr>
+              </a:gs>
+              <a:gs pos="49000">
+                <a:schemeClr val="accent3">
+                  <a:alpha val="55000"/>
+                </a:schemeClr>
+              </a:gs>
+              <a:gs pos="99000">
+                <a:schemeClr val="accent5">
+                  <a:alpha val="50000"/>
+                </a:schemeClr>
+              </a:gs>
+            </a:gsLst>
+            <a:path path="circle">
+              <a:fillToRect r="100000" b="100000"/>
+            </a:path>
+            <a:tileRect l="-100000" t="-100000"/>
+          </a:gradFill>
+          <a:ln>
+            <a:noFill/>
+          </a:ln>
+        </p:spPr>
+        <p:style>
+          <a:lnRef idx="2">
+            <a:schemeClr val="accent1">
+              <a:shade val="50000"/>
+            </a:schemeClr>
+          </a:lnRef>
+          <a:fillRef idx="1">
+            <a:schemeClr val="accent1"/>
+          </a:fillRef>
+          <a:effectRef idx="0">
+            <a:schemeClr val="accent1"/>
+          </a:effectRef>
+          <a:fontRef idx="minor">
+            <a:schemeClr val="lt1"/>
+          </a:fontRef>
+        </p:style>
+        <p:txBody>
+          <a:bodyPr rtlCol="0" anchor="ctr"/>
+          <a:lstStyle/>
+          <a:p>
+            <a:pPr algn="ctr"/>
+            <a:endParaRPr lang="en-US"/>
+          </a:p>
+        </p:txBody>
+      </p:sp>
+      <p:sp>
+        <p:nvSpPr>
+          <p:cNvPr id="3" name="Symbol zastępczy zawartości 2">
+            <a:extLst>
+              <a:ext uri="{FF2B5EF4-FFF2-40B4-BE49-F238E27FC236}">
+                <a16:creationId xmlns:a16="http://schemas.microsoft.com/office/drawing/2014/main" id="{1D6F5B0A-B35F-80AE-67DF-62D90ECC6B7A}"/>
+              </a:ext>
+            </a:extLst>
+          </p:cNvPr>
+          <p:cNvSpPr>
+            <a:spLocks noGrp="1"/>
+          </p:cNvSpPr>
+          <p:nvPr>
+            <p:ph idx="1"/>
+          </p:nvPr>
+        </p:nvSpPr>
+        <p:spPr>
+          <a:xfrm>
+            <a:off x="5127362" y="1743075"/>
+            <a:ext cx="6881728" cy="4343093"/>
+          </a:xfrm>
+        </p:spPr>
+        <p:txBody>
+          <a:bodyPr>
+            <a:noAutofit/>
+          </a:bodyPr>
+          <a:lstStyle/>
+          <a:p>
+            <a:pPr>
+              <a:lnSpc>
+                <a:spcPct val="100000"/>
+              </a:lnSpc>
+            </a:pPr>
+            <a:r>
+              <a:rPr lang="pl-PL" sz="2000" b="0" i="0" dirty="0">
+                <a:effectLst/>
+              </a:rPr>
+              <a:t>Starts </a:t>
+            </a:r>
+            <a:r>
+              <a:rPr lang="pl-PL" sz="2000" b="0" i="0" dirty="0" err="1">
+                <a:effectLst/>
+              </a:rPr>
+              <a:t>at</a:t>
+            </a:r>
+            <a:r>
+              <a:rPr lang="pl-PL" sz="2000" b="0" i="0" dirty="0">
+                <a:effectLst/>
+              </a:rPr>
+              <a:t> a </a:t>
+            </a:r>
+            <a:r>
+              <a:rPr lang="pl-PL" sz="2000" b="0" i="0" dirty="0" err="1">
+                <a:effectLst/>
+              </a:rPr>
+              <a:t>random</a:t>
+            </a:r>
+            <a:r>
+              <a:rPr lang="pl-PL" sz="2000" b="0" i="0" dirty="0">
+                <a:effectLst/>
+              </a:rPr>
+              <a:t> </a:t>
+            </a:r>
+            <a:r>
+              <a:rPr lang="pl-PL" sz="2000" b="0" i="0" dirty="0" err="1">
+                <a:effectLst/>
+              </a:rPr>
+              <a:t>state</a:t>
+            </a:r>
+            <a:endParaRPr lang="pl-PL" sz="2000" b="0" i="0" dirty="0">
+              <a:effectLst/>
+            </a:endParaRPr>
+          </a:p>
+          <a:p>
+            <a:pPr>
+              <a:lnSpc>
+                <a:spcPct val="100000"/>
+              </a:lnSpc>
+            </a:pPr>
+            <a:r>
+              <a:rPr lang="en-US" sz="2000" b="0" i="0" dirty="0">
+                <a:effectLst/>
+              </a:rPr>
+              <a:t>At each step, the simulated annealing heuristic considers some neighboring state </a:t>
+            </a:r>
+            <a:r>
+              <a:rPr lang="en-US" sz="2000" b="0" i="1" dirty="0">
+                <a:effectLst/>
+              </a:rPr>
+              <a:t>s*</a:t>
+            </a:r>
+            <a:r>
+              <a:rPr lang="en-US" sz="2000" b="0" i="0" dirty="0">
+                <a:effectLst/>
+              </a:rPr>
+              <a:t> of the current state </a:t>
+            </a:r>
+            <a:r>
+              <a:rPr lang="en-US" sz="2000" b="0" i="1" dirty="0">
+                <a:effectLst/>
+              </a:rPr>
+              <a:t>s</a:t>
+            </a:r>
+            <a:endParaRPr lang="pl-PL" sz="2000" b="0" i="0" dirty="0">
+              <a:effectLst/>
+            </a:endParaRPr>
+          </a:p>
+          <a:p>
+            <a:pPr lvl="1">
+              <a:lnSpc>
+                <a:spcPct val="100000"/>
+              </a:lnSpc>
+            </a:pPr>
+            <a:r>
+              <a:rPr lang="pl-PL" sz="2000" dirty="0" err="1"/>
+              <a:t>If</a:t>
+            </a:r>
+            <a:r>
+              <a:rPr lang="pl-PL" sz="2000" dirty="0"/>
+              <a:t> </a:t>
+            </a:r>
+            <a:r>
+              <a:rPr lang="pl-PL" sz="2000" dirty="0" err="1"/>
+              <a:t>neighboring</a:t>
+            </a:r>
+            <a:r>
+              <a:rPr lang="pl-PL" sz="2000" dirty="0"/>
+              <a:t> </a:t>
+            </a:r>
+            <a:r>
+              <a:rPr lang="pl-PL" sz="2000" dirty="0" err="1"/>
+              <a:t>state</a:t>
+            </a:r>
+            <a:r>
+              <a:rPr lang="pl-PL" sz="2000" dirty="0"/>
+              <a:t> </a:t>
+            </a:r>
+            <a:r>
+              <a:rPr lang="pl-PL" sz="2000" dirty="0" err="1"/>
+              <a:t>is</a:t>
+            </a:r>
+            <a:r>
+              <a:rPr lang="pl-PL" sz="2000" dirty="0"/>
+              <a:t> </a:t>
+            </a:r>
+            <a:r>
+              <a:rPr lang="pl-PL" sz="2000" dirty="0" err="1"/>
+              <a:t>better</a:t>
+            </a:r>
+            <a:r>
+              <a:rPr lang="pl-PL" sz="2000" dirty="0"/>
+              <a:t> </a:t>
+            </a:r>
+            <a:r>
+              <a:rPr lang="pl-PL" sz="2000" dirty="0" err="1"/>
+              <a:t>accepts</a:t>
+            </a:r>
+            <a:r>
+              <a:rPr lang="pl-PL" sz="2000" dirty="0"/>
+              <a:t> </a:t>
+            </a:r>
+            <a:r>
+              <a:rPr lang="pl-PL" sz="2000" dirty="0" err="1"/>
+              <a:t>it</a:t>
+            </a:r>
+            <a:endParaRPr lang="pl-PL" sz="2000" dirty="0"/>
+          </a:p>
+          <a:p>
+            <a:pPr lvl="1">
+              <a:lnSpc>
+                <a:spcPct val="100000"/>
+              </a:lnSpc>
+            </a:pPr>
+            <a:r>
+              <a:rPr lang="pl-PL" sz="2000" b="0" i="0" dirty="0" err="1">
+                <a:effectLst/>
+              </a:rPr>
+              <a:t>otherwise</a:t>
+            </a:r>
+            <a:r>
+              <a:rPr lang="en-US" sz="2000" b="0" i="0" dirty="0">
+                <a:effectLst/>
+              </a:rPr>
+              <a:t> </a:t>
+            </a:r>
+            <a:r>
+              <a:rPr lang="en-US" sz="2000" b="0" i="0" u="none" strike="noStrike" dirty="0">
+                <a:effectLst/>
+              </a:rPr>
+              <a:t>probabilistically</a:t>
+            </a:r>
+            <a:r>
+              <a:rPr lang="en-US" sz="2000" b="0" i="0" dirty="0">
+                <a:effectLst/>
+              </a:rPr>
+              <a:t> decides between moving the system to state </a:t>
+            </a:r>
+            <a:r>
+              <a:rPr lang="en-US" sz="2000" b="0" i="1" dirty="0">
+                <a:effectLst/>
+              </a:rPr>
+              <a:t>s*</a:t>
+            </a:r>
+            <a:r>
+              <a:rPr lang="en-US" sz="2000" b="0" i="0" dirty="0">
+                <a:effectLst/>
+              </a:rPr>
+              <a:t> or staying in-state </a:t>
+            </a:r>
+            <a:r>
+              <a:rPr lang="en-US" sz="2000" b="0" i="1" dirty="0">
+                <a:effectLst/>
+              </a:rPr>
+              <a:t>s</a:t>
+            </a:r>
+            <a:r>
+              <a:rPr lang="en-US" sz="2000" b="0" i="0" dirty="0">
+                <a:effectLst/>
+              </a:rPr>
+              <a:t>.</a:t>
+            </a:r>
+            <a:endParaRPr lang="pl-PL" sz="2000" b="0" i="0" dirty="0">
+              <a:effectLst/>
+            </a:endParaRPr>
+          </a:p>
+          <a:p>
+            <a:pPr>
+              <a:lnSpc>
+                <a:spcPct val="100000"/>
+              </a:lnSpc>
+            </a:pPr>
+            <a:r>
+              <a:rPr lang="en-US" sz="2000" b="0" i="0" dirty="0">
+                <a:effectLst/>
+              </a:rPr>
+              <a:t>These probabilities ultimately lead the system to move to states of lower energy. Typically this step is repeated until the system reaches a state that is good enough for the application, or until a given computation budget has been exhausted.</a:t>
+            </a:r>
+            <a:endParaRPr lang="pl-PL" sz="2000" dirty="0"/>
+          </a:p>
+        </p:txBody>
+      </p:sp>
+    </p:spTree>
+    <p:extLst>
+      <p:ext uri="{BB962C8B-B14F-4D97-AF65-F5344CB8AC3E}">
+        <p14:creationId xmlns:p14="http://schemas.microsoft.com/office/powerpoint/2010/main" val="3900915746"/>
+      </p:ext>
+    </p:extLst>
+  </p:cSld>
+  <p:clrMapOvr>
+    <a:masterClrMapping/>
+  </p:clrMapOvr>
+</p:sld>
+</file>
+
+<file path=ppt/slides/slide18.xml><?xml version="1.0" encoding="utf-8"?>
+<p:sld xmlns:a="http://schemas.openxmlformats.org/drawingml/2006/main" xmlns:r="http://schemas.openxmlformats.org/officeDocument/2006/relationships" xmlns:p="http://schemas.openxmlformats.org/presentationml/2006/main">
+  <p:cSld>
+    <p:bg>
+      <p:bgPr>
+        <a:solidFill>
+          <a:schemeClr val="bg1"/>
+        </a:solidFill>
+        <a:effectLst/>
+      </p:bgPr>
+    </p:bg>
+    <p:spTree>
+      <p:nvGrpSpPr>
+        <p:cNvPr id="1" name=""/>
+        <p:cNvGrpSpPr/>
+        <p:nvPr/>
+      </p:nvGrpSpPr>
+      <p:grpSpPr>
+        <a:xfrm>
+          <a:off x="0" y="0"/>
+          <a:ext cx="0" cy="0"/>
+          <a:chOff x="0" y="0"/>
+          <a:chExt cx="0" cy="0"/>
+        </a:xfrm>
+      </p:grpSpPr>
+      <p:sp useBgFill="1">
+        <p:nvSpPr>
+          <p:cNvPr id="12295" name="Rectangle 12294">
+            <a:extLst>
+              <a:ext uri="{FF2B5EF4-FFF2-40B4-BE49-F238E27FC236}">
+                <a16:creationId xmlns:a16="http://schemas.microsoft.com/office/drawing/2014/main" id="{C868C70C-E5C4-CD47-888C-FCB3373B6D38}"/>
+              </a:ext>
+              <a:ext uri="{C183D7F6-B498-43B3-948B-1728B52AA6E4}">
+                <adec:decorative xmlns:adec="http://schemas.microsoft.com/office/drawing/2017/decorative" val="1"/>
+              </a:ext>
+            </a:extLst>
+          </p:cNvPr>
+          <p:cNvSpPr>
+            <a:spLocks noGrp="1" noRot="1" noChangeAspect="1" noMove="1" noResize="1" noEditPoints="1" noAdjustHandles="1" noChangeArrowheads="1" noChangeShapeType="1" noTextEdit="1"/>
+          </p:cNvSpPr>
+          <p:nvPr>
+            <p:extLst>
+              <p:ext uri="{386F3935-93C4-4BCD-93E2-E3B085C9AB24}">
+                <p16:designElem xmlns:p16="http://schemas.microsoft.com/office/powerpoint/2015/main" val="1"/>
+              </p:ext>
+            </p:extLst>
+          </p:nvPr>
+        </p:nvSpPr>
+        <p:spPr>
+          <a:xfrm>
+            <a:off x="0" y="0"/>
+            <a:ext cx="12188952" cy="6858000"/>
+          </a:xfrm>
+          <a:prstGeom prst="rect">
+            <a:avLst/>
+          </a:prstGeom>
+          <a:ln>
+            <a:noFill/>
+          </a:ln>
+        </p:spPr>
+        <p:style>
+          <a:lnRef idx="2">
+            <a:schemeClr val="accent1">
+              <a:shade val="50000"/>
+            </a:schemeClr>
+          </a:lnRef>
+          <a:fillRef idx="1">
+            <a:schemeClr val="accent1"/>
+          </a:fillRef>
+          <a:effectRef idx="0">
+            <a:schemeClr val="accent1"/>
+          </a:effectRef>
+          <a:fontRef idx="minor">
+            <a:schemeClr val="lt1"/>
+          </a:fontRef>
+        </p:style>
+        <p:txBody>
+          <a:bodyPr rtlCol="0" anchor="ctr"/>
+          <a:lstStyle/>
+          <a:p>
+            <a:pPr algn="ctr"/>
+            <a:endParaRPr lang="en-US"/>
+          </a:p>
+        </p:txBody>
+      </p:sp>
+      <p:sp>
+        <p:nvSpPr>
+          <p:cNvPr id="2" name="Tytuł 1">
+            <a:extLst>
+              <a:ext uri="{FF2B5EF4-FFF2-40B4-BE49-F238E27FC236}">
+                <a16:creationId xmlns:a16="http://schemas.microsoft.com/office/drawing/2014/main" id="{450871EA-AF9A-4CEF-71D6-D203A333C789}"/>
+              </a:ext>
+            </a:extLst>
+          </p:cNvPr>
+          <p:cNvSpPr>
+            <a:spLocks noGrp="1"/>
+          </p:cNvSpPr>
+          <p:nvPr>
+            <p:ph type="title"/>
+          </p:nvPr>
+        </p:nvSpPr>
+        <p:spPr>
+          <a:xfrm>
+            <a:off x="5127362" y="455362"/>
+            <a:ext cx="6881728" cy="1550419"/>
+          </a:xfrm>
+        </p:spPr>
+        <p:txBody>
+          <a:bodyPr>
+            <a:normAutofit/>
+          </a:bodyPr>
+          <a:lstStyle/>
+          <a:p>
+            <a:r>
+              <a:rPr lang="pl-PL" dirty="0"/>
+              <a:t>My </a:t>
+            </a:r>
+            <a:r>
+              <a:rPr lang="pl-PL" dirty="0" err="1"/>
+              <a:t>implementation</a:t>
+            </a:r>
+            <a:endParaRPr lang="pl-PL" dirty="0"/>
+          </a:p>
+        </p:txBody>
+      </p:sp>
+      <p:pic>
+        <p:nvPicPr>
+          <p:cNvPr id="12290" name="Picture 2" descr="anneal - Wiktionary">
+            <a:extLst>
+              <a:ext uri="{FF2B5EF4-FFF2-40B4-BE49-F238E27FC236}">
+                <a16:creationId xmlns:a16="http://schemas.microsoft.com/office/drawing/2014/main" id="{B37C8E21-D17A-3F94-2942-9002197288A3}"/>
+              </a:ext>
+            </a:extLst>
+          </p:cNvPr>
+          <p:cNvPicPr>
+            <a:picLocks noChangeAspect="1" noChangeArrowheads="1"/>
+          </p:cNvPicPr>
+          <p:nvPr/>
+        </p:nvPicPr>
+        <p:blipFill rotWithShape="1">
+          <a:blip r:embed="rId2">
+            <a:extLst>
+              <a:ext uri="{28A0092B-C50C-407E-A947-70E740481C1C}">
+                <a14:useLocalDpi xmlns:a14="http://schemas.microsoft.com/office/drawing/2010/main" val="0"/>
+              </a:ext>
+            </a:extLst>
+          </a:blip>
+          <a:srcRect l="15600" r="30142" b="-1"/>
+          <a:stretch/>
+        </p:blipFill>
+        <p:spPr bwMode="auto">
+          <a:xfrm>
+            <a:off x="20" y="10"/>
+            <a:ext cx="4651228" cy="6857990"/>
+          </a:xfrm>
+          <a:prstGeom prst="rect">
+            <a:avLst/>
+          </a:prstGeom>
+          <a:noFill/>
+          <a:extLst>
+            <a:ext uri="{909E8E84-426E-40DD-AFC4-6F175D3DCCD1}">
+              <a14:hiddenFill xmlns:a14="http://schemas.microsoft.com/office/drawing/2010/main">
+                <a:solidFill>
+                  <a:srgbClr val="FFFFFF"/>
+                </a:solidFill>
+              </a14:hiddenFill>
+            </a:ext>
+          </a:extLst>
+        </p:spPr>
+      </p:pic>
+      <p:sp>
+        <p:nvSpPr>
+          <p:cNvPr id="12297" name="Rectangle 12296">
+            <a:extLst>
+              <a:ext uri="{FF2B5EF4-FFF2-40B4-BE49-F238E27FC236}">
+                <a16:creationId xmlns:a16="http://schemas.microsoft.com/office/drawing/2014/main" id="{D8C68F39-5E8A-844C-A8FD-394F253C1E5F}"/>
+              </a:ext>
+              <a:ext uri="{C183D7F6-B498-43B3-948B-1728B52AA6E4}">
+                <adec:decorative xmlns:adec="http://schemas.microsoft.com/office/drawing/2017/decorative" val="1"/>
+              </a:ext>
+            </a:extLst>
+          </p:cNvPr>
+          <p:cNvSpPr>
+            <a:spLocks noGrp="1" noRot="1" noChangeAspect="1" noMove="1" noResize="1" noEditPoints="1" noAdjustHandles="1" noChangeArrowheads="1" noChangeShapeType="1" noTextEdit="1"/>
+          </p:cNvSpPr>
+          <p:nvPr>
+            <p:extLst>
+              <p:ext uri="{386F3935-93C4-4BCD-93E2-E3B085C9AB24}">
+                <p16:designElem xmlns:p16="http://schemas.microsoft.com/office/powerpoint/2015/main" val="1"/>
+              </p:ext>
+            </p:extLst>
+          </p:nvPr>
+        </p:nvSpPr>
+        <p:spPr>
+          <a:xfrm>
+            <a:off x="0" y="565153"/>
+            <a:ext cx="1133856" cy="6292847"/>
+          </a:xfrm>
+          <a:prstGeom prst="rect">
+            <a:avLst/>
+          </a:prstGeom>
+          <a:gradFill flip="none" rotWithShape="1">
+            <a:gsLst>
+              <a:gs pos="0">
+                <a:schemeClr val="accent1">
+                  <a:alpha val="50000"/>
+                </a:schemeClr>
+              </a:gs>
+              <a:gs pos="81000">
+                <a:schemeClr val="accent4">
+                  <a:alpha val="50000"/>
+                </a:schemeClr>
+              </a:gs>
+              <a:gs pos="25000">
+                <a:schemeClr val="accent2">
+                  <a:alpha val="60000"/>
+                </a:schemeClr>
+              </a:gs>
+              <a:gs pos="50000">
+                <a:schemeClr val="accent3">
+                  <a:alpha val="55000"/>
+                </a:schemeClr>
+              </a:gs>
+              <a:gs pos="99000">
+                <a:schemeClr val="accent5">
+                  <a:alpha val="50000"/>
+                </a:schemeClr>
+              </a:gs>
+            </a:gsLst>
+            <a:path path="circle">
+              <a:fillToRect r="100000" b="100000"/>
+            </a:path>
+            <a:tileRect l="-100000" t="-100000"/>
+          </a:gradFill>
+          <a:ln>
+            <a:noFill/>
+          </a:ln>
+        </p:spPr>
+        <p:style>
+          <a:lnRef idx="2">
+            <a:schemeClr val="accent1">
+              <a:shade val="50000"/>
+            </a:schemeClr>
+          </a:lnRef>
+          <a:fillRef idx="1">
+            <a:schemeClr val="accent1"/>
+          </a:fillRef>
+          <a:effectRef idx="0">
+            <a:schemeClr val="accent1"/>
+          </a:effectRef>
+          <a:fontRef idx="minor">
+            <a:schemeClr val="lt1"/>
+          </a:fontRef>
+        </p:style>
+        <p:txBody>
+          <a:bodyPr rtlCol="0" anchor="ctr"/>
+          <a:lstStyle/>
+          <a:p>
+            <a:pPr algn="ctr"/>
+            <a:endParaRPr lang="en-US"/>
+          </a:p>
+        </p:txBody>
+      </p:sp>
+      <p:sp>
+        <p:nvSpPr>
+          <p:cNvPr id="12299" name="Rectangle 12298">
+            <a:extLst>
+              <a:ext uri="{FF2B5EF4-FFF2-40B4-BE49-F238E27FC236}">
+                <a16:creationId xmlns:a16="http://schemas.microsoft.com/office/drawing/2014/main" id="{BC583CEB-AC2B-2640-94F6-5958E6BC5BAB}"/>
+              </a:ext>
+              <a:ext uri="{C183D7F6-B498-43B3-948B-1728B52AA6E4}">
+                <adec:decorative xmlns:adec="http://schemas.microsoft.com/office/drawing/2017/decorative" val="1"/>
+              </a:ext>
+            </a:extLst>
+          </p:cNvPr>
+          <p:cNvSpPr>
+            <a:spLocks noGrp="1" noRot="1" noChangeAspect="1" noMove="1" noResize="1" noEditPoints="1" noAdjustHandles="1" noChangeArrowheads="1" noChangeShapeType="1" noTextEdit="1"/>
+          </p:cNvSpPr>
+          <p:nvPr>
+            <p:extLst>
+              <p:ext uri="{386F3935-93C4-4BCD-93E2-E3B085C9AB24}">
+                <p16:designElem xmlns:p16="http://schemas.microsoft.com/office/powerpoint/2015/main" val="1"/>
+              </p:ext>
+            </p:extLst>
+          </p:nvPr>
+        </p:nvSpPr>
+        <p:spPr>
+          <a:xfrm>
+            <a:off x="0" y="-3"/>
+            <a:ext cx="565150" cy="6857999"/>
+          </a:xfrm>
+          <a:prstGeom prst="rect">
+            <a:avLst/>
+          </a:prstGeom>
+          <a:gradFill flip="none" rotWithShape="1">
+            <a:gsLst>
+              <a:gs pos="0">
+                <a:schemeClr val="accent1">
+                  <a:alpha val="50000"/>
+                </a:schemeClr>
+              </a:gs>
+              <a:gs pos="81000">
+                <a:schemeClr val="accent4">
+                  <a:alpha val="50000"/>
+                </a:schemeClr>
+              </a:gs>
+              <a:gs pos="25000">
+                <a:schemeClr val="accent2">
+                  <a:alpha val="60000"/>
+                </a:schemeClr>
+              </a:gs>
+              <a:gs pos="49000">
+                <a:schemeClr val="accent3">
+                  <a:alpha val="55000"/>
+                </a:schemeClr>
+              </a:gs>
+              <a:gs pos="99000">
+                <a:schemeClr val="accent5">
+                  <a:alpha val="50000"/>
+                </a:schemeClr>
+              </a:gs>
+            </a:gsLst>
+            <a:path path="circle">
+              <a:fillToRect r="100000" b="100000"/>
+            </a:path>
+            <a:tileRect l="-100000" t="-100000"/>
+          </a:gradFill>
+          <a:ln>
+            <a:noFill/>
+          </a:ln>
+        </p:spPr>
+        <p:style>
+          <a:lnRef idx="2">
+            <a:schemeClr val="accent1">
+              <a:shade val="50000"/>
+            </a:schemeClr>
+          </a:lnRef>
+          <a:fillRef idx="1">
+            <a:schemeClr val="accent1"/>
+          </a:fillRef>
+          <a:effectRef idx="0">
+            <a:schemeClr val="accent1"/>
+          </a:effectRef>
+          <a:fontRef idx="minor">
+            <a:schemeClr val="lt1"/>
+          </a:fontRef>
+        </p:style>
+        <p:txBody>
+          <a:bodyPr rtlCol="0" anchor="ctr"/>
+          <a:lstStyle/>
+          <a:p>
+            <a:pPr algn="ctr"/>
+            <a:endParaRPr lang="en-US"/>
+          </a:p>
+        </p:txBody>
+      </p:sp>
+      <p:sp>
+        <p:nvSpPr>
+          <p:cNvPr id="3" name="Symbol zastępczy zawartości 2">
+            <a:extLst>
+              <a:ext uri="{FF2B5EF4-FFF2-40B4-BE49-F238E27FC236}">
+                <a16:creationId xmlns:a16="http://schemas.microsoft.com/office/drawing/2014/main" id="{B044EFBE-6291-6479-808B-AF6733A464F9}"/>
+              </a:ext>
+            </a:extLst>
+          </p:cNvPr>
+          <p:cNvSpPr>
+            <a:spLocks noGrp="1"/>
+          </p:cNvSpPr>
+          <p:nvPr>
+            <p:ph idx="1"/>
+          </p:nvPr>
+        </p:nvSpPr>
+        <p:spPr>
+          <a:xfrm>
+            <a:off x="5127362" y="2160016"/>
+            <a:ext cx="6881728" cy="3926152"/>
+          </a:xfrm>
+        </p:spPr>
+        <p:txBody>
+          <a:bodyPr>
+            <a:normAutofit/>
+          </a:bodyPr>
+          <a:lstStyle/>
+          <a:p>
+            <a:r>
+              <a:rPr lang="pl-PL" dirty="0" err="1"/>
+              <a:t>Steps</a:t>
+            </a:r>
+            <a:r>
+              <a:rPr lang="pl-PL" dirty="0"/>
+              <a:t> </a:t>
+            </a:r>
+            <a:r>
+              <a:rPr lang="pl-PL" dirty="0" err="1"/>
+              <a:t>are</a:t>
+            </a:r>
+            <a:r>
+              <a:rPr lang="pl-PL" dirty="0"/>
+              <a:t> </a:t>
+            </a:r>
+            <a:r>
+              <a:rPr lang="pl-PL" dirty="0" err="1"/>
+              <a:t>repated</a:t>
+            </a:r>
+            <a:r>
+              <a:rPr lang="pl-PL" dirty="0"/>
+              <a:t> </a:t>
+            </a:r>
+            <a:r>
+              <a:rPr lang="pl-PL" dirty="0" err="1"/>
+              <a:t>untill</a:t>
+            </a:r>
+            <a:r>
+              <a:rPr lang="pl-PL" dirty="0"/>
+              <a:t> </a:t>
+            </a:r>
+            <a:r>
+              <a:rPr lang="pl-PL" dirty="0" err="1"/>
+              <a:t>timer</a:t>
+            </a:r>
+            <a:r>
+              <a:rPr lang="pl-PL" dirty="0"/>
+              <a:t> </a:t>
+            </a:r>
+            <a:r>
+              <a:rPr lang="pl-PL" dirty="0" err="1"/>
+              <a:t>contdown</a:t>
+            </a:r>
+            <a:r>
+              <a:rPr lang="pl-PL" dirty="0"/>
+              <a:t> </a:t>
+            </a:r>
+            <a:r>
+              <a:rPr lang="pl-PL" dirty="0" err="1"/>
+              <a:t>is</a:t>
+            </a:r>
+            <a:r>
+              <a:rPr lang="pl-PL" dirty="0"/>
+              <a:t> </a:t>
+            </a:r>
+            <a:r>
+              <a:rPr lang="pl-PL" dirty="0" err="1"/>
+              <a:t>terminated</a:t>
+            </a:r>
+            <a:endParaRPr lang="pl-PL" dirty="0"/>
+          </a:p>
+          <a:p>
+            <a:r>
+              <a:rPr lang="pl-PL" dirty="0" err="1"/>
+              <a:t>If</a:t>
+            </a:r>
+            <a:r>
+              <a:rPr lang="pl-PL" dirty="0"/>
+              <a:t> </a:t>
+            </a:r>
+            <a:r>
+              <a:rPr lang="pl-PL" dirty="0" err="1"/>
+              <a:t>algorithm</a:t>
+            </a:r>
+            <a:r>
+              <a:rPr lang="pl-PL" dirty="0"/>
+              <a:t> </a:t>
+            </a:r>
+            <a:r>
+              <a:rPr lang="pl-PL" dirty="0" err="1"/>
+              <a:t>is</a:t>
+            </a:r>
+            <a:r>
+              <a:rPr lang="pl-PL" dirty="0"/>
+              <a:t> in the same </a:t>
+            </a:r>
+            <a:r>
+              <a:rPr lang="pl-PL" dirty="0" err="1"/>
+              <a:t>state</a:t>
+            </a:r>
+            <a:r>
+              <a:rPr lang="pl-PL" dirty="0"/>
+              <a:t> for a </a:t>
+            </a:r>
+            <a:r>
+              <a:rPr lang="pl-PL" dirty="0" err="1"/>
+              <a:t>chosen</a:t>
+            </a:r>
+            <a:r>
+              <a:rPr lang="pl-PL" dirty="0"/>
+              <a:t> </a:t>
+            </a:r>
+            <a:r>
+              <a:rPr lang="pl-PL" dirty="0" err="1"/>
+              <a:t>amount</a:t>
+            </a:r>
+            <a:r>
+              <a:rPr lang="pl-PL" dirty="0"/>
+              <a:t> of </a:t>
+            </a:r>
+            <a:r>
+              <a:rPr lang="pl-PL" dirty="0" err="1"/>
+              <a:t>steps</a:t>
+            </a:r>
+            <a:r>
+              <a:rPr lang="pl-PL" dirty="0"/>
+              <a:t> </a:t>
+            </a:r>
+            <a:r>
+              <a:rPr lang="pl-PL" dirty="0" err="1"/>
+              <a:t>it</a:t>
+            </a:r>
+            <a:r>
+              <a:rPr lang="pl-PL" dirty="0"/>
+              <a:t> </a:t>
+            </a:r>
+            <a:r>
+              <a:rPr lang="pl-PL" dirty="0" err="1"/>
+              <a:t>assumes</a:t>
+            </a:r>
+            <a:r>
+              <a:rPr lang="pl-PL" dirty="0"/>
+              <a:t> </a:t>
+            </a:r>
+            <a:r>
+              <a:rPr lang="pl-PL" dirty="0" err="1"/>
+              <a:t>that</a:t>
+            </a:r>
+            <a:r>
+              <a:rPr lang="pl-PL" dirty="0"/>
+              <a:t> </a:t>
+            </a:r>
+            <a:r>
+              <a:rPr lang="pl-PL" dirty="0" err="1"/>
+              <a:t>it</a:t>
+            </a:r>
+            <a:r>
+              <a:rPr lang="pl-PL" dirty="0"/>
+              <a:t> </a:t>
+            </a:r>
+            <a:r>
+              <a:rPr lang="pl-PL" dirty="0" err="1"/>
+              <a:t>is</a:t>
+            </a:r>
+            <a:r>
+              <a:rPr lang="pl-PL" dirty="0"/>
+              <a:t> </a:t>
+            </a:r>
+            <a:r>
+              <a:rPr lang="pl-PL" dirty="0" err="1"/>
+              <a:t>stuck</a:t>
+            </a:r>
+            <a:r>
+              <a:rPr lang="pl-PL" dirty="0"/>
+              <a:t> and </a:t>
+            </a:r>
+            <a:r>
+              <a:rPr lang="pl-PL" dirty="0" err="1"/>
+              <a:t>use</a:t>
+            </a:r>
+            <a:r>
+              <a:rPr lang="pl-PL" dirty="0"/>
+              <a:t> one of 2 </a:t>
+            </a:r>
+            <a:r>
+              <a:rPr lang="pl-PL" dirty="0" err="1"/>
+              <a:t>ways</a:t>
+            </a:r>
+            <a:r>
+              <a:rPr lang="pl-PL" dirty="0"/>
+              <a:t> to </a:t>
+            </a:r>
+            <a:r>
+              <a:rPr lang="pl-PL" dirty="0" err="1"/>
+              <a:t>escape</a:t>
+            </a:r>
+            <a:r>
+              <a:rPr lang="pl-PL" dirty="0"/>
+              <a:t>:</a:t>
+            </a:r>
+          </a:p>
+          <a:p>
+            <a:pPr lvl="1"/>
+            <a:r>
+              <a:rPr lang="pl-PL" dirty="0" err="1"/>
+              <a:t>Reheat</a:t>
+            </a:r>
+            <a:r>
+              <a:rPr lang="pl-PL" dirty="0"/>
+              <a:t> </a:t>
+            </a:r>
+            <a:r>
+              <a:rPr lang="pl-PL" dirty="0" err="1"/>
+              <a:t>temperature</a:t>
+            </a:r>
+            <a:r>
+              <a:rPr lang="pl-PL" dirty="0"/>
+              <a:t> – </a:t>
+            </a:r>
+            <a:r>
+              <a:rPr lang="pl-PL" dirty="0" err="1"/>
+              <a:t>higher</a:t>
+            </a:r>
+            <a:r>
+              <a:rPr lang="pl-PL" dirty="0"/>
+              <a:t> </a:t>
+            </a:r>
+            <a:r>
+              <a:rPr lang="pl-PL" dirty="0" err="1"/>
+              <a:t>probability</a:t>
+            </a:r>
+            <a:r>
+              <a:rPr lang="pl-PL" dirty="0"/>
+              <a:t> to </a:t>
+            </a:r>
+            <a:r>
+              <a:rPr lang="pl-PL" dirty="0" err="1"/>
+              <a:t>move</a:t>
+            </a:r>
+            <a:r>
+              <a:rPr lang="pl-PL" dirty="0"/>
+              <a:t> to </a:t>
+            </a:r>
+            <a:r>
+              <a:rPr lang="pl-PL" dirty="0" err="1"/>
+              <a:t>different</a:t>
+            </a:r>
+            <a:r>
+              <a:rPr lang="pl-PL" dirty="0"/>
+              <a:t> step </a:t>
+            </a:r>
+            <a:r>
+              <a:rPr lang="pl-PL" dirty="0" err="1"/>
+              <a:t>even</a:t>
+            </a:r>
+            <a:r>
+              <a:rPr lang="pl-PL" dirty="0"/>
+              <a:t> </a:t>
+            </a:r>
+            <a:r>
+              <a:rPr lang="pl-PL" dirty="0" err="1"/>
+              <a:t>if</a:t>
+            </a:r>
+            <a:r>
+              <a:rPr lang="pl-PL" dirty="0"/>
+              <a:t> </a:t>
+            </a:r>
+            <a:r>
+              <a:rPr lang="pl-PL" dirty="0" err="1"/>
+              <a:t>it</a:t>
+            </a:r>
+            <a:r>
+              <a:rPr lang="pl-PL" dirty="0"/>
+              <a:t> </a:t>
+            </a:r>
+            <a:r>
+              <a:rPr lang="pl-PL" dirty="0" err="1"/>
+              <a:t>is</a:t>
+            </a:r>
+            <a:r>
+              <a:rPr lang="pl-PL" dirty="0"/>
+              <a:t> </a:t>
+            </a:r>
+            <a:r>
+              <a:rPr lang="pl-PL" dirty="0" err="1"/>
+              <a:t>worse</a:t>
+            </a:r>
+            <a:r>
+              <a:rPr lang="pl-PL" dirty="0"/>
+              <a:t> </a:t>
+            </a:r>
+            <a:r>
+              <a:rPr lang="pl-PL" dirty="0" err="1"/>
+              <a:t>than</a:t>
+            </a:r>
+            <a:r>
+              <a:rPr lang="pl-PL" dirty="0"/>
+              <a:t> </a:t>
+            </a:r>
+            <a:r>
+              <a:rPr lang="pl-PL" dirty="0" err="1"/>
+              <a:t>current</a:t>
+            </a:r>
+            <a:r>
+              <a:rPr lang="pl-PL" dirty="0"/>
+              <a:t> one</a:t>
+            </a:r>
+          </a:p>
+          <a:p>
+            <a:pPr lvl="1"/>
+            <a:r>
+              <a:rPr lang="pl-PL" dirty="0" err="1"/>
+              <a:t>Change</a:t>
+            </a:r>
+            <a:r>
+              <a:rPr lang="pl-PL" dirty="0"/>
+              <a:t> </a:t>
+            </a:r>
+            <a:r>
+              <a:rPr lang="pl-PL" dirty="0" err="1"/>
+              <a:t>current</a:t>
+            </a:r>
+            <a:r>
+              <a:rPr lang="pl-PL" dirty="0"/>
+              <a:t> </a:t>
+            </a:r>
+            <a:r>
+              <a:rPr lang="pl-PL" dirty="0" err="1"/>
+              <a:t>state</a:t>
+            </a:r>
+            <a:r>
+              <a:rPr lang="pl-PL" dirty="0"/>
+              <a:t> to the </a:t>
+            </a:r>
+            <a:r>
+              <a:rPr lang="pl-PL" dirty="0" err="1"/>
+              <a:t>other</a:t>
+            </a:r>
+            <a:r>
+              <a:rPr lang="pl-PL" dirty="0"/>
+              <a:t> </a:t>
+            </a:r>
+            <a:r>
+              <a:rPr lang="pl-PL" dirty="0" err="1"/>
+              <a:t>random</a:t>
+            </a:r>
+            <a:r>
+              <a:rPr lang="pl-PL" dirty="0"/>
+              <a:t> one</a:t>
+            </a:r>
+          </a:p>
+          <a:p>
+            <a:endParaRPr lang="pl-PL" dirty="0"/>
+          </a:p>
+        </p:txBody>
+      </p:sp>
+    </p:spTree>
+    <p:extLst>
+      <p:ext uri="{BB962C8B-B14F-4D97-AF65-F5344CB8AC3E}">
+        <p14:creationId xmlns:p14="http://schemas.microsoft.com/office/powerpoint/2010/main" val="1804142952"/>
+      </p:ext>
+    </p:extLst>
+  </p:cSld>
+  <p:clrMapOvr>
+    <a:masterClrMapping/>
+  </p:clrMapOvr>
+</p:sld>
+</file>
+
+<file path=ppt/slides/slide19.xml><?xml version="1.0" encoding="utf-8"?>
+<p:sld xmlns:a="http://schemas.openxmlformats.org/drawingml/2006/main" xmlns:r="http://schemas.openxmlformats.org/officeDocument/2006/relationships" xmlns:p="http://schemas.openxmlformats.org/presentationml/2006/main">
+  <p:cSld>
+    <p:bg>
+      <p:bgPr>
+        <a:solidFill>
+          <a:schemeClr val="bg1"/>
+        </a:solidFill>
+        <a:effectLst/>
+      </p:bgPr>
+    </p:bg>
+    <p:spTree>
+      <p:nvGrpSpPr>
+        <p:cNvPr id="1" name=""/>
+        <p:cNvGrpSpPr/>
+        <p:nvPr/>
+      </p:nvGrpSpPr>
+      <p:grpSpPr>
+        <a:xfrm>
+          <a:off x="0" y="0"/>
+          <a:ext cx="0" cy="0"/>
+          <a:chOff x="0" y="0"/>
+          <a:chExt cx="0" cy="0"/>
+        </a:xfrm>
+      </p:grpSpPr>
+      <p:sp useBgFill="1">
+        <p:nvSpPr>
           <p:cNvPr id="9" name="Rectangle 8">
             <a:extLst>
               <a:ext uri="{FF2B5EF4-FFF2-40B4-BE49-F238E27FC236}">
@@ -15612,1375 +16982,6 @@
 </p:sld>
 </file>
 
-<file path=ppt/slides/slide18.xml><?xml version="1.0" encoding="utf-8"?>
-<p:sld xmlns:a="http://schemas.openxmlformats.org/drawingml/2006/main" xmlns:r="http://schemas.openxmlformats.org/officeDocument/2006/relationships" xmlns:p="http://schemas.openxmlformats.org/presentationml/2006/main">
-  <p:cSld>
-    <p:bg>
-      <p:bgPr>
-        <a:solidFill>
-          <a:schemeClr val="bg1"/>
-        </a:solidFill>
-        <a:effectLst/>
-      </p:bgPr>
-    </p:bg>
-    <p:spTree>
-      <p:nvGrpSpPr>
-        <p:cNvPr id="1" name=""/>
-        <p:cNvGrpSpPr/>
-        <p:nvPr/>
-      </p:nvGrpSpPr>
-      <p:grpSpPr>
-        <a:xfrm>
-          <a:off x="0" y="0"/>
-          <a:ext cx="0" cy="0"/>
-          <a:chOff x="0" y="0"/>
-          <a:chExt cx="0" cy="0"/>
-        </a:xfrm>
-      </p:grpSpPr>
-      <p:sp useBgFill="1">
-        <p:nvSpPr>
-          <p:cNvPr id="11271" name="Rectangle 11270">
-            <a:extLst>
-              <a:ext uri="{FF2B5EF4-FFF2-40B4-BE49-F238E27FC236}">
-                <a16:creationId xmlns:a16="http://schemas.microsoft.com/office/drawing/2014/main" id="{C868C70C-E5C4-CD47-888C-FCB3373B6D38}"/>
-              </a:ext>
-              <a:ext uri="{C183D7F6-B498-43B3-948B-1728B52AA6E4}">
-                <adec:decorative xmlns:adec="http://schemas.microsoft.com/office/drawing/2017/decorative" val="1"/>
-              </a:ext>
-            </a:extLst>
-          </p:cNvPr>
-          <p:cNvSpPr>
-            <a:spLocks noGrp="1" noRot="1" noChangeAspect="1" noMove="1" noResize="1" noEditPoints="1" noAdjustHandles="1" noChangeArrowheads="1" noChangeShapeType="1" noTextEdit="1"/>
-          </p:cNvSpPr>
-          <p:nvPr>
-            <p:extLst>
-              <p:ext uri="{386F3935-93C4-4BCD-93E2-E3B085C9AB24}">
-                <p16:designElem xmlns:p16="http://schemas.microsoft.com/office/powerpoint/2015/main" val="1"/>
-              </p:ext>
-            </p:extLst>
-          </p:nvPr>
-        </p:nvSpPr>
-        <p:spPr>
-          <a:xfrm>
-            <a:off x="0" y="0"/>
-            <a:ext cx="12188952" cy="6858000"/>
-          </a:xfrm>
-          <a:prstGeom prst="rect">
-            <a:avLst/>
-          </a:prstGeom>
-          <a:ln>
-            <a:noFill/>
-          </a:ln>
-        </p:spPr>
-        <p:style>
-          <a:lnRef idx="2">
-            <a:schemeClr val="accent1">
-              <a:shade val="50000"/>
-            </a:schemeClr>
-          </a:lnRef>
-          <a:fillRef idx="1">
-            <a:schemeClr val="accent1"/>
-          </a:fillRef>
-          <a:effectRef idx="0">
-            <a:schemeClr val="accent1"/>
-          </a:effectRef>
-          <a:fontRef idx="minor">
-            <a:schemeClr val="lt1"/>
-          </a:fontRef>
-        </p:style>
-        <p:txBody>
-          <a:bodyPr rtlCol="0" anchor="ctr"/>
-          <a:lstStyle/>
-          <a:p>
-            <a:pPr algn="ctr"/>
-            <a:endParaRPr lang="en-US"/>
-          </a:p>
-        </p:txBody>
-      </p:sp>
-      <p:sp>
-        <p:nvSpPr>
-          <p:cNvPr id="2" name="Tytuł 1">
-            <a:extLst>
-              <a:ext uri="{FF2B5EF4-FFF2-40B4-BE49-F238E27FC236}">
-                <a16:creationId xmlns:a16="http://schemas.microsoft.com/office/drawing/2014/main" id="{1E156550-E941-A23A-04CC-5CFEBF37AF8D}"/>
-              </a:ext>
-            </a:extLst>
-          </p:cNvPr>
-          <p:cNvSpPr>
-            <a:spLocks noGrp="1"/>
-          </p:cNvSpPr>
-          <p:nvPr>
-            <p:ph type="title"/>
-          </p:nvPr>
-        </p:nvSpPr>
-        <p:spPr>
-          <a:xfrm>
-            <a:off x="5127362" y="455362"/>
-            <a:ext cx="6881728" cy="1550419"/>
-          </a:xfrm>
-        </p:spPr>
-        <p:txBody>
-          <a:bodyPr>
-            <a:normAutofit/>
-          </a:bodyPr>
-          <a:lstStyle/>
-          <a:p>
-            <a:r>
-              <a:rPr lang="pl-PL" dirty="0" err="1"/>
-              <a:t>Simulated</a:t>
-            </a:r>
-            <a:r>
-              <a:rPr lang="pl-PL" dirty="0"/>
-              <a:t> </a:t>
-            </a:r>
-            <a:r>
-              <a:rPr lang="pl-PL" dirty="0" err="1"/>
-              <a:t>annealing</a:t>
-            </a:r>
-            <a:r>
-              <a:rPr lang="pl-PL" dirty="0"/>
-              <a:t>:</a:t>
-            </a:r>
-            <a:br>
-              <a:rPr lang="pl-PL" dirty="0"/>
-            </a:br>
-            <a:r>
-              <a:rPr lang="pl-PL" sz="1600" b="0" i="1" dirty="0"/>
-              <a:t>by Wikipedia</a:t>
-            </a:r>
-            <a:endParaRPr lang="pl-PL" sz="1600" dirty="0"/>
-          </a:p>
-        </p:txBody>
-      </p:sp>
-      <p:pic>
-        <p:nvPicPr>
-          <p:cNvPr id="11266" name="Picture 2" descr="Annealing Services - Steel, Aluminum, and Copper">
-            <a:extLst>
-              <a:ext uri="{FF2B5EF4-FFF2-40B4-BE49-F238E27FC236}">
-                <a16:creationId xmlns:a16="http://schemas.microsoft.com/office/drawing/2014/main" id="{CA28215B-15E1-6464-525F-34653240F250}"/>
-              </a:ext>
-            </a:extLst>
-          </p:cNvPr>
-          <p:cNvPicPr>
-            <a:picLocks noChangeAspect="1" noChangeArrowheads="1"/>
-          </p:cNvPicPr>
-          <p:nvPr/>
-        </p:nvPicPr>
-        <p:blipFill rotWithShape="1">
-          <a:blip r:embed="rId2">
-            <a:extLst>
-              <a:ext uri="{28A0092B-C50C-407E-A947-70E740481C1C}">
-                <a14:useLocalDpi xmlns:a14="http://schemas.microsoft.com/office/drawing/2010/main" val="0"/>
-              </a:ext>
-            </a:extLst>
-          </a:blip>
-          <a:srcRect t="1949" r="1" b="1"/>
-          <a:stretch/>
-        </p:blipFill>
-        <p:spPr bwMode="auto">
-          <a:xfrm>
-            <a:off x="20" y="10"/>
-            <a:ext cx="4651228" cy="6857990"/>
-          </a:xfrm>
-          <a:prstGeom prst="rect">
-            <a:avLst/>
-          </a:prstGeom>
-          <a:noFill/>
-          <a:extLst>
-            <a:ext uri="{909E8E84-426E-40DD-AFC4-6F175D3DCCD1}">
-              <a14:hiddenFill xmlns:a14="http://schemas.microsoft.com/office/drawing/2010/main">
-                <a:solidFill>
-                  <a:srgbClr val="FFFFFF"/>
-                </a:solidFill>
-              </a14:hiddenFill>
-            </a:ext>
-          </a:extLst>
-        </p:spPr>
-      </p:pic>
-      <p:sp>
-        <p:nvSpPr>
-          <p:cNvPr id="11273" name="Rectangle 11272">
-            <a:extLst>
-              <a:ext uri="{FF2B5EF4-FFF2-40B4-BE49-F238E27FC236}">
-                <a16:creationId xmlns:a16="http://schemas.microsoft.com/office/drawing/2014/main" id="{D8C68F39-5E8A-844C-A8FD-394F253C1E5F}"/>
-              </a:ext>
-              <a:ext uri="{C183D7F6-B498-43B3-948B-1728B52AA6E4}">
-                <adec:decorative xmlns:adec="http://schemas.microsoft.com/office/drawing/2017/decorative" val="1"/>
-              </a:ext>
-            </a:extLst>
-          </p:cNvPr>
-          <p:cNvSpPr>
-            <a:spLocks noGrp="1" noRot="1" noChangeAspect="1" noMove="1" noResize="1" noEditPoints="1" noAdjustHandles="1" noChangeArrowheads="1" noChangeShapeType="1" noTextEdit="1"/>
-          </p:cNvSpPr>
-          <p:nvPr>
-            <p:extLst>
-              <p:ext uri="{386F3935-93C4-4BCD-93E2-E3B085C9AB24}">
-                <p16:designElem xmlns:p16="http://schemas.microsoft.com/office/powerpoint/2015/main" val="1"/>
-              </p:ext>
-            </p:extLst>
-          </p:nvPr>
-        </p:nvSpPr>
-        <p:spPr>
-          <a:xfrm>
-            <a:off x="0" y="565153"/>
-            <a:ext cx="1133856" cy="6292847"/>
-          </a:xfrm>
-          <a:prstGeom prst="rect">
-            <a:avLst/>
-          </a:prstGeom>
-          <a:gradFill flip="none" rotWithShape="1">
-            <a:gsLst>
-              <a:gs pos="0">
-                <a:schemeClr val="accent1">
-                  <a:alpha val="50000"/>
-                </a:schemeClr>
-              </a:gs>
-              <a:gs pos="81000">
-                <a:schemeClr val="accent4">
-                  <a:alpha val="50000"/>
-                </a:schemeClr>
-              </a:gs>
-              <a:gs pos="25000">
-                <a:schemeClr val="accent2">
-                  <a:alpha val="60000"/>
-                </a:schemeClr>
-              </a:gs>
-              <a:gs pos="50000">
-                <a:schemeClr val="accent3">
-                  <a:alpha val="55000"/>
-                </a:schemeClr>
-              </a:gs>
-              <a:gs pos="99000">
-                <a:schemeClr val="accent5">
-                  <a:alpha val="50000"/>
-                </a:schemeClr>
-              </a:gs>
-            </a:gsLst>
-            <a:path path="circle">
-              <a:fillToRect r="100000" b="100000"/>
-            </a:path>
-            <a:tileRect l="-100000" t="-100000"/>
-          </a:gradFill>
-          <a:ln>
-            <a:noFill/>
-          </a:ln>
-        </p:spPr>
-        <p:style>
-          <a:lnRef idx="2">
-            <a:schemeClr val="accent1">
-              <a:shade val="50000"/>
-            </a:schemeClr>
-          </a:lnRef>
-          <a:fillRef idx="1">
-            <a:schemeClr val="accent1"/>
-          </a:fillRef>
-          <a:effectRef idx="0">
-            <a:schemeClr val="accent1"/>
-          </a:effectRef>
-          <a:fontRef idx="minor">
-            <a:schemeClr val="lt1"/>
-          </a:fontRef>
-        </p:style>
-        <p:txBody>
-          <a:bodyPr rtlCol="0" anchor="ctr"/>
-          <a:lstStyle/>
-          <a:p>
-            <a:pPr algn="ctr"/>
-            <a:endParaRPr lang="en-US"/>
-          </a:p>
-        </p:txBody>
-      </p:sp>
-      <p:sp>
-        <p:nvSpPr>
-          <p:cNvPr id="11275" name="Rectangle 11274">
-            <a:extLst>
-              <a:ext uri="{FF2B5EF4-FFF2-40B4-BE49-F238E27FC236}">
-                <a16:creationId xmlns:a16="http://schemas.microsoft.com/office/drawing/2014/main" id="{BC583CEB-AC2B-2640-94F6-5958E6BC5BAB}"/>
-              </a:ext>
-              <a:ext uri="{C183D7F6-B498-43B3-948B-1728B52AA6E4}">
-                <adec:decorative xmlns:adec="http://schemas.microsoft.com/office/drawing/2017/decorative" val="1"/>
-              </a:ext>
-            </a:extLst>
-          </p:cNvPr>
-          <p:cNvSpPr>
-            <a:spLocks noGrp="1" noRot="1" noChangeAspect="1" noMove="1" noResize="1" noEditPoints="1" noAdjustHandles="1" noChangeArrowheads="1" noChangeShapeType="1" noTextEdit="1"/>
-          </p:cNvSpPr>
-          <p:nvPr>
-            <p:extLst>
-              <p:ext uri="{386F3935-93C4-4BCD-93E2-E3B085C9AB24}">
-                <p16:designElem xmlns:p16="http://schemas.microsoft.com/office/powerpoint/2015/main" val="1"/>
-              </p:ext>
-            </p:extLst>
-          </p:nvPr>
-        </p:nvSpPr>
-        <p:spPr>
-          <a:xfrm>
-            <a:off x="0" y="-3"/>
-            <a:ext cx="565150" cy="6857999"/>
-          </a:xfrm>
-          <a:prstGeom prst="rect">
-            <a:avLst/>
-          </a:prstGeom>
-          <a:gradFill flip="none" rotWithShape="1">
-            <a:gsLst>
-              <a:gs pos="0">
-                <a:schemeClr val="accent1">
-                  <a:alpha val="50000"/>
-                </a:schemeClr>
-              </a:gs>
-              <a:gs pos="81000">
-                <a:schemeClr val="accent4">
-                  <a:alpha val="50000"/>
-                </a:schemeClr>
-              </a:gs>
-              <a:gs pos="25000">
-                <a:schemeClr val="accent2">
-                  <a:alpha val="60000"/>
-                </a:schemeClr>
-              </a:gs>
-              <a:gs pos="49000">
-                <a:schemeClr val="accent3">
-                  <a:alpha val="55000"/>
-                </a:schemeClr>
-              </a:gs>
-              <a:gs pos="99000">
-                <a:schemeClr val="accent5">
-                  <a:alpha val="50000"/>
-                </a:schemeClr>
-              </a:gs>
-            </a:gsLst>
-            <a:path path="circle">
-              <a:fillToRect r="100000" b="100000"/>
-            </a:path>
-            <a:tileRect l="-100000" t="-100000"/>
-          </a:gradFill>
-          <a:ln>
-            <a:noFill/>
-          </a:ln>
-        </p:spPr>
-        <p:style>
-          <a:lnRef idx="2">
-            <a:schemeClr val="accent1">
-              <a:shade val="50000"/>
-            </a:schemeClr>
-          </a:lnRef>
-          <a:fillRef idx="1">
-            <a:schemeClr val="accent1"/>
-          </a:fillRef>
-          <a:effectRef idx="0">
-            <a:schemeClr val="accent1"/>
-          </a:effectRef>
-          <a:fontRef idx="minor">
-            <a:schemeClr val="lt1"/>
-          </a:fontRef>
-        </p:style>
-        <p:txBody>
-          <a:bodyPr rtlCol="0" anchor="ctr"/>
-          <a:lstStyle/>
-          <a:p>
-            <a:pPr algn="ctr"/>
-            <a:endParaRPr lang="en-US"/>
-          </a:p>
-        </p:txBody>
-      </p:sp>
-      <p:sp>
-        <p:nvSpPr>
-          <p:cNvPr id="3" name="Symbol zastępczy zawartości 2">
-            <a:extLst>
-              <a:ext uri="{FF2B5EF4-FFF2-40B4-BE49-F238E27FC236}">
-                <a16:creationId xmlns:a16="http://schemas.microsoft.com/office/drawing/2014/main" id="{1D6F5B0A-B35F-80AE-67DF-62D90ECC6B7A}"/>
-              </a:ext>
-            </a:extLst>
-          </p:cNvPr>
-          <p:cNvSpPr>
-            <a:spLocks noGrp="1"/>
-          </p:cNvSpPr>
-          <p:nvPr>
-            <p:ph idx="1"/>
-          </p:nvPr>
-        </p:nvSpPr>
-        <p:spPr>
-          <a:xfrm>
-            <a:off x="5127362" y="1743075"/>
-            <a:ext cx="6881728" cy="4343093"/>
-          </a:xfrm>
-        </p:spPr>
-        <p:txBody>
-          <a:bodyPr>
-            <a:noAutofit/>
-          </a:bodyPr>
-          <a:lstStyle/>
-          <a:p>
-            <a:pPr>
-              <a:lnSpc>
-                <a:spcPct val="100000"/>
-              </a:lnSpc>
-            </a:pPr>
-            <a:r>
-              <a:rPr lang="pl-PL" sz="2000" b="0" i="0" dirty="0">
-                <a:effectLst/>
-              </a:rPr>
-              <a:t>Starts </a:t>
-            </a:r>
-            <a:r>
-              <a:rPr lang="pl-PL" sz="2000" b="0" i="0" dirty="0" err="1">
-                <a:effectLst/>
-              </a:rPr>
-              <a:t>at</a:t>
-            </a:r>
-            <a:r>
-              <a:rPr lang="pl-PL" sz="2000" b="0" i="0" dirty="0">
-                <a:effectLst/>
-              </a:rPr>
-              <a:t> a </a:t>
-            </a:r>
-            <a:r>
-              <a:rPr lang="pl-PL" sz="2000" b="0" i="0" dirty="0" err="1">
-                <a:effectLst/>
-              </a:rPr>
-              <a:t>random</a:t>
-            </a:r>
-            <a:r>
-              <a:rPr lang="pl-PL" sz="2000" b="0" i="0" dirty="0">
-                <a:effectLst/>
-              </a:rPr>
-              <a:t> </a:t>
-            </a:r>
-            <a:r>
-              <a:rPr lang="pl-PL" sz="2000" b="0" i="0" dirty="0" err="1">
-                <a:effectLst/>
-              </a:rPr>
-              <a:t>state</a:t>
-            </a:r>
-            <a:endParaRPr lang="pl-PL" sz="2000" b="0" i="0" dirty="0">
-              <a:effectLst/>
-            </a:endParaRPr>
-          </a:p>
-          <a:p>
-            <a:pPr>
-              <a:lnSpc>
-                <a:spcPct val="100000"/>
-              </a:lnSpc>
-            </a:pPr>
-            <a:r>
-              <a:rPr lang="en-US" sz="2000" b="0" i="0" dirty="0">
-                <a:effectLst/>
-              </a:rPr>
-              <a:t>At each step, the simulated annealing heuristic considers some neighboring state </a:t>
-            </a:r>
-            <a:r>
-              <a:rPr lang="en-US" sz="2000" b="0" i="1" dirty="0">
-                <a:effectLst/>
-              </a:rPr>
-              <a:t>s*</a:t>
-            </a:r>
-            <a:r>
-              <a:rPr lang="en-US" sz="2000" b="0" i="0" dirty="0">
-                <a:effectLst/>
-              </a:rPr>
-              <a:t> of the current state </a:t>
-            </a:r>
-            <a:r>
-              <a:rPr lang="en-US" sz="2000" b="0" i="1" dirty="0">
-                <a:effectLst/>
-              </a:rPr>
-              <a:t>s</a:t>
-            </a:r>
-            <a:endParaRPr lang="pl-PL" sz="2000" b="0" i="0" dirty="0">
-              <a:effectLst/>
-            </a:endParaRPr>
-          </a:p>
-          <a:p>
-            <a:pPr lvl="1">
-              <a:lnSpc>
-                <a:spcPct val="100000"/>
-              </a:lnSpc>
-            </a:pPr>
-            <a:r>
-              <a:rPr lang="pl-PL" sz="2000" dirty="0" err="1"/>
-              <a:t>If</a:t>
-            </a:r>
-            <a:r>
-              <a:rPr lang="pl-PL" sz="2000" dirty="0"/>
-              <a:t> </a:t>
-            </a:r>
-            <a:r>
-              <a:rPr lang="pl-PL" sz="2000" dirty="0" err="1"/>
-              <a:t>neighboring</a:t>
-            </a:r>
-            <a:r>
-              <a:rPr lang="pl-PL" sz="2000" dirty="0"/>
-              <a:t> </a:t>
-            </a:r>
-            <a:r>
-              <a:rPr lang="pl-PL" sz="2000" dirty="0" err="1"/>
-              <a:t>state</a:t>
-            </a:r>
-            <a:r>
-              <a:rPr lang="pl-PL" sz="2000" dirty="0"/>
-              <a:t> </a:t>
-            </a:r>
-            <a:r>
-              <a:rPr lang="pl-PL" sz="2000" dirty="0" err="1"/>
-              <a:t>is</a:t>
-            </a:r>
-            <a:r>
-              <a:rPr lang="pl-PL" sz="2000" dirty="0"/>
-              <a:t> </a:t>
-            </a:r>
-            <a:r>
-              <a:rPr lang="pl-PL" sz="2000" dirty="0" err="1"/>
-              <a:t>better</a:t>
-            </a:r>
-            <a:r>
-              <a:rPr lang="pl-PL" sz="2000" dirty="0"/>
-              <a:t> </a:t>
-            </a:r>
-            <a:r>
-              <a:rPr lang="pl-PL" sz="2000" dirty="0" err="1"/>
-              <a:t>accepts</a:t>
-            </a:r>
-            <a:r>
-              <a:rPr lang="pl-PL" sz="2000" dirty="0"/>
-              <a:t> </a:t>
-            </a:r>
-            <a:r>
-              <a:rPr lang="pl-PL" sz="2000" dirty="0" err="1"/>
-              <a:t>it</a:t>
-            </a:r>
-            <a:endParaRPr lang="pl-PL" sz="2000" dirty="0"/>
-          </a:p>
-          <a:p>
-            <a:pPr lvl="1">
-              <a:lnSpc>
-                <a:spcPct val="100000"/>
-              </a:lnSpc>
-            </a:pPr>
-            <a:r>
-              <a:rPr lang="pl-PL" sz="2000" b="0" i="0" dirty="0" err="1">
-                <a:effectLst/>
-              </a:rPr>
-              <a:t>otherwise</a:t>
-            </a:r>
-            <a:r>
-              <a:rPr lang="en-US" sz="2000" b="0" i="0" dirty="0">
-                <a:effectLst/>
-              </a:rPr>
-              <a:t> </a:t>
-            </a:r>
-            <a:r>
-              <a:rPr lang="en-US" sz="2000" b="0" i="0" u="none" strike="noStrike" dirty="0">
-                <a:effectLst/>
-              </a:rPr>
-              <a:t>probabilistically</a:t>
-            </a:r>
-            <a:r>
-              <a:rPr lang="en-US" sz="2000" b="0" i="0" dirty="0">
-                <a:effectLst/>
-              </a:rPr>
-              <a:t> decides between moving the system to state </a:t>
-            </a:r>
-            <a:r>
-              <a:rPr lang="en-US" sz="2000" b="0" i="1" dirty="0">
-                <a:effectLst/>
-              </a:rPr>
-              <a:t>s*</a:t>
-            </a:r>
-            <a:r>
-              <a:rPr lang="en-US" sz="2000" b="0" i="0" dirty="0">
-                <a:effectLst/>
-              </a:rPr>
-              <a:t> or staying in-state </a:t>
-            </a:r>
-            <a:r>
-              <a:rPr lang="en-US" sz="2000" b="0" i="1" dirty="0">
-                <a:effectLst/>
-              </a:rPr>
-              <a:t>s</a:t>
-            </a:r>
-            <a:r>
-              <a:rPr lang="en-US" sz="2000" b="0" i="0" dirty="0">
-                <a:effectLst/>
-              </a:rPr>
-              <a:t>.</a:t>
-            </a:r>
-            <a:endParaRPr lang="pl-PL" sz="2000" b="0" i="0" dirty="0">
-              <a:effectLst/>
-            </a:endParaRPr>
-          </a:p>
-          <a:p>
-            <a:pPr>
-              <a:lnSpc>
-                <a:spcPct val="100000"/>
-              </a:lnSpc>
-            </a:pPr>
-            <a:r>
-              <a:rPr lang="en-US" sz="2000" b="0" i="0" dirty="0">
-                <a:effectLst/>
-              </a:rPr>
-              <a:t>These probabilities ultimately lead the system to move to states of lower energy. Typically this step is repeated until the system reaches a state that is good enough for the application, or until a given computation budget has been exhausted.</a:t>
-            </a:r>
-            <a:endParaRPr lang="pl-PL" sz="2000" dirty="0"/>
-          </a:p>
-        </p:txBody>
-      </p:sp>
-    </p:spTree>
-    <p:extLst>
-      <p:ext uri="{BB962C8B-B14F-4D97-AF65-F5344CB8AC3E}">
-        <p14:creationId xmlns:p14="http://schemas.microsoft.com/office/powerpoint/2010/main" val="3900915746"/>
-      </p:ext>
-    </p:extLst>
-  </p:cSld>
-  <p:clrMapOvr>
-    <a:masterClrMapping/>
-  </p:clrMapOvr>
-</p:sld>
-</file>
-
-<file path=ppt/slides/slide19.xml><?xml version="1.0" encoding="utf-8"?>
-<p:sld xmlns:a="http://schemas.openxmlformats.org/drawingml/2006/main" xmlns:r="http://schemas.openxmlformats.org/officeDocument/2006/relationships" xmlns:p="http://schemas.openxmlformats.org/presentationml/2006/main">
-  <p:cSld>
-    <p:bg>
-      <p:bgPr>
-        <a:solidFill>
-          <a:schemeClr val="bg1"/>
-        </a:solidFill>
-        <a:effectLst/>
-      </p:bgPr>
-    </p:bg>
-    <p:spTree>
-      <p:nvGrpSpPr>
-        <p:cNvPr id="1" name=""/>
-        <p:cNvGrpSpPr/>
-        <p:nvPr/>
-      </p:nvGrpSpPr>
-      <p:grpSpPr>
-        <a:xfrm>
-          <a:off x="0" y="0"/>
-          <a:ext cx="0" cy="0"/>
-          <a:chOff x="0" y="0"/>
-          <a:chExt cx="0" cy="0"/>
-        </a:xfrm>
-      </p:grpSpPr>
-      <p:sp useBgFill="1">
-        <p:nvSpPr>
-          <p:cNvPr id="12295" name="Rectangle 12294">
-            <a:extLst>
-              <a:ext uri="{FF2B5EF4-FFF2-40B4-BE49-F238E27FC236}">
-                <a16:creationId xmlns:a16="http://schemas.microsoft.com/office/drawing/2014/main" id="{C868C70C-E5C4-CD47-888C-FCB3373B6D38}"/>
-              </a:ext>
-              <a:ext uri="{C183D7F6-B498-43B3-948B-1728B52AA6E4}">
-                <adec:decorative xmlns:adec="http://schemas.microsoft.com/office/drawing/2017/decorative" val="1"/>
-              </a:ext>
-            </a:extLst>
-          </p:cNvPr>
-          <p:cNvSpPr>
-            <a:spLocks noGrp="1" noRot="1" noChangeAspect="1" noMove="1" noResize="1" noEditPoints="1" noAdjustHandles="1" noChangeArrowheads="1" noChangeShapeType="1" noTextEdit="1"/>
-          </p:cNvSpPr>
-          <p:nvPr>
-            <p:extLst>
-              <p:ext uri="{386F3935-93C4-4BCD-93E2-E3B085C9AB24}">
-                <p16:designElem xmlns:p16="http://schemas.microsoft.com/office/powerpoint/2015/main" val="1"/>
-              </p:ext>
-            </p:extLst>
-          </p:nvPr>
-        </p:nvSpPr>
-        <p:spPr>
-          <a:xfrm>
-            <a:off x="0" y="0"/>
-            <a:ext cx="12188952" cy="6858000"/>
-          </a:xfrm>
-          <a:prstGeom prst="rect">
-            <a:avLst/>
-          </a:prstGeom>
-          <a:ln>
-            <a:noFill/>
-          </a:ln>
-        </p:spPr>
-        <p:style>
-          <a:lnRef idx="2">
-            <a:schemeClr val="accent1">
-              <a:shade val="50000"/>
-            </a:schemeClr>
-          </a:lnRef>
-          <a:fillRef idx="1">
-            <a:schemeClr val="accent1"/>
-          </a:fillRef>
-          <a:effectRef idx="0">
-            <a:schemeClr val="accent1"/>
-          </a:effectRef>
-          <a:fontRef idx="minor">
-            <a:schemeClr val="lt1"/>
-          </a:fontRef>
-        </p:style>
-        <p:txBody>
-          <a:bodyPr rtlCol="0" anchor="ctr"/>
-          <a:lstStyle/>
-          <a:p>
-            <a:pPr algn="ctr"/>
-            <a:endParaRPr lang="en-US"/>
-          </a:p>
-        </p:txBody>
-      </p:sp>
-      <p:sp>
-        <p:nvSpPr>
-          <p:cNvPr id="2" name="Tytuł 1">
-            <a:extLst>
-              <a:ext uri="{FF2B5EF4-FFF2-40B4-BE49-F238E27FC236}">
-                <a16:creationId xmlns:a16="http://schemas.microsoft.com/office/drawing/2014/main" id="{450871EA-AF9A-4CEF-71D6-D203A333C789}"/>
-              </a:ext>
-            </a:extLst>
-          </p:cNvPr>
-          <p:cNvSpPr>
-            <a:spLocks noGrp="1"/>
-          </p:cNvSpPr>
-          <p:nvPr>
-            <p:ph type="title"/>
-          </p:nvPr>
-        </p:nvSpPr>
-        <p:spPr>
-          <a:xfrm>
-            <a:off x="5127362" y="455362"/>
-            <a:ext cx="6881728" cy="1550419"/>
-          </a:xfrm>
-        </p:spPr>
-        <p:txBody>
-          <a:bodyPr>
-            <a:normAutofit/>
-          </a:bodyPr>
-          <a:lstStyle/>
-          <a:p>
-            <a:r>
-              <a:rPr lang="pl-PL" dirty="0"/>
-              <a:t>My </a:t>
-            </a:r>
-            <a:r>
-              <a:rPr lang="pl-PL" dirty="0" err="1"/>
-              <a:t>implementation</a:t>
-            </a:r>
-            <a:endParaRPr lang="pl-PL" dirty="0"/>
-          </a:p>
-        </p:txBody>
-      </p:sp>
-      <p:pic>
-        <p:nvPicPr>
-          <p:cNvPr id="12290" name="Picture 2" descr="anneal - Wiktionary">
-            <a:extLst>
-              <a:ext uri="{FF2B5EF4-FFF2-40B4-BE49-F238E27FC236}">
-                <a16:creationId xmlns:a16="http://schemas.microsoft.com/office/drawing/2014/main" id="{B37C8E21-D17A-3F94-2942-9002197288A3}"/>
-              </a:ext>
-            </a:extLst>
-          </p:cNvPr>
-          <p:cNvPicPr>
-            <a:picLocks noChangeAspect="1" noChangeArrowheads="1"/>
-          </p:cNvPicPr>
-          <p:nvPr/>
-        </p:nvPicPr>
-        <p:blipFill rotWithShape="1">
-          <a:blip r:embed="rId2">
-            <a:extLst>
-              <a:ext uri="{28A0092B-C50C-407E-A947-70E740481C1C}">
-                <a14:useLocalDpi xmlns:a14="http://schemas.microsoft.com/office/drawing/2010/main" val="0"/>
-              </a:ext>
-            </a:extLst>
-          </a:blip>
-          <a:srcRect l="15600" r="30142" b="-1"/>
-          <a:stretch/>
-        </p:blipFill>
-        <p:spPr bwMode="auto">
-          <a:xfrm>
-            <a:off x="20" y="10"/>
-            <a:ext cx="4651228" cy="6857990"/>
-          </a:xfrm>
-          <a:prstGeom prst="rect">
-            <a:avLst/>
-          </a:prstGeom>
-          <a:noFill/>
-          <a:extLst>
-            <a:ext uri="{909E8E84-426E-40DD-AFC4-6F175D3DCCD1}">
-              <a14:hiddenFill xmlns:a14="http://schemas.microsoft.com/office/drawing/2010/main">
-                <a:solidFill>
-                  <a:srgbClr val="FFFFFF"/>
-                </a:solidFill>
-              </a14:hiddenFill>
-            </a:ext>
-          </a:extLst>
-        </p:spPr>
-      </p:pic>
-      <p:sp>
-        <p:nvSpPr>
-          <p:cNvPr id="12297" name="Rectangle 12296">
-            <a:extLst>
-              <a:ext uri="{FF2B5EF4-FFF2-40B4-BE49-F238E27FC236}">
-                <a16:creationId xmlns:a16="http://schemas.microsoft.com/office/drawing/2014/main" id="{D8C68F39-5E8A-844C-A8FD-394F253C1E5F}"/>
-              </a:ext>
-              <a:ext uri="{C183D7F6-B498-43B3-948B-1728B52AA6E4}">
-                <adec:decorative xmlns:adec="http://schemas.microsoft.com/office/drawing/2017/decorative" val="1"/>
-              </a:ext>
-            </a:extLst>
-          </p:cNvPr>
-          <p:cNvSpPr>
-            <a:spLocks noGrp="1" noRot="1" noChangeAspect="1" noMove="1" noResize="1" noEditPoints="1" noAdjustHandles="1" noChangeArrowheads="1" noChangeShapeType="1" noTextEdit="1"/>
-          </p:cNvSpPr>
-          <p:nvPr>
-            <p:extLst>
-              <p:ext uri="{386F3935-93C4-4BCD-93E2-E3B085C9AB24}">
-                <p16:designElem xmlns:p16="http://schemas.microsoft.com/office/powerpoint/2015/main" val="1"/>
-              </p:ext>
-            </p:extLst>
-          </p:nvPr>
-        </p:nvSpPr>
-        <p:spPr>
-          <a:xfrm>
-            <a:off x="0" y="565153"/>
-            <a:ext cx="1133856" cy="6292847"/>
-          </a:xfrm>
-          <a:prstGeom prst="rect">
-            <a:avLst/>
-          </a:prstGeom>
-          <a:gradFill flip="none" rotWithShape="1">
-            <a:gsLst>
-              <a:gs pos="0">
-                <a:schemeClr val="accent1">
-                  <a:alpha val="50000"/>
-                </a:schemeClr>
-              </a:gs>
-              <a:gs pos="81000">
-                <a:schemeClr val="accent4">
-                  <a:alpha val="50000"/>
-                </a:schemeClr>
-              </a:gs>
-              <a:gs pos="25000">
-                <a:schemeClr val="accent2">
-                  <a:alpha val="60000"/>
-                </a:schemeClr>
-              </a:gs>
-              <a:gs pos="50000">
-                <a:schemeClr val="accent3">
-                  <a:alpha val="55000"/>
-                </a:schemeClr>
-              </a:gs>
-              <a:gs pos="99000">
-                <a:schemeClr val="accent5">
-                  <a:alpha val="50000"/>
-                </a:schemeClr>
-              </a:gs>
-            </a:gsLst>
-            <a:path path="circle">
-              <a:fillToRect r="100000" b="100000"/>
-            </a:path>
-            <a:tileRect l="-100000" t="-100000"/>
-          </a:gradFill>
-          <a:ln>
-            <a:noFill/>
-          </a:ln>
-        </p:spPr>
-        <p:style>
-          <a:lnRef idx="2">
-            <a:schemeClr val="accent1">
-              <a:shade val="50000"/>
-            </a:schemeClr>
-          </a:lnRef>
-          <a:fillRef idx="1">
-            <a:schemeClr val="accent1"/>
-          </a:fillRef>
-          <a:effectRef idx="0">
-            <a:schemeClr val="accent1"/>
-          </a:effectRef>
-          <a:fontRef idx="minor">
-            <a:schemeClr val="lt1"/>
-          </a:fontRef>
-        </p:style>
-        <p:txBody>
-          <a:bodyPr rtlCol="0" anchor="ctr"/>
-          <a:lstStyle/>
-          <a:p>
-            <a:pPr algn="ctr"/>
-            <a:endParaRPr lang="en-US"/>
-          </a:p>
-        </p:txBody>
-      </p:sp>
-      <p:sp>
-        <p:nvSpPr>
-          <p:cNvPr id="12299" name="Rectangle 12298">
-            <a:extLst>
-              <a:ext uri="{FF2B5EF4-FFF2-40B4-BE49-F238E27FC236}">
-                <a16:creationId xmlns:a16="http://schemas.microsoft.com/office/drawing/2014/main" id="{BC583CEB-AC2B-2640-94F6-5958E6BC5BAB}"/>
-              </a:ext>
-              <a:ext uri="{C183D7F6-B498-43B3-948B-1728B52AA6E4}">
-                <adec:decorative xmlns:adec="http://schemas.microsoft.com/office/drawing/2017/decorative" val="1"/>
-              </a:ext>
-            </a:extLst>
-          </p:cNvPr>
-          <p:cNvSpPr>
-            <a:spLocks noGrp="1" noRot="1" noChangeAspect="1" noMove="1" noResize="1" noEditPoints="1" noAdjustHandles="1" noChangeArrowheads="1" noChangeShapeType="1" noTextEdit="1"/>
-          </p:cNvSpPr>
-          <p:nvPr>
-            <p:extLst>
-              <p:ext uri="{386F3935-93C4-4BCD-93E2-E3B085C9AB24}">
-                <p16:designElem xmlns:p16="http://schemas.microsoft.com/office/powerpoint/2015/main" val="1"/>
-              </p:ext>
-            </p:extLst>
-          </p:nvPr>
-        </p:nvSpPr>
-        <p:spPr>
-          <a:xfrm>
-            <a:off x="0" y="-3"/>
-            <a:ext cx="565150" cy="6857999"/>
-          </a:xfrm>
-          <a:prstGeom prst="rect">
-            <a:avLst/>
-          </a:prstGeom>
-          <a:gradFill flip="none" rotWithShape="1">
-            <a:gsLst>
-              <a:gs pos="0">
-                <a:schemeClr val="accent1">
-                  <a:alpha val="50000"/>
-                </a:schemeClr>
-              </a:gs>
-              <a:gs pos="81000">
-                <a:schemeClr val="accent4">
-                  <a:alpha val="50000"/>
-                </a:schemeClr>
-              </a:gs>
-              <a:gs pos="25000">
-                <a:schemeClr val="accent2">
-                  <a:alpha val="60000"/>
-                </a:schemeClr>
-              </a:gs>
-              <a:gs pos="49000">
-                <a:schemeClr val="accent3">
-                  <a:alpha val="55000"/>
-                </a:schemeClr>
-              </a:gs>
-              <a:gs pos="99000">
-                <a:schemeClr val="accent5">
-                  <a:alpha val="50000"/>
-                </a:schemeClr>
-              </a:gs>
-            </a:gsLst>
-            <a:path path="circle">
-              <a:fillToRect r="100000" b="100000"/>
-            </a:path>
-            <a:tileRect l="-100000" t="-100000"/>
-          </a:gradFill>
-          <a:ln>
-            <a:noFill/>
-          </a:ln>
-        </p:spPr>
-        <p:style>
-          <a:lnRef idx="2">
-            <a:schemeClr val="accent1">
-              <a:shade val="50000"/>
-            </a:schemeClr>
-          </a:lnRef>
-          <a:fillRef idx="1">
-            <a:schemeClr val="accent1"/>
-          </a:fillRef>
-          <a:effectRef idx="0">
-            <a:schemeClr val="accent1"/>
-          </a:effectRef>
-          <a:fontRef idx="minor">
-            <a:schemeClr val="lt1"/>
-          </a:fontRef>
-        </p:style>
-        <p:txBody>
-          <a:bodyPr rtlCol="0" anchor="ctr"/>
-          <a:lstStyle/>
-          <a:p>
-            <a:pPr algn="ctr"/>
-            <a:endParaRPr lang="en-US"/>
-          </a:p>
-        </p:txBody>
-      </p:sp>
-      <p:sp>
-        <p:nvSpPr>
-          <p:cNvPr id="3" name="Symbol zastępczy zawartości 2">
-            <a:extLst>
-              <a:ext uri="{FF2B5EF4-FFF2-40B4-BE49-F238E27FC236}">
-                <a16:creationId xmlns:a16="http://schemas.microsoft.com/office/drawing/2014/main" id="{B044EFBE-6291-6479-808B-AF6733A464F9}"/>
-              </a:ext>
-            </a:extLst>
-          </p:cNvPr>
-          <p:cNvSpPr>
-            <a:spLocks noGrp="1"/>
-          </p:cNvSpPr>
-          <p:nvPr>
-            <p:ph idx="1"/>
-          </p:nvPr>
-        </p:nvSpPr>
-        <p:spPr>
-          <a:xfrm>
-            <a:off x="5127362" y="2160016"/>
-            <a:ext cx="6881728" cy="3926152"/>
-          </a:xfrm>
-        </p:spPr>
-        <p:txBody>
-          <a:bodyPr>
-            <a:normAutofit/>
-          </a:bodyPr>
-          <a:lstStyle/>
-          <a:p>
-            <a:r>
-              <a:rPr lang="pl-PL" dirty="0" err="1"/>
-              <a:t>Steps</a:t>
-            </a:r>
-            <a:r>
-              <a:rPr lang="pl-PL" dirty="0"/>
-              <a:t> </a:t>
-            </a:r>
-            <a:r>
-              <a:rPr lang="pl-PL" dirty="0" err="1"/>
-              <a:t>are</a:t>
-            </a:r>
-            <a:r>
-              <a:rPr lang="pl-PL" dirty="0"/>
-              <a:t> </a:t>
-            </a:r>
-            <a:r>
-              <a:rPr lang="pl-PL" dirty="0" err="1"/>
-              <a:t>repated</a:t>
-            </a:r>
-            <a:r>
-              <a:rPr lang="pl-PL" dirty="0"/>
-              <a:t> </a:t>
-            </a:r>
-            <a:r>
-              <a:rPr lang="pl-PL" dirty="0" err="1"/>
-              <a:t>untill</a:t>
-            </a:r>
-            <a:r>
-              <a:rPr lang="pl-PL" dirty="0"/>
-              <a:t> </a:t>
-            </a:r>
-            <a:r>
-              <a:rPr lang="pl-PL" dirty="0" err="1"/>
-              <a:t>timer</a:t>
-            </a:r>
-            <a:r>
-              <a:rPr lang="pl-PL" dirty="0"/>
-              <a:t> </a:t>
-            </a:r>
-            <a:r>
-              <a:rPr lang="pl-PL" dirty="0" err="1"/>
-              <a:t>contdown</a:t>
-            </a:r>
-            <a:r>
-              <a:rPr lang="pl-PL" dirty="0"/>
-              <a:t> </a:t>
-            </a:r>
-            <a:r>
-              <a:rPr lang="pl-PL" dirty="0" err="1"/>
-              <a:t>is</a:t>
-            </a:r>
-            <a:r>
-              <a:rPr lang="pl-PL" dirty="0"/>
-              <a:t> </a:t>
-            </a:r>
-            <a:r>
-              <a:rPr lang="pl-PL" dirty="0" err="1"/>
-              <a:t>terminated</a:t>
-            </a:r>
-            <a:endParaRPr lang="pl-PL" dirty="0"/>
-          </a:p>
-          <a:p>
-            <a:r>
-              <a:rPr lang="pl-PL" dirty="0" err="1"/>
-              <a:t>If</a:t>
-            </a:r>
-            <a:r>
-              <a:rPr lang="pl-PL" dirty="0"/>
-              <a:t> </a:t>
-            </a:r>
-            <a:r>
-              <a:rPr lang="pl-PL" dirty="0" err="1"/>
-              <a:t>algorithm</a:t>
-            </a:r>
-            <a:r>
-              <a:rPr lang="pl-PL" dirty="0"/>
-              <a:t> </a:t>
-            </a:r>
-            <a:r>
-              <a:rPr lang="pl-PL" dirty="0" err="1"/>
-              <a:t>is</a:t>
-            </a:r>
-            <a:r>
-              <a:rPr lang="pl-PL" dirty="0"/>
-              <a:t> in the same </a:t>
-            </a:r>
-            <a:r>
-              <a:rPr lang="pl-PL" dirty="0" err="1"/>
-              <a:t>state</a:t>
-            </a:r>
-            <a:r>
-              <a:rPr lang="pl-PL" dirty="0"/>
-              <a:t> for a </a:t>
-            </a:r>
-            <a:r>
-              <a:rPr lang="pl-PL" dirty="0" err="1"/>
-              <a:t>chosen</a:t>
-            </a:r>
-            <a:r>
-              <a:rPr lang="pl-PL" dirty="0"/>
-              <a:t> </a:t>
-            </a:r>
-            <a:r>
-              <a:rPr lang="pl-PL" dirty="0" err="1"/>
-              <a:t>amount</a:t>
-            </a:r>
-            <a:r>
-              <a:rPr lang="pl-PL" dirty="0"/>
-              <a:t> of </a:t>
-            </a:r>
-            <a:r>
-              <a:rPr lang="pl-PL" dirty="0" err="1"/>
-              <a:t>steps</a:t>
-            </a:r>
-            <a:r>
-              <a:rPr lang="pl-PL" dirty="0"/>
-              <a:t> </a:t>
-            </a:r>
-            <a:r>
-              <a:rPr lang="pl-PL" dirty="0" err="1"/>
-              <a:t>it</a:t>
-            </a:r>
-            <a:r>
-              <a:rPr lang="pl-PL" dirty="0"/>
-              <a:t> </a:t>
-            </a:r>
-            <a:r>
-              <a:rPr lang="pl-PL" dirty="0" err="1"/>
-              <a:t>assumes</a:t>
-            </a:r>
-            <a:r>
-              <a:rPr lang="pl-PL" dirty="0"/>
-              <a:t> </a:t>
-            </a:r>
-            <a:r>
-              <a:rPr lang="pl-PL" dirty="0" err="1"/>
-              <a:t>that</a:t>
-            </a:r>
-            <a:r>
-              <a:rPr lang="pl-PL" dirty="0"/>
-              <a:t> </a:t>
-            </a:r>
-            <a:r>
-              <a:rPr lang="pl-PL" dirty="0" err="1"/>
-              <a:t>it</a:t>
-            </a:r>
-            <a:r>
-              <a:rPr lang="pl-PL" dirty="0"/>
-              <a:t> </a:t>
-            </a:r>
-            <a:r>
-              <a:rPr lang="pl-PL" dirty="0" err="1"/>
-              <a:t>is</a:t>
-            </a:r>
-            <a:r>
-              <a:rPr lang="pl-PL" dirty="0"/>
-              <a:t> </a:t>
-            </a:r>
-            <a:r>
-              <a:rPr lang="pl-PL" dirty="0" err="1"/>
-              <a:t>stuck</a:t>
-            </a:r>
-            <a:r>
-              <a:rPr lang="pl-PL" dirty="0"/>
-              <a:t> and </a:t>
-            </a:r>
-            <a:r>
-              <a:rPr lang="pl-PL" dirty="0" err="1"/>
-              <a:t>use</a:t>
-            </a:r>
-            <a:r>
-              <a:rPr lang="pl-PL" dirty="0"/>
-              <a:t> one of 2 </a:t>
-            </a:r>
-            <a:r>
-              <a:rPr lang="pl-PL" dirty="0" err="1"/>
-              <a:t>ways</a:t>
-            </a:r>
-            <a:r>
-              <a:rPr lang="pl-PL" dirty="0"/>
-              <a:t> to </a:t>
-            </a:r>
-            <a:r>
-              <a:rPr lang="pl-PL" dirty="0" err="1"/>
-              <a:t>escape</a:t>
-            </a:r>
-            <a:r>
-              <a:rPr lang="pl-PL" dirty="0"/>
-              <a:t>:</a:t>
-            </a:r>
-          </a:p>
-          <a:p>
-            <a:pPr lvl="1"/>
-            <a:r>
-              <a:rPr lang="pl-PL" dirty="0" err="1"/>
-              <a:t>Reheat</a:t>
-            </a:r>
-            <a:r>
-              <a:rPr lang="pl-PL" dirty="0"/>
-              <a:t> </a:t>
-            </a:r>
-            <a:r>
-              <a:rPr lang="pl-PL" dirty="0" err="1"/>
-              <a:t>temperature</a:t>
-            </a:r>
-            <a:r>
-              <a:rPr lang="pl-PL" dirty="0"/>
-              <a:t> – </a:t>
-            </a:r>
-            <a:r>
-              <a:rPr lang="pl-PL" dirty="0" err="1"/>
-              <a:t>higher</a:t>
-            </a:r>
-            <a:r>
-              <a:rPr lang="pl-PL" dirty="0"/>
-              <a:t> </a:t>
-            </a:r>
-            <a:r>
-              <a:rPr lang="pl-PL" dirty="0" err="1"/>
-              <a:t>probability</a:t>
-            </a:r>
-            <a:r>
-              <a:rPr lang="pl-PL" dirty="0"/>
-              <a:t> to </a:t>
-            </a:r>
-            <a:r>
-              <a:rPr lang="pl-PL" dirty="0" err="1"/>
-              <a:t>move</a:t>
-            </a:r>
-            <a:r>
-              <a:rPr lang="pl-PL" dirty="0"/>
-              <a:t> to </a:t>
-            </a:r>
-            <a:r>
-              <a:rPr lang="pl-PL" dirty="0" err="1"/>
-              <a:t>different</a:t>
-            </a:r>
-            <a:r>
-              <a:rPr lang="pl-PL" dirty="0"/>
-              <a:t> step </a:t>
-            </a:r>
-            <a:r>
-              <a:rPr lang="pl-PL" dirty="0" err="1"/>
-              <a:t>even</a:t>
-            </a:r>
-            <a:r>
-              <a:rPr lang="pl-PL" dirty="0"/>
-              <a:t> </a:t>
-            </a:r>
-            <a:r>
-              <a:rPr lang="pl-PL" dirty="0" err="1"/>
-              <a:t>if</a:t>
-            </a:r>
-            <a:r>
-              <a:rPr lang="pl-PL" dirty="0"/>
-              <a:t> </a:t>
-            </a:r>
-            <a:r>
-              <a:rPr lang="pl-PL" dirty="0" err="1"/>
-              <a:t>it</a:t>
-            </a:r>
-            <a:r>
-              <a:rPr lang="pl-PL" dirty="0"/>
-              <a:t> </a:t>
-            </a:r>
-            <a:r>
-              <a:rPr lang="pl-PL" dirty="0" err="1"/>
-              <a:t>is</a:t>
-            </a:r>
-            <a:r>
-              <a:rPr lang="pl-PL" dirty="0"/>
-              <a:t> </a:t>
-            </a:r>
-            <a:r>
-              <a:rPr lang="pl-PL" dirty="0" err="1"/>
-              <a:t>worse</a:t>
-            </a:r>
-            <a:r>
-              <a:rPr lang="pl-PL" dirty="0"/>
-              <a:t> </a:t>
-            </a:r>
-            <a:r>
-              <a:rPr lang="pl-PL" dirty="0" err="1"/>
-              <a:t>than</a:t>
-            </a:r>
-            <a:r>
-              <a:rPr lang="pl-PL" dirty="0"/>
-              <a:t> </a:t>
-            </a:r>
-            <a:r>
-              <a:rPr lang="pl-PL" dirty="0" err="1"/>
-              <a:t>current</a:t>
-            </a:r>
-            <a:r>
-              <a:rPr lang="pl-PL" dirty="0"/>
-              <a:t> one</a:t>
-            </a:r>
-          </a:p>
-          <a:p>
-            <a:pPr lvl="1"/>
-            <a:r>
-              <a:rPr lang="pl-PL" dirty="0" err="1"/>
-              <a:t>Change</a:t>
-            </a:r>
-            <a:r>
-              <a:rPr lang="pl-PL" dirty="0"/>
-              <a:t> </a:t>
-            </a:r>
-            <a:r>
-              <a:rPr lang="pl-PL" dirty="0" err="1"/>
-              <a:t>current</a:t>
-            </a:r>
-            <a:r>
-              <a:rPr lang="pl-PL" dirty="0"/>
-              <a:t> </a:t>
-            </a:r>
-            <a:r>
-              <a:rPr lang="pl-PL" dirty="0" err="1"/>
-              <a:t>state</a:t>
-            </a:r>
-            <a:r>
-              <a:rPr lang="pl-PL" dirty="0"/>
-              <a:t> to the </a:t>
-            </a:r>
-            <a:r>
-              <a:rPr lang="pl-PL" dirty="0" err="1"/>
-              <a:t>other</a:t>
-            </a:r>
-            <a:r>
-              <a:rPr lang="pl-PL" dirty="0"/>
-              <a:t> </a:t>
-            </a:r>
-            <a:r>
-              <a:rPr lang="pl-PL" dirty="0" err="1"/>
-              <a:t>random</a:t>
-            </a:r>
-            <a:r>
-              <a:rPr lang="pl-PL" dirty="0"/>
-              <a:t> one</a:t>
-            </a:r>
-          </a:p>
-          <a:p>
-            <a:endParaRPr lang="pl-PL" dirty="0"/>
-          </a:p>
-        </p:txBody>
-      </p:sp>
-    </p:spTree>
-    <p:extLst>
-      <p:ext uri="{BB962C8B-B14F-4D97-AF65-F5344CB8AC3E}">
-        <p14:creationId xmlns:p14="http://schemas.microsoft.com/office/powerpoint/2010/main" val="1804142952"/>
-      </p:ext>
-    </p:extLst>
-  </p:cSld>
-  <p:clrMapOvr>
-    <a:masterClrMapping/>
-  </p:clrMapOvr>
-</p:sld>
-</file>
-
 <file path=ppt/slides/slide2.xml><?xml version="1.0" encoding="utf-8"?>
 <p:sld xmlns:a="http://schemas.openxmlformats.org/drawingml/2006/main" xmlns:r="http://schemas.openxmlformats.org/officeDocument/2006/relationships" xmlns:p="http://schemas.openxmlformats.org/presentationml/2006/main">
   <p:cSld>
@@ -17581,6 +17582,405 @@
 <file path=ppt/slides/slide20.xml><?xml version="1.0" encoding="utf-8"?>
 <p:sld xmlns:a="http://schemas.openxmlformats.org/drawingml/2006/main" xmlns:r="http://schemas.openxmlformats.org/officeDocument/2006/relationships" xmlns:p="http://schemas.openxmlformats.org/presentationml/2006/main">
   <p:cSld>
+    <p:spTree>
+      <p:nvGrpSpPr>
+        <p:cNvPr id="1" name=""/>
+        <p:cNvGrpSpPr/>
+        <p:nvPr/>
+      </p:nvGrpSpPr>
+      <p:grpSpPr>
+        <a:xfrm>
+          <a:off x="0" y="0"/>
+          <a:ext cx="0" cy="0"/>
+          <a:chOff x="0" y="0"/>
+          <a:chExt cx="0" cy="0"/>
+        </a:xfrm>
+      </p:grpSpPr>
+      <p:sp>
+        <p:nvSpPr>
+          <p:cNvPr id="2" name="Tytuł 1">
+            <a:extLst>
+              <a:ext uri="{FF2B5EF4-FFF2-40B4-BE49-F238E27FC236}">
+                <a16:creationId xmlns:a16="http://schemas.microsoft.com/office/drawing/2014/main" id="{E8713E41-1329-9B9E-0078-A290EBC2338F}"/>
+              </a:ext>
+            </a:extLst>
+          </p:cNvPr>
+          <p:cNvSpPr>
+            <a:spLocks noGrp="1"/>
+          </p:cNvSpPr>
+          <p:nvPr>
+            <p:ph type="title"/>
+          </p:nvPr>
+        </p:nvSpPr>
+        <p:spPr/>
+        <p:txBody>
+          <a:bodyPr/>
+          <a:lstStyle/>
+          <a:p>
+            <a:r>
+              <a:rPr lang="pl-PL" dirty="0" err="1"/>
+              <a:t>Neighbours</a:t>
+            </a:r>
+            <a:endParaRPr lang="pl-PL" dirty="0"/>
+          </a:p>
+        </p:txBody>
+      </p:sp>
+      <p:sp>
+        <p:nvSpPr>
+          <p:cNvPr id="4" name="Prostokąt 3">
+            <a:extLst>
+              <a:ext uri="{FF2B5EF4-FFF2-40B4-BE49-F238E27FC236}">
+                <a16:creationId xmlns:a16="http://schemas.microsoft.com/office/drawing/2014/main" id="{D64DB510-5FB5-C999-6552-258CD5C89592}"/>
+              </a:ext>
+            </a:extLst>
+          </p:cNvPr>
+          <p:cNvSpPr/>
+          <p:nvPr/>
+        </p:nvSpPr>
+        <p:spPr>
+          <a:xfrm>
+            <a:off x="1137920" y="3097920"/>
+            <a:ext cx="11074400" cy="3779520"/>
+          </a:xfrm>
+          <a:prstGeom prst="rect">
+            <a:avLst/>
+          </a:prstGeom>
+          <a:gradFill flip="none" rotWithShape="1">
+            <a:gsLst>
+              <a:gs pos="0">
+                <a:schemeClr val="bg1">
+                  <a:lumMod val="65000"/>
+                  <a:lumOff val="35000"/>
+                </a:schemeClr>
+              </a:gs>
+              <a:gs pos="27000">
+                <a:schemeClr val="bg1">
+                  <a:lumMod val="85000"/>
+                  <a:lumOff val="15000"/>
+                </a:schemeClr>
+              </a:gs>
+              <a:gs pos="83000">
+                <a:schemeClr val="bg1"/>
+              </a:gs>
+              <a:gs pos="100000">
+                <a:schemeClr val="bg1"/>
+              </a:gs>
+            </a:gsLst>
+            <a:lin ang="16200000" scaled="1"/>
+            <a:tileRect/>
+          </a:gradFill>
+          <a:ln>
+            <a:noFill/>
+          </a:ln>
+        </p:spPr>
+        <p:style>
+          <a:lnRef idx="2">
+            <a:schemeClr val="dk1">
+              <a:shade val="50000"/>
+            </a:schemeClr>
+          </a:lnRef>
+          <a:fillRef idx="1">
+            <a:schemeClr val="dk1"/>
+          </a:fillRef>
+          <a:effectRef idx="0">
+            <a:schemeClr val="dk1"/>
+          </a:effectRef>
+          <a:fontRef idx="minor">
+            <a:schemeClr val="lt1"/>
+          </a:fontRef>
+        </p:style>
+        <p:txBody>
+          <a:bodyPr rtlCol="0" anchor="ctr"/>
+          <a:lstStyle/>
+          <a:p>
+            <a:pPr algn="ctr"/>
+            <a:endParaRPr lang="pl-PL" dirty="0"/>
+          </a:p>
+        </p:txBody>
+      </p:sp>
+      <p:sp>
+        <p:nvSpPr>
+          <p:cNvPr id="3" name="Symbol zastępczy zawartości 2">
+            <a:extLst>
+              <a:ext uri="{FF2B5EF4-FFF2-40B4-BE49-F238E27FC236}">
+                <a16:creationId xmlns:a16="http://schemas.microsoft.com/office/drawing/2014/main" id="{02B3BB12-B611-BD54-22B2-28BA4EACC89C}"/>
+              </a:ext>
+            </a:extLst>
+          </p:cNvPr>
+          <p:cNvSpPr>
+            <a:spLocks noGrp="1"/>
+          </p:cNvSpPr>
+          <p:nvPr>
+            <p:ph idx="1"/>
+          </p:nvPr>
+        </p:nvSpPr>
+        <p:spPr/>
+        <p:txBody>
+          <a:bodyPr/>
+          <a:lstStyle/>
+          <a:p>
+            <a:pPr marL="0" indent="0">
+              <a:buNone/>
+            </a:pPr>
+            <a:r>
+              <a:rPr lang="pl-PL" dirty="0" err="1"/>
+              <a:t>Neighbours</a:t>
+            </a:r>
+            <a:r>
+              <a:rPr lang="pl-PL" dirty="0"/>
+              <a:t> of </a:t>
+            </a:r>
+            <a:r>
+              <a:rPr lang="pl-PL" dirty="0" err="1"/>
+              <a:t>curent</a:t>
+            </a:r>
+            <a:r>
+              <a:rPr lang="pl-PL" dirty="0"/>
+              <a:t> </a:t>
+            </a:r>
+            <a:r>
+              <a:rPr lang="pl-PL" dirty="0" err="1"/>
+              <a:t>state</a:t>
+            </a:r>
+            <a:r>
+              <a:rPr lang="pl-PL" dirty="0"/>
+              <a:t> </a:t>
+            </a:r>
+            <a:r>
+              <a:rPr lang="pl-PL" dirty="0" err="1"/>
+              <a:t>are</a:t>
+            </a:r>
+            <a:r>
+              <a:rPr lang="pl-PL" dirty="0"/>
+              <a:t> </a:t>
+            </a:r>
+            <a:r>
+              <a:rPr lang="pl-PL" dirty="0" err="1"/>
+              <a:t>generated</a:t>
+            </a:r>
+            <a:r>
+              <a:rPr lang="pl-PL" dirty="0"/>
+              <a:t> by </a:t>
+            </a:r>
+            <a:r>
+              <a:rPr lang="pl-PL" dirty="0" err="1"/>
+              <a:t>changing</a:t>
+            </a:r>
+            <a:r>
+              <a:rPr lang="pl-PL" dirty="0"/>
+              <a:t> </a:t>
+            </a:r>
+            <a:r>
+              <a:rPr lang="pl-PL" dirty="0" err="1"/>
+              <a:t>only</a:t>
+            </a:r>
+            <a:r>
+              <a:rPr lang="pl-PL" dirty="0"/>
+              <a:t> one </a:t>
+            </a:r>
+            <a:r>
+              <a:rPr lang="pl-PL" dirty="0" err="1"/>
+              <a:t>computer</a:t>
+            </a:r>
+            <a:r>
+              <a:rPr lang="pl-PL" dirty="0"/>
+              <a:t> in </a:t>
+            </a:r>
+            <a:r>
+              <a:rPr lang="pl-PL" dirty="0" err="1"/>
+              <a:t>state</a:t>
+            </a:r>
+            <a:r>
+              <a:rPr lang="pl-PL" dirty="0"/>
+              <a:t> (in top </a:t>
+            </a:r>
+            <a:r>
+              <a:rPr lang="pl-PL" dirty="0" err="1"/>
+              <a:t>three</a:t>
+            </a:r>
+            <a:r>
+              <a:rPr lang="pl-PL" dirty="0"/>
+              <a:t>)</a:t>
+            </a:r>
+          </a:p>
+          <a:p>
+            <a:r>
+              <a:rPr lang="pl-PL" dirty="0" err="1"/>
+              <a:t>e.g</a:t>
+            </a:r>
+            <a:r>
+              <a:rPr lang="pl-PL" dirty="0"/>
+              <a:t>. for (3, 5, 7)</a:t>
+            </a:r>
+          </a:p>
+          <a:p>
+            <a:pPr lvl="1"/>
+            <a:r>
+              <a:rPr lang="pl-PL" dirty="0" err="1"/>
+              <a:t>Neighbours</a:t>
+            </a:r>
+            <a:r>
+              <a:rPr lang="pl-PL" dirty="0"/>
+              <a:t>: (3, 5, 8), (6, 5, 7), (3, 4, 7), (3, 5, 1), ….</a:t>
+            </a:r>
+          </a:p>
+          <a:p>
+            <a:pPr lvl="1"/>
+            <a:r>
+              <a:rPr lang="pl-PL" dirty="0"/>
+              <a:t>Not </a:t>
+            </a:r>
+            <a:r>
+              <a:rPr lang="pl-PL" dirty="0" err="1"/>
+              <a:t>neighbours</a:t>
+            </a:r>
+            <a:r>
+              <a:rPr lang="pl-PL" dirty="0"/>
+              <a:t>: (3, 4, 2), (1, 2, 9)...</a:t>
+            </a:r>
+          </a:p>
+        </p:txBody>
+      </p:sp>
+      <p:pic>
+        <p:nvPicPr>
+          <p:cNvPr id="1026" name="Picture 2" descr="Sąsiedzi: Film - bajka online, Oglądaj na Player.pl">
+            <a:extLst>
+              <a:ext uri="{FF2B5EF4-FFF2-40B4-BE49-F238E27FC236}">
+                <a16:creationId xmlns:a16="http://schemas.microsoft.com/office/drawing/2014/main" id="{528C1243-93FE-C1D0-E1CA-FBEF551610FB}"/>
+              </a:ext>
+            </a:extLst>
+          </p:cNvPr>
+          <p:cNvPicPr>
+            <a:picLocks noChangeAspect="1" noChangeArrowheads="1"/>
+          </p:cNvPicPr>
+          <p:nvPr/>
+        </p:nvPicPr>
+        <p:blipFill>
+          <a:blip r:embed="rId2">
+            <a:extLst>
+              <a:ext uri="{BEBA8EAE-BF5A-486C-A8C5-ECC9F3942E4B}">
+                <a14:imgProps xmlns:a14="http://schemas.microsoft.com/office/drawing/2010/main">
+                  <a14:imgLayer r:embed="rId3">
+                    <a14:imgEffect>
+                      <a14:backgroundRemoval t="8475" b="96045" l="9524" r="89524">
+                        <a14:foregroundMark x1="45397" y1="8475" x2="30794" y2="24294"/>
+                        <a14:foregroundMark x1="30794" y1="24294" x2="26667" y2="55932"/>
+                        <a14:foregroundMark x1="26667" y1="55932" x2="33333" y2="72316"/>
+                        <a14:foregroundMark x1="35556" y1="80791" x2="50476" y2="96045"/>
+                        <a14:foregroundMark x1="50476" y1="96045" x2="66349" y2="83616"/>
+                        <a14:foregroundMark x1="66349" y1="83616" x2="66667" y2="83051"/>
+                      </a14:backgroundRemoval>
+                    </a14:imgEffect>
+                  </a14:imgLayer>
+                </a14:imgProps>
+              </a:ext>
+              <a:ext uri="{28A0092B-C50C-407E-A947-70E740481C1C}">
+                <a14:useLocalDpi xmlns:a14="http://schemas.microsoft.com/office/drawing/2010/main" val="0"/>
+              </a:ext>
+            </a:extLst>
+          </a:blip>
+          <a:srcRect/>
+          <a:stretch>
+            <a:fillRect/>
+          </a:stretch>
+        </p:blipFill>
+        <p:spPr bwMode="auto">
+          <a:xfrm>
+            <a:off x="4745038" y="406693"/>
+            <a:ext cx="3000375" cy="1685925"/>
+          </a:xfrm>
+          <a:prstGeom prst="rect">
+            <a:avLst/>
+          </a:prstGeom>
+          <a:noFill/>
+          <a:extLst>
+            <a:ext uri="{909E8E84-426E-40DD-AFC4-6F175D3DCCD1}">
+              <a14:hiddenFill xmlns:a14="http://schemas.microsoft.com/office/drawing/2010/main">
+                <a:solidFill>
+                  <a:srgbClr val="FFFFFF"/>
+                </a:solidFill>
+              </a14:hiddenFill>
+            </a:ext>
+          </a:extLst>
+        </p:spPr>
+      </p:pic>
+      <p:pic>
+        <p:nvPicPr>
+          <p:cNvPr id="1028" name="Picture 4" descr="Sąsiedzi&quot; od kuchni - Joe Monster">
+            <a:extLst>
+              <a:ext uri="{FF2B5EF4-FFF2-40B4-BE49-F238E27FC236}">
+                <a16:creationId xmlns:a16="http://schemas.microsoft.com/office/drawing/2014/main" id="{7873E899-E5D4-C4F6-062B-276454FBAE0F}"/>
+              </a:ext>
+            </a:extLst>
+          </p:cNvPr>
+          <p:cNvPicPr>
+            <a:picLocks noChangeAspect="1" noChangeArrowheads="1"/>
+          </p:cNvPicPr>
+          <p:nvPr/>
+        </p:nvPicPr>
+        <p:blipFill>
+          <a:blip r:embed="rId4">
+            <a:extLst>
+              <a:ext uri="{BEBA8EAE-BF5A-486C-A8C5-ECC9F3942E4B}">
+                <a14:imgProps xmlns:a14="http://schemas.microsoft.com/office/drawing/2010/main">
+                  <a14:imgLayer r:embed="rId5">
+                    <a14:imgEffect>
+                      <a14:backgroundRemoval t="8000" b="90000" l="4167" r="98718">
+                        <a14:foregroundMark x1="43910" y1="8333" x2="39423" y2="20333"/>
+                        <a14:foregroundMark x1="89423" y1="46000" x2="98718" y2="55667"/>
+                        <a14:foregroundMark x1="9936" y1="79000" x2="14423" y2="88667"/>
+                        <a14:foregroundMark x1="4167" y1="87667" x2="13462" y2="78667"/>
+                      </a14:backgroundRemoval>
+                    </a14:imgEffect>
+                  </a14:imgLayer>
+                </a14:imgProps>
+              </a:ext>
+              <a:ext uri="{28A0092B-C50C-407E-A947-70E740481C1C}">
+                <a14:useLocalDpi xmlns:a14="http://schemas.microsoft.com/office/drawing/2010/main" val="0"/>
+              </a:ext>
+            </a:extLst>
+          </a:blip>
+          <a:srcRect/>
+          <a:stretch>
+            <a:fillRect/>
+          </a:stretch>
+        </p:blipFill>
+        <p:spPr bwMode="auto">
+          <a:xfrm>
+            <a:off x="7300805" y="2963125"/>
+            <a:ext cx="4223385" cy="4060947"/>
+          </a:xfrm>
+          <a:prstGeom prst="rect">
+            <a:avLst/>
+          </a:prstGeom>
+          <a:noFill/>
+          <a:extLst>
+            <a:ext uri="{909E8E84-426E-40DD-AFC4-6F175D3DCCD1}">
+              <a14:hiddenFill xmlns:a14="http://schemas.microsoft.com/office/drawing/2010/main">
+                <a:solidFill>
+                  <a:srgbClr val="FFFFFF"/>
+                </a:solidFill>
+              </a14:hiddenFill>
+            </a:ext>
+          </a:extLst>
+        </p:spPr>
+      </p:pic>
+    </p:spTree>
+    <p:extLst>
+      <p:ext uri="{BB962C8B-B14F-4D97-AF65-F5344CB8AC3E}">
+        <p14:creationId xmlns:p14="http://schemas.microsoft.com/office/powerpoint/2010/main" val="2708305515"/>
+      </p:ext>
+    </p:extLst>
+  </p:cSld>
+  <p:clrMapOvr>
+    <a:masterClrMapping/>
+  </p:clrMapOvr>
+</p:sld>
+</file>
+
+<file path=ppt/slides/slide21.xml><?xml version="1.0" encoding="utf-8"?>
+<p:sld xmlns:a="http://schemas.openxmlformats.org/drawingml/2006/main" xmlns:r="http://schemas.openxmlformats.org/officeDocument/2006/relationships" xmlns:p="http://schemas.openxmlformats.org/presentationml/2006/main">
+  <p:cSld>
     <p:bg>
       <p:bgPr>
         <a:solidFill>
@@ -17932,7 +18332,7 @@
 </p:sld>
 </file>
 
-<file path=ppt/slides/slide21.xml><?xml version="1.0" encoding="utf-8"?>
+<file path=ppt/slides/slide22.xml><?xml version="1.0" encoding="utf-8"?>
 <p:sld xmlns:a="http://schemas.openxmlformats.org/drawingml/2006/main" xmlns:r="http://schemas.openxmlformats.org/officeDocument/2006/relationships" xmlns:p="http://schemas.openxmlformats.org/presentationml/2006/main">
   <p:cSld>
     <p:bg>
@@ -18401,7 +18801,7 @@
 </p:sld>
 </file>
 
-<file path=ppt/slides/slide22.xml><?xml version="1.0" encoding="utf-8"?>
+<file path=ppt/slides/slide23.xml><?xml version="1.0" encoding="utf-8"?>
 <p:sld xmlns:a="http://schemas.openxmlformats.org/drawingml/2006/main" xmlns:r="http://schemas.openxmlformats.org/officeDocument/2006/relationships" xmlns:p="http://schemas.openxmlformats.org/presentationml/2006/main">
   <p:cSld>
     <p:bg>
@@ -19244,7 +19644,7 @@
 </p:sld>
 </file>
 
-<file path=ppt/slides/slide23.xml><?xml version="1.0" encoding="utf-8"?>
+<file path=ppt/slides/slide24.xml><?xml version="1.0" encoding="utf-8"?>
 <p:sld xmlns:a="http://schemas.openxmlformats.org/drawingml/2006/main" xmlns:r="http://schemas.openxmlformats.org/officeDocument/2006/relationships" xmlns:p="http://schemas.openxmlformats.org/presentationml/2006/main">
   <p:cSld>
     <p:spTree>
@@ -19376,7 +19776,7 @@
         </p:spPr>
         <p:txBody>
           <a:bodyPr vert="horz" lIns="91440" tIns="45720" rIns="91440" bIns="45720" rtlCol="0" anchor="b">
-            <a:normAutofit fontScale="92500"/>
+            <a:normAutofit fontScale="77500" lnSpcReduction="20000"/>
           </a:bodyPr>
           <a:lstStyle/>
           <a:p>
@@ -19393,7 +19793,31 @@
                 </a:solidFill>
                 <a:latin typeface="Bookman Old Style" panose="02050604050505020204" pitchFamily="18" charset="0"/>
               </a:rPr>
-              <a:t>LET’S SEE CODE!</a:t>
+              <a:t>LET’S SEE </a:t>
+            </a:r>
+            <a:r>
+              <a:rPr lang="pl-PL" sz="3600" b="1" dirty="0">
+                <a:solidFill>
+                  <a:schemeClr val="accent4">
+                    <a:lumMod val="60000"/>
+                    <a:lumOff val="40000"/>
+                  </a:schemeClr>
+                </a:solidFill>
+                <a:latin typeface="Bookman Old Style" panose="02050604050505020204" pitchFamily="18" charset="0"/>
+              </a:rPr>
+              <a:t>the </a:t>
+            </a:r>
+            <a:r>
+              <a:rPr lang="en-US" sz="3600" b="1" dirty="0">
+                <a:solidFill>
+                  <a:schemeClr val="accent4">
+                    <a:lumMod val="60000"/>
+                    <a:lumOff val="40000"/>
+                  </a:schemeClr>
+                </a:solidFill>
+                <a:latin typeface="Bookman Old Style" panose="02050604050505020204" pitchFamily="18" charset="0"/>
+              </a:rPr>
+              <a:t>CODE!</a:t>
             </a:r>
           </a:p>
         </p:txBody>
@@ -19560,9 +19984,6 @@
                 <a:ln>
                   <a:noFill/>
                 </a:ln>
-                <a:solidFill>
-                  <a:srgbClr val="A9B7C6"/>
-                </a:solidFill>
                 <a:effectLst/>
               </a:rPr>
               <a:t>Data</a:t>
@@ -19572,9 +19993,6 @@
                 <a:ln>
                   <a:noFill/>
                 </a:ln>
-                <a:solidFill>
-                  <a:srgbClr val="A9B7C6"/>
-                </a:solidFill>
                 <a:effectLst/>
               </a:rPr>
             </a:br>
@@ -19583,9 +20001,6 @@
                 <a:ln>
                   <a:noFill/>
                 </a:ln>
-                <a:solidFill>
-                  <a:srgbClr val="A9B7C6"/>
-                </a:solidFill>
                 <a:effectLst/>
               </a:rPr>
               <a:t>Utilization</a:t>
@@ -19595,9 +20010,6 @@
                 <a:ln>
                   <a:noFill/>
                 </a:ln>
-                <a:solidFill>
-                  <a:srgbClr val="A9B7C6"/>
-                </a:solidFill>
                 <a:effectLst/>
               </a:rPr>
               <a:t> data by </a:t>
@@ -19607,9 +20019,6 @@
                 <a:ln>
                   <a:noFill/>
                 </a:ln>
-                <a:solidFill>
-                  <a:srgbClr val="A9B7C6"/>
-                </a:solidFill>
                 <a:effectLst/>
               </a:rPr>
               <a:t>employee</a:t>
@@ -19619,9 +20028,6 @@
                 <a:ln>
                   <a:noFill/>
                 </a:ln>
-                <a:solidFill>
-                  <a:srgbClr val="A9B7C6"/>
-                </a:solidFill>
                 <a:effectLst/>
               </a:rPr>
               <a:t>:</a:t>
@@ -19690,9 +20096,6 @@
                 <a:ln>
                   <a:noFill/>
                 </a:ln>
-                <a:solidFill>
-                  <a:srgbClr val="A9B7C6"/>
-                </a:solidFill>
                 <a:effectLst/>
                 <a:latin typeface="Bookman Old Style" panose="02050604050505020204" pitchFamily="18" charset="0"/>
               </a:rPr>
@@ -19703,9 +20106,6 @@
                 <a:ln>
                   <a:noFill/>
                 </a:ln>
-                <a:solidFill>
-                  <a:srgbClr val="A9B7C6"/>
-                </a:solidFill>
                 <a:effectLst/>
                 <a:latin typeface="Bookman Old Style" panose="02050604050505020204" pitchFamily="18" charset="0"/>
               </a:rPr>
@@ -19716,9 +20116,6 @@
                 <a:ln>
                   <a:noFill/>
                 </a:ln>
-                <a:solidFill>
-                  <a:srgbClr val="A9B7C6"/>
-                </a:solidFill>
                 <a:effectLst/>
                 <a:latin typeface="Bookman Old Style" panose="02050604050505020204" pitchFamily="18" charset="0"/>
               </a:rPr>
@@ -19729,9 +20126,6 @@
                 <a:ln>
                   <a:noFill/>
                 </a:ln>
-                <a:solidFill>
-                  <a:srgbClr val="A9B7C6"/>
-                </a:solidFill>
                 <a:effectLst/>
                 <a:latin typeface="Bookman Old Style" panose="02050604050505020204" pitchFamily="18" charset="0"/>
               </a:rPr>
@@ -19742,9 +20136,6 @@
                 <a:ln>
                   <a:noFill/>
                 </a:ln>
-                <a:solidFill>
-                  <a:srgbClr val="A9B7C6"/>
-                </a:solidFill>
                 <a:effectLst/>
                 <a:latin typeface="Bookman Old Style" panose="02050604050505020204" pitchFamily="18" charset="0"/>
               </a:rPr>
@@ -19755,9 +20146,6 @@
                 <a:ln>
                   <a:noFill/>
                 </a:ln>
-                <a:solidFill>
-                  <a:srgbClr val="A9B7C6"/>
-                </a:solidFill>
                 <a:effectLst/>
                 <a:latin typeface="Bookman Old Style" panose="02050604050505020204" pitchFamily="18" charset="0"/>
               </a:rPr>
@@ -19768,9 +20156,6 @@
                 <a:ln>
                   <a:noFill/>
                 </a:ln>
-                <a:solidFill>
-                  <a:srgbClr val="A9B7C6"/>
-                </a:solidFill>
                 <a:effectLst/>
                 <a:latin typeface="Bookman Old Style" panose="02050604050505020204" pitchFamily="18" charset="0"/>
               </a:rPr>
@@ -19781,9 +20166,6 @@
                 <a:ln>
                   <a:noFill/>
                 </a:ln>
-                <a:solidFill>
-                  <a:srgbClr val="A9B7C6"/>
-                </a:solidFill>
                 <a:effectLst/>
                 <a:latin typeface="Bookman Old Style" panose="02050604050505020204" pitchFamily="18" charset="0"/>
               </a:rPr>
@@ -19794,9 +20176,6 @@
                 <a:ln>
                   <a:noFill/>
                 </a:ln>
-                <a:solidFill>
-                  <a:srgbClr val="A9B7C6"/>
-                </a:solidFill>
                 <a:effectLst/>
                 <a:latin typeface="Bookman Old Style" panose="02050604050505020204" pitchFamily="18" charset="0"/>
               </a:rPr>
@@ -19807,9 +20186,6 @@
                 <a:ln>
                   <a:noFill/>
                 </a:ln>
-                <a:solidFill>
-                  <a:srgbClr val="A9B7C6"/>
-                </a:solidFill>
                 <a:effectLst/>
                 <a:latin typeface="Bookman Old Style" panose="02050604050505020204" pitchFamily="18" charset="0"/>
               </a:rPr>
@@ -19820,9 +20196,6 @@
                 <a:ln>
                   <a:noFill/>
                 </a:ln>
-                <a:solidFill>
-                  <a:srgbClr val="A9B7C6"/>
-                </a:solidFill>
                 <a:effectLst/>
                 <a:latin typeface="Bookman Old Style" panose="02050604050505020204" pitchFamily="18" charset="0"/>
               </a:rPr>
@@ -19833,9 +20206,6 @@
                 <a:ln>
                   <a:noFill/>
                 </a:ln>
-                <a:solidFill>
-                  <a:srgbClr val="A9B7C6"/>
-                </a:solidFill>
                 <a:effectLst/>
                 <a:latin typeface="Bookman Old Style" panose="02050604050505020204" pitchFamily="18" charset="0"/>
               </a:rPr>
@@ -19846,9 +20216,6 @@
                 <a:ln>
                   <a:noFill/>
                 </a:ln>
-                <a:solidFill>
-                  <a:srgbClr val="A9B7C6"/>
-                </a:solidFill>
                 <a:effectLst/>
                 <a:latin typeface="Bookman Old Style" panose="02050604050505020204" pitchFamily="18" charset="0"/>
               </a:rPr>
@@ -19859,9 +20226,6 @@
                 <a:ln>
                   <a:noFill/>
                 </a:ln>
-                <a:solidFill>
-                  <a:srgbClr val="A9B7C6"/>
-                </a:solidFill>
                 <a:effectLst/>
                 <a:latin typeface="Bookman Old Style" panose="02050604050505020204" pitchFamily="18" charset="0"/>
               </a:rPr>
@@ -19872,9 +20236,6 @@
                 <a:ln>
                   <a:noFill/>
                 </a:ln>
-                <a:solidFill>
-                  <a:srgbClr val="A9B7C6"/>
-                </a:solidFill>
                 <a:effectLst/>
                 <a:latin typeface="Bookman Old Style" panose="02050604050505020204" pitchFamily="18" charset="0"/>
               </a:rPr>
@@ -19885,9 +20246,6 @@
                 <a:ln>
                   <a:noFill/>
                 </a:ln>
-                <a:solidFill>
-                  <a:srgbClr val="A9B7C6"/>
-                </a:solidFill>
                 <a:effectLst/>
                 <a:latin typeface="Bookman Old Style" panose="02050604050505020204" pitchFamily="18" charset="0"/>
               </a:rPr>
@@ -19898,9 +20256,6 @@
                 <a:ln>
                   <a:noFill/>
                 </a:ln>
-                <a:solidFill>
-                  <a:srgbClr val="A9B7C6"/>
-                </a:solidFill>
                 <a:effectLst/>
                 <a:latin typeface="Bookman Old Style" panose="02050604050505020204" pitchFamily="18" charset="0"/>
               </a:rPr>
@@ -19911,9 +20266,6 @@
                 <a:ln>
                   <a:noFill/>
                 </a:ln>
-                <a:solidFill>
-                  <a:srgbClr val="A9B7C6"/>
-                </a:solidFill>
                 <a:effectLst/>
                 <a:latin typeface="Bookman Old Style" panose="02050604050505020204" pitchFamily="18" charset="0"/>
               </a:rPr>
@@ -19924,9 +20276,6 @@
                 <a:ln>
                   <a:noFill/>
                 </a:ln>
-                <a:solidFill>
-                  <a:srgbClr val="A9B7C6"/>
-                </a:solidFill>
                 <a:effectLst/>
                 <a:latin typeface="Bookman Old Style" panose="02050604050505020204" pitchFamily="18" charset="0"/>
               </a:rPr>
@@ -19937,9 +20286,6 @@
                 <a:ln>
                   <a:noFill/>
                 </a:ln>
-                <a:solidFill>
-                  <a:srgbClr val="A9B7C6"/>
-                </a:solidFill>
                 <a:effectLst/>
                 <a:latin typeface="Bookman Old Style" panose="02050604050505020204" pitchFamily="18" charset="0"/>
               </a:rPr>
@@ -19950,9 +20296,6 @@
                 <a:ln>
                   <a:noFill/>
                 </a:ln>
-                <a:solidFill>
-                  <a:srgbClr val="A9B7C6"/>
-                </a:solidFill>
                 <a:effectLst/>
                 <a:latin typeface="Bookman Old Style" panose="02050604050505020204" pitchFamily="18" charset="0"/>
               </a:rPr>
@@ -19963,9 +20306,6 @@
                 <a:ln>
                   <a:noFill/>
                 </a:ln>
-                <a:solidFill>
-                  <a:srgbClr val="A9B7C6"/>
-                </a:solidFill>
                 <a:effectLst/>
                 <a:latin typeface="Bookman Old Style" panose="02050604050505020204" pitchFamily="18" charset="0"/>
               </a:rPr>
@@ -19976,9 +20316,6 @@
                 <a:ln>
                   <a:noFill/>
                 </a:ln>
-                <a:solidFill>
-                  <a:srgbClr val="A9B7C6"/>
-                </a:solidFill>
                 <a:effectLst/>
                 <a:latin typeface="Bookman Old Style" panose="02050604050505020204" pitchFamily="18" charset="0"/>
               </a:rPr>
@@ -19989,9 +20326,6 @@
                 <a:ln>
                   <a:noFill/>
                 </a:ln>
-                <a:solidFill>
-                  <a:srgbClr val="A9B7C6"/>
-                </a:solidFill>
                 <a:effectLst/>
                 <a:latin typeface="Bookman Old Style" panose="02050604050505020204" pitchFamily="18" charset="0"/>
               </a:rPr>
@@ -20002,9 +20336,6 @@
                 <a:ln>
                   <a:noFill/>
                 </a:ln>
-                <a:solidFill>
-                  <a:srgbClr val="A9B7C6"/>
-                </a:solidFill>
                 <a:effectLst/>
                 <a:latin typeface="Bookman Old Style" panose="02050604050505020204" pitchFamily="18" charset="0"/>
               </a:rPr>
@@ -20015,9 +20346,6 @@
                 <a:ln>
                   <a:noFill/>
                 </a:ln>
-                <a:solidFill>
-                  <a:srgbClr val="A9B7C6"/>
-                </a:solidFill>
                 <a:effectLst/>
                 <a:latin typeface="Bookman Old Style" panose="02050604050505020204" pitchFamily="18" charset="0"/>
               </a:rPr>
@@ -20028,9 +20356,6 @@
                 <a:ln>
                   <a:noFill/>
                 </a:ln>
-                <a:solidFill>
-                  <a:srgbClr val="A9B7C6"/>
-                </a:solidFill>
                 <a:effectLst/>
                 <a:latin typeface="Bookman Old Style" panose="02050604050505020204" pitchFamily="18" charset="0"/>
               </a:rPr>
@@ -20041,9 +20366,6 @@
                 <a:ln>
                   <a:noFill/>
                 </a:ln>
-                <a:solidFill>
-                  <a:srgbClr val="A9B7C6"/>
-                </a:solidFill>
                 <a:effectLst/>
                 <a:latin typeface="Bookman Old Style" panose="02050604050505020204" pitchFamily="18" charset="0"/>
               </a:rPr>
@@ -20054,9 +20376,6 @@
                 <a:ln>
                   <a:noFill/>
                 </a:ln>
-                <a:solidFill>
-                  <a:srgbClr val="A9B7C6"/>
-                </a:solidFill>
                 <a:effectLst/>
                 <a:latin typeface="Bookman Old Style" panose="02050604050505020204" pitchFamily="18" charset="0"/>
               </a:rPr>
@@ -20067,9 +20386,6 @@
                 <a:ln>
                   <a:noFill/>
                 </a:ln>
-                <a:solidFill>
-                  <a:srgbClr val="A9B7C6"/>
-                </a:solidFill>
                 <a:effectLst/>
                 <a:latin typeface="Bookman Old Style" panose="02050604050505020204" pitchFamily="18" charset="0"/>
               </a:rPr>
@@ -20080,9 +20396,6 @@
                 <a:ln>
                   <a:noFill/>
                 </a:ln>
-                <a:solidFill>
-                  <a:srgbClr val="A9B7C6"/>
-                </a:solidFill>
                 <a:effectLst/>
                 <a:latin typeface="Bookman Old Style" panose="02050604050505020204" pitchFamily="18" charset="0"/>
               </a:rPr>
@@ -20093,9 +20406,6 @@
                 <a:ln>
                   <a:noFill/>
                 </a:ln>
-                <a:solidFill>
-                  <a:srgbClr val="A9B7C6"/>
-                </a:solidFill>
                 <a:effectLst/>
                 <a:latin typeface="Bookman Old Style" panose="02050604050505020204" pitchFamily="18" charset="0"/>
               </a:rPr>
@@ -20106,9 +20416,6 @@
                 <a:ln>
                   <a:noFill/>
                 </a:ln>
-                <a:solidFill>
-                  <a:srgbClr val="A9B7C6"/>
-                </a:solidFill>
                 <a:effectLst/>
                 <a:latin typeface="Bookman Old Style" panose="02050604050505020204" pitchFamily="18" charset="0"/>
               </a:rPr>
@@ -20119,9 +20426,6 @@
                 <a:ln>
                   <a:noFill/>
                 </a:ln>
-                <a:solidFill>
-                  <a:srgbClr val="A9B7C6"/>
-                </a:solidFill>
                 <a:effectLst/>
                 <a:latin typeface="Bookman Old Style" panose="02050604050505020204" pitchFamily="18" charset="0"/>
               </a:rPr>
@@ -20132,9 +20436,6 @@
                 <a:ln>
                   <a:noFill/>
                 </a:ln>
-                <a:solidFill>
-                  <a:srgbClr val="A9B7C6"/>
-                </a:solidFill>
                 <a:effectLst/>
                 <a:latin typeface="Bookman Old Style" panose="02050604050505020204" pitchFamily="18" charset="0"/>
               </a:rPr>
@@ -20145,9 +20446,6 @@
                 <a:ln>
                   <a:noFill/>
                 </a:ln>
-                <a:solidFill>
-                  <a:srgbClr val="A9B7C6"/>
-                </a:solidFill>
                 <a:effectLst/>
                 <a:latin typeface="Bookman Old Style" panose="02050604050505020204" pitchFamily="18" charset="0"/>
               </a:rPr>
@@ -20158,9 +20456,6 @@
                 <a:ln>
                   <a:noFill/>
                 </a:ln>
-                <a:solidFill>
-                  <a:srgbClr val="A9B7C6"/>
-                </a:solidFill>
                 <a:effectLst/>
                 <a:latin typeface="Bookman Old Style" panose="02050604050505020204" pitchFamily="18" charset="0"/>
               </a:rPr>
@@ -20171,9 +20466,6 @@
                 <a:ln>
                   <a:noFill/>
                 </a:ln>
-                <a:solidFill>
-                  <a:srgbClr val="A9B7C6"/>
-                </a:solidFill>
                 <a:effectLst/>
                 <a:latin typeface="Bookman Old Style" panose="02050604050505020204" pitchFamily="18" charset="0"/>
               </a:rPr>
@@ -20184,9 +20476,6 @@
                 <a:ln>
                   <a:noFill/>
                 </a:ln>
-                <a:solidFill>
-                  <a:srgbClr val="A9B7C6"/>
-                </a:solidFill>
                 <a:effectLst/>
                 <a:latin typeface="Bookman Old Style" panose="02050604050505020204" pitchFamily="18" charset="0"/>
               </a:rPr>
@@ -20197,9 +20486,6 @@
                 <a:ln>
                   <a:noFill/>
                 </a:ln>
-                <a:solidFill>
-                  <a:srgbClr val="A9B7C6"/>
-                </a:solidFill>
                 <a:effectLst/>
                 <a:latin typeface="Bookman Old Style" panose="02050604050505020204" pitchFamily="18" charset="0"/>
               </a:rPr>
@@ -20210,9 +20496,6 @@
                 <a:ln>
                   <a:noFill/>
                 </a:ln>
-                <a:solidFill>
-                  <a:srgbClr val="A9B7C6"/>
-                </a:solidFill>
                 <a:effectLst/>
                 <a:latin typeface="Bookman Old Style" panose="02050604050505020204" pitchFamily="18" charset="0"/>
               </a:rPr>
@@ -20237,9 +20520,6 @@
               <a:tabLst/>
             </a:pPr>
             <a:endParaRPr lang="pl-PL" altLang="pl-PL" sz="2400" dirty="0">
-              <a:solidFill>
-                <a:srgbClr val="A9B7C6"/>
-              </a:solidFill>
               <a:latin typeface="Bookman Old Style" panose="02050604050505020204" pitchFamily="18" charset="0"/>
             </a:endParaRPr>
           </a:p>
@@ -20261,9 +20541,6 @@
                 <a:ln>
                   <a:noFill/>
                 </a:ln>
-                <a:solidFill>
-                  <a:srgbClr val="A9B7C6"/>
-                </a:solidFill>
                 <a:effectLst/>
                 <a:latin typeface="Bookman Old Style" panose="02050604050505020204" pitchFamily="18" charset="0"/>
               </a:rPr>
@@ -20274,9 +20551,6 @@
                 <a:ln>
                   <a:noFill/>
                 </a:ln>
-                <a:solidFill>
-                  <a:srgbClr val="A9B7C6"/>
-                </a:solidFill>
                 <a:effectLst/>
                 <a:latin typeface="Bookman Old Style" panose="02050604050505020204" pitchFamily="18" charset="0"/>
               </a:rPr>
@@ -20287,9 +20561,6 @@
                 <a:ln>
                   <a:noFill/>
                 </a:ln>
-                <a:solidFill>
-                  <a:srgbClr val="A9B7C6"/>
-                </a:solidFill>
                 <a:effectLst/>
                 <a:latin typeface="Bookman Old Style" panose="02050604050505020204" pitchFamily="18" charset="0"/>
               </a:rPr>
@@ -20300,9 +20571,6 @@
                 <a:ln>
                   <a:noFill/>
                 </a:ln>
-                <a:solidFill>
-                  <a:srgbClr val="A9B7C6"/>
-                </a:solidFill>
                 <a:effectLst/>
                 <a:latin typeface="Bookman Old Style" panose="02050604050505020204" pitchFamily="18" charset="0"/>
               </a:rPr>
@@ -20313,9 +20581,6 @@
                 <a:ln>
                   <a:noFill/>
                 </a:ln>
-                <a:solidFill>
-                  <a:srgbClr val="A9B7C6"/>
-                </a:solidFill>
                 <a:effectLst/>
                 <a:latin typeface="Bookman Old Style" panose="02050604050505020204" pitchFamily="18" charset="0"/>
               </a:rPr>
@@ -20326,9 +20591,6 @@
                 <a:ln>
                   <a:noFill/>
                 </a:ln>
-                <a:solidFill>
-                  <a:srgbClr val="A9B7C6"/>
-                </a:solidFill>
                 <a:effectLst/>
                 <a:latin typeface="Bookman Old Style" panose="02050604050505020204" pitchFamily="18" charset="0"/>
               </a:rPr>
@@ -20339,9 +20601,6 @@
                 <a:ln>
                   <a:noFill/>
                 </a:ln>
-                <a:solidFill>
-                  <a:srgbClr val="A9B7C6"/>
-                </a:solidFill>
                 <a:effectLst/>
                 <a:latin typeface="Bookman Old Style" panose="02050604050505020204" pitchFamily="18" charset="0"/>
               </a:rPr>
@@ -20352,9 +20611,6 @@
                 <a:ln>
                   <a:noFill/>
                 </a:ln>
-                <a:solidFill>
-                  <a:srgbClr val="A9B7C6"/>
-                </a:solidFill>
                 <a:effectLst/>
                 <a:latin typeface="Bookman Old Style" panose="02050604050505020204" pitchFamily="18" charset="0"/>
               </a:rPr>
@@ -20365,9 +20621,6 @@
                 <a:ln>
                   <a:noFill/>
                 </a:ln>
-                <a:solidFill>
-                  <a:srgbClr val="A9B7C6"/>
-                </a:solidFill>
                 <a:effectLst/>
                 <a:latin typeface="Bookman Old Style" panose="02050604050505020204" pitchFamily="18" charset="0"/>
               </a:rPr>
@@ -20378,9 +20631,6 @@
                 <a:ln>
                   <a:noFill/>
                 </a:ln>
-                <a:solidFill>
-                  <a:srgbClr val="A9B7C6"/>
-                </a:solidFill>
                 <a:effectLst/>
                 <a:latin typeface="Bookman Old Style" panose="02050604050505020204" pitchFamily="18" charset="0"/>
               </a:rPr>
@@ -20391,9 +20641,6 @@
                 <a:ln>
                   <a:noFill/>
                 </a:ln>
-                <a:solidFill>
-                  <a:srgbClr val="A9B7C6"/>
-                </a:solidFill>
                 <a:effectLst/>
                 <a:latin typeface="Bookman Old Style" panose="02050604050505020204" pitchFamily="18" charset="0"/>
               </a:rPr>
@@ -20404,9 +20651,6 @@
                 <a:ln>
                   <a:noFill/>
                 </a:ln>
-                <a:solidFill>
-                  <a:srgbClr val="A9B7C6"/>
-                </a:solidFill>
                 <a:effectLst/>
                 <a:latin typeface="Bookman Old Style" panose="02050604050505020204" pitchFamily="18" charset="0"/>
               </a:rPr>
@@ -20417,9 +20661,6 @@
                 <a:ln>
                   <a:noFill/>
                 </a:ln>
-                <a:solidFill>
-                  <a:srgbClr val="A9B7C6"/>
-                </a:solidFill>
                 <a:effectLst/>
                 <a:latin typeface="Bookman Old Style" panose="02050604050505020204" pitchFamily="18" charset="0"/>
               </a:rPr>
@@ -20430,9 +20671,6 @@
                 <a:ln>
                   <a:noFill/>
                 </a:ln>
-                <a:solidFill>
-                  <a:srgbClr val="A9B7C6"/>
-                </a:solidFill>
                 <a:effectLst/>
                 <a:latin typeface="Bookman Old Style" panose="02050604050505020204" pitchFamily="18" charset="0"/>
               </a:rPr>
@@ -20443,9 +20681,6 @@
                 <a:ln>
                   <a:noFill/>
                 </a:ln>
-                <a:solidFill>
-                  <a:srgbClr val="A9B7C6"/>
-                </a:solidFill>
                 <a:effectLst/>
                 <a:latin typeface="Bookman Old Style" panose="02050604050505020204" pitchFamily="18" charset="0"/>
               </a:rPr>
@@ -20456,9 +20691,6 @@
                 <a:ln>
                   <a:noFill/>
                 </a:ln>
-                <a:solidFill>
-                  <a:srgbClr val="A9B7C6"/>
-                </a:solidFill>
                 <a:effectLst/>
                 <a:latin typeface="Bookman Old Style" panose="02050604050505020204" pitchFamily="18" charset="0"/>
               </a:rPr>
@@ -20469,9 +20701,6 @@
                 <a:ln>
                   <a:noFill/>
                 </a:ln>
-                <a:solidFill>
-                  <a:srgbClr val="A9B7C6"/>
-                </a:solidFill>
                 <a:effectLst/>
                 <a:latin typeface="Bookman Old Style" panose="02050604050505020204" pitchFamily="18" charset="0"/>
               </a:rPr>
@@ -20496,9 +20725,6 @@
               <a:ln>
                 <a:noFill/>
               </a:ln>
-              <a:solidFill>
-                <a:srgbClr val="A9B7C6"/>
-              </a:solidFill>
               <a:effectLst/>
               <a:latin typeface="Bookman Old Style" panose="02050604050505020204" pitchFamily="18" charset="0"/>
             </a:endParaRPr>
@@ -20521,9 +20747,6 @@
                 <a:ln>
                   <a:noFill/>
                 </a:ln>
-                <a:solidFill>
-                  <a:srgbClr val="A9B7C6"/>
-                </a:solidFill>
                 <a:effectLst/>
                 <a:latin typeface="Bookman Old Style" panose="02050604050505020204" pitchFamily="18" charset="0"/>
               </a:rPr>
@@ -20534,9 +20757,6 @@
                 <a:ln>
                   <a:noFill/>
                 </a:ln>
-                <a:solidFill>
-                  <a:srgbClr val="A9B7C6"/>
-                </a:solidFill>
                 <a:effectLst/>
                 <a:latin typeface="Bookman Old Style" panose="02050604050505020204" pitchFamily="18" charset="0"/>
               </a:rPr>
@@ -20547,9 +20767,6 @@
                 <a:ln>
                   <a:noFill/>
                 </a:ln>
-                <a:solidFill>
-                  <a:srgbClr val="A9B7C6"/>
-                </a:solidFill>
                 <a:effectLst/>
                 <a:latin typeface="Bookman Old Style" panose="02050604050505020204" pitchFamily="18" charset="0"/>
               </a:rPr>
@@ -20560,9 +20777,6 @@
                 <a:ln>
                   <a:noFill/>
                 </a:ln>
-                <a:solidFill>
-                  <a:srgbClr val="A9B7C6"/>
-                </a:solidFill>
                 <a:effectLst/>
                 <a:latin typeface="Bookman Old Style" panose="02050604050505020204" pitchFamily="18" charset="0"/>
               </a:rPr>
@@ -20573,9 +20787,6 @@
                 <a:ln>
                   <a:noFill/>
                 </a:ln>
-                <a:solidFill>
-                  <a:srgbClr val="A9B7C6"/>
-                </a:solidFill>
                 <a:effectLst/>
                 <a:latin typeface="Bookman Old Style" panose="02050604050505020204" pitchFamily="18" charset="0"/>
               </a:rPr>
@@ -20586,9 +20797,6 @@
                 <a:ln>
                   <a:noFill/>
                 </a:ln>
-                <a:solidFill>
-                  <a:srgbClr val="A9B7C6"/>
-                </a:solidFill>
                 <a:effectLst/>
                 <a:latin typeface="Bookman Old Style" panose="02050604050505020204" pitchFamily="18" charset="0"/>
               </a:rPr>
@@ -20599,9 +20807,6 @@
                 <a:ln>
                   <a:noFill/>
                 </a:ln>
-                <a:solidFill>
-                  <a:srgbClr val="A9B7C6"/>
-                </a:solidFill>
                 <a:effectLst/>
                 <a:latin typeface="Bookman Old Style" panose="02050604050505020204" pitchFamily="18" charset="0"/>
               </a:rPr>
@@ -20612,9 +20817,6 @@
                 <a:ln>
                   <a:noFill/>
                 </a:ln>
-                <a:solidFill>
-                  <a:srgbClr val="A9B7C6"/>
-                </a:solidFill>
                 <a:effectLst/>
                 <a:latin typeface="Bookman Old Style" panose="02050604050505020204" pitchFamily="18" charset="0"/>
               </a:rPr>
@@ -20625,9 +20827,6 @@
                 <a:ln>
                   <a:noFill/>
                 </a:ln>
-                <a:solidFill>
-                  <a:srgbClr val="A9B7C6"/>
-                </a:solidFill>
                 <a:effectLst/>
                 <a:latin typeface="Bookman Old Style" panose="02050604050505020204" pitchFamily="18" charset="0"/>
               </a:rPr>
@@ -20638,9 +20837,6 @@
                 <a:ln>
                   <a:noFill/>
                 </a:ln>
-                <a:solidFill>
-                  <a:srgbClr val="A9B7C6"/>
-                </a:solidFill>
                 <a:effectLst/>
                 <a:latin typeface="Bookman Old Style" panose="02050604050505020204" pitchFamily="18" charset="0"/>
               </a:rPr>
@@ -20651,9 +20847,6 @@
                 <a:ln>
                   <a:noFill/>
                 </a:ln>
-                <a:solidFill>
-                  <a:srgbClr val="A9B7C6"/>
-                </a:solidFill>
                 <a:effectLst/>
                 <a:latin typeface="Bookman Old Style" panose="02050604050505020204" pitchFamily="18" charset="0"/>
               </a:rPr>
@@ -20664,9 +20857,6 @@
                 <a:ln>
                   <a:noFill/>
                 </a:ln>
-                <a:solidFill>
-                  <a:srgbClr val="A9B7C6"/>
-                </a:solidFill>
                 <a:effectLst/>
                 <a:latin typeface="Bookman Old Style" panose="02050604050505020204" pitchFamily="18" charset="0"/>
               </a:rPr>
@@ -20677,9 +20867,6 @@
                 <a:ln>
                   <a:noFill/>
                 </a:ln>
-                <a:solidFill>
-                  <a:srgbClr val="A9B7C6"/>
-                </a:solidFill>
                 <a:effectLst/>
                 <a:latin typeface="Bookman Old Style" panose="02050604050505020204" pitchFamily="18" charset="0"/>
               </a:rPr>
@@ -20690,9 +20877,6 @@
                 <a:ln>
                   <a:noFill/>
                 </a:ln>
-                <a:solidFill>
-                  <a:srgbClr val="A9B7C6"/>
-                </a:solidFill>
                 <a:effectLst/>
                 <a:latin typeface="Bookman Old Style" panose="02050604050505020204" pitchFamily="18" charset="0"/>
               </a:rPr>
@@ -20703,9 +20887,6 @@
                 <a:ln>
                   <a:noFill/>
                 </a:ln>
-                <a:solidFill>
-                  <a:srgbClr val="A9B7C6"/>
-                </a:solidFill>
                 <a:effectLst/>
                 <a:latin typeface="Bookman Old Style" panose="02050604050505020204" pitchFamily="18" charset="0"/>
               </a:rPr>
@@ -20716,9 +20897,6 @@
                 <a:ln>
                   <a:noFill/>
                 </a:ln>
-                <a:solidFill>
-                  <a:srgbClr val="A9B7C6"/>
-                </a:solidFill>
                 <a:effectLst/>
                 <a:latin typeface="Bookman Old Style" panose="02050604050505020204" pitchFamily="18" charset="0"/>
               </a:rPr>
@@ -20729,9 +20907,6 @@
                 <a:ln>
                   <a:noFill/>
                 </a:ln>
-                <a:solidFill>
-                  <a:srgbClr val="A9B7C6"/>
-                </a:solidFill>
                 <a:effectLst/>
                 <a:latin typeface="Bookman Old Style" panose="02050604050505020204" pitchFamily="18" charset="0"/>
               </a:rPr>
@@ -20742,9 +20917,6 @@
                 <a:ln>
                   <a:noFill/>
                 </a:ln>
-                <a:solidFill>
-                  <a:srgbClr val="A9B7C6"/>
-                </a:solidFill>
                 <a:effectLst/>
                 <a:latin typeface="Bookman Old Style" panose="02050604050505020204" pitchFamily="18" charset="0"/>
               </a:rPr>
@@ -20755,9 +20927,6 @@
                 <a:ln>
                   <a:noFill/>
                 </a:ln>
-                <a:solidFill>
-                  <a:srgbClr val="A9B7C6"/>
-                </a:solidFill>
                 <a:effectLst/>
                 <a:latin typeface="Bookman Old Style" panose="02050604050505020204" pitchFamily="18" charset="0"/>
               </a:rPr>
@@ -20768,9 +20937,6 @@
                 <a:ln>
                   <a:noFill/>
                 </a:ln>
-                <a:solidFill>
-                  <a:srgbClr val="A9B7C6"/>
-                </a:solidFill>
                 <a:effectLst/>
                 <a:latin typeface="Bookman Old Style" panose="02050604050505020204" pitchFamily="18" charset="0"/>
               </a:rPr>
@@ -20781,9 +20947,6 @@
                 <a:ln>
                   <a:noFill/>
                 </a:ln>
-                <a:solidFill>
-                  <a:srgbClr val="A9B7C6"/>
-                </a:solidFill>
                 <a:effectLst/>
                 <a:latin typeface="Bookman Old Style" panose="02050604050505020204" pitchFamily="18" charset="0"/>
               </a:rPr>
@@ -20794,9 +20957,6 @@
                 <a:ln>
                   <a:noFill/>
                 </a:ln>
-                <a:solidFill>
-                  <a:srgbClr val="A9B7C6"/>
-                </a:solidFill>
                 <a:effectLst/>
                 <a:latin typeface="Bookman Old Style" panose="02050604050505020204" pitchFamily="18" charset="0"/>
               </a:rPr>
@@ -20807,9 +20967,6 @@
                 <a:ln>
                   <a:noFill/>
                 </a:ln>
-                <a:solidFill>
-                  <a:srgbClr val="A9B7C6"/>
-                </a:solidFill>
                 <a:effectLst/>
                 <a:latin typeface="Bookman Old Style" panose="02050604050505020204" pitchFamily="18" charset="0"/>
               </a:rPr>
@@ -20820,9 +20977,6 @@
                 <a:ln>
                   <a:noFill/>
                 </a:ln>
-                <a:solidFill>
-                  <a:srgbClr val="A9B7C6"/>
-                </a:solidFill>
                 <a:effectLst/>
                 <a:latin typeface="Bookman Old Style" panose="02050604050505020204" pitchFamily="18" charset="0"/>
               </a:rPr>
@@ -20832,9 +20986,6 @@
                 <a:ln>
                   <a:noFill/>
                 </a:ln>
-                <a:solidFill>
-                  <a:srgbClr val="A9B7C6"/>
-                </a:solidFill>
                 <a:effectLst/>
                 <a:latin typeface="Bookman Old Style" panose="02050604050505020204" pitchFamily="18" charset="0"/>
               </a:rPr>
@@ -20845,9 +20996,6 @@
                 <a:ln>
                   <a:noFill/>
                 </a:ln>
-                <a:solidFill>
-                  <a:srgbClr val="A9B7C6"/>
-                </a:solidFill>
                 <a:effectLst/>
                 <a:latin typeface="Bookman Old Style" panose="02050604050505020204" pitchFamily="18" charset="0"/>
               </a:rPr>
@@ -20858,9 +21006,6 @@
                 <a:ln>
                   <a:noFill/>
                 </a:ln>
-                <a:solidFill>
-                  <a:srgbClr val="A9B7C6"/>
-                </a:solidFill>
                 <a:effectLst/>
                 <a:latin typeface="Bookman Old Style" panose="02050604050505020204" pitchFamily="18" charset="0"/>
               </a:rPr>
@@ -20871,9 +21016,6 @@
                 <a:ln>
                   <a:noFill/>
                 </a:ln>
-                <a:solidFill>
-                  <a:srgbClr val="A9B7C6"/>
-                </a:solidFill>
                 <a:effectLst/>
                 <a:latin typeface="Bookman Old Style" panose="02050604050505020204" pitchFamily="18" charset="0"/>
               </a:rPr>
@@ -20884,9 +21026,6 @@
                 <a:ln>
                   <a:noFill/>
                 </a:ln>
-                <a:solidFill>
-                  <a:srgbClr val="A9B7C6"/>
-                </a:solidFill>
                 <a:effectLst/>
                 <a:latin typeface="Bookman Old Style" panose="02050604050505020204" pitchFamily="18" charset="0"/>
               </a:rPr>
@@ -20897,9 +21036,6 @@
                 <a:ln>
                   <a:noFill/>
                 </a:ln>
-                <a:solidFill>
-                  <a:srgbClr val="A9B7C6"/>
-                </a:solidFill>
                 <a:effectLst/>
                 <a:latin typeface="Bookman Old Style" panose="02050604050505020204" pitchFamily="18" charset="0"/>
               </a:rPr>
@@ -20910,9 +21046,6 @@
                 <a:ln>
                   <a:noFill/>
                 </a:ln>
-                <a:solidFill>
-                  <a:srgbClr val="A9B7C6"/>
-                </a:solidFill>
                 <a:effectLst/>
                 <a:latin typeface="Bookman Old Style" panose="02050604050505020204" pitchFamily="18" charset="0"/>
               </a:rPr>
@@ -20922,9 +21055,6 @@
               <a:ln>
                 <a:noFill/>
               </a:ln>
-              <a:solidFill>
-                <a:srgbClr val="A9B7C6"/>
-              </a:solidFill>
               <a:effectLst/>
               <a:latin typeface="Bookman Old Style" panose="02050604050505020204" pitchFamily="18" charset="0"/>
             </a:endParaRPr>
@@ -20944,9 +21074,6 @@
               <a:buNone/>
             </a:pPr>
             <a:endParaRPr lang="pl-PL" altLang="pl-PL" sz="2400" dirty="0">
-              <a:solidFill>
-                <a:srgbClr val="A9B7C6"/>
-              </a:solidFill>
               <a:latin typeface="Bookman Old Style" panose="02050604050505020204" pitchFamily="18" charset="0"/>
             </a:endParaRPr>
           </a:p>
@@ -20968,9 +21095,6 @@
                 <a:ln>
                   <a:noFill/>
                 </a:ln>
-                <a:solidFill>
-                  <a:srgbClr val="A9B7C6"/>
-                </a:solidFill>
                 <a:effectLst/>
                 <a:latin typeface="Bookman Old Style" panose="02050604050505020204" pitchFamily="18" charset="0"/>
               </a:rPr>
@@ -20981,9 +21105,6 @@
                 <a:ln>
                   <a:noFill/>
                 </a:ln>
-                <a:solidFill>
-                  <a:srgbClr val="A9B7C6"/>
-                </a:solidFill>
                 <a:effectLst/>
                 <a:latin typeface="Bookman Old Style" panose="02050604050505020204" pitchFamily="18" charset="0"/>
               </a:rPr>
@@ -20994,9 +21115,6 @@
                 <a:ln>
                   <a:noFill/>
                 </a:ln>
-                <a:solidFill>
-                  <a:srgbClr val="A9B7C6"/>
-                </a:solidFill>
                 <a:effectLst/>
                 <a:latin typeface="Bookman Old Style" panose="02050604050505020204" pitchFamily="18" charset="0"/>
               </a:rPr>
@@ -21007,9 +21125,6 @@
                 <a:ln>
                   <a:noFill/>
                 </a:ln>
-                <a:solidFill>
-                  <a:srgbClr val="A9B7C6"/>
-                </a:solidFill>
                 <a:effectLst/>
                 <a:latin typeface="Bookman Old Style" panose="02050604050505020204" pitchFamily="18" charset="0"/>
               </a:rPr>
@@ -21020,9 +21135,6 @@
                 <a:ln>
                   <a:noFill/>
                 </a:ln>
-                <a:solidFill>
-                  <a:srgbClr val="A9B7C6"/>
-                </a:solidFill>
                 <a:effectLst/>
                 <a:latin typeface="Bookman Old Style" panose="02050604050505020204" pitchFamily="18" charset="0"/>
               </a:rPr>
@@ -21033,9 +21145,6 @@
                 <a:ln>
                   <a:noFill/>
                 </a:ln>
-                <a:solidFill>
-                  <a:srgbClr val="A9B7C6"/>
-                </a:solidFill>
                 <a:effectLst/>
                 <a:latin typeface="Bookman Old Style" panose="02050604050505020204" pitchFamily="18" charset="0"/>
               </a:rPr>
@@ -21046,9 +21155,6 @@
                 <a:ln>
                   <a:noFill/>
                 </a:ln>
-                <a:solidFill>
-                  <a:srgbClr val="A9B7C6"/>
-                </a:solidFill>
                 <a:effectLst/>
                 <a:latin typeface="Bookman Old Style" panose="02050604050505020204" pitchFamily="18" charset="0"/>
               </a:rPr>
@@ -21059,9 +21165,6 @@
                 <a:ln>
                   <a:noFill/>
                 </a:ln>
-                <a:solidFill>
-                  <a:srgbClr val="A9B7C6"/>
-                </a:solidFill>
                 <a:effectLst/>
                 <a:latin typeface="Bookman Old Style" panose="02050604050505020204" pitchFamily="18" charset="0"/>
               </a:rPr>
@@ -21072,9 +21175,6 @@
                 <a:ln>
                   <a:noFill/>
                 </a:ln>
-                <a:solidFill>
-                  <a:srgbClr val="A9B7C6"/>
-                </a:solidFill>
                 <a:effectLst/>
                 <a:latin typeface="Bookman Old Style" panose="02050604050505020204" pitchFamily="18" charset="0"/>
               </a:rPr>
@@ -21085,9 +21185,6 @@
                 <a:ln>
                   <a:noFill/>
                 </a:ln>
-                <a:solidFill>
-                  <a:srgbClr val="A9B7C6"/>
-                </a:solidFill>
                 <a:effectLst/>
                 <a:latin typeface="Bookman Old Style" panose="02050604050505020204" pitchFamily="18" charset="0"/>
               </a:rPr>
@@ -21098,9 +21195,6 @@
                 <a:ln>
                   <a:noFill/>
                 </a:ln>
-                <a:solidFill>
-                  <a:srgbClr val="A9B7C6"/>
-                </a:solidFill>
                 <a:effectLst/>
                 <a:latin typeface="Bookman Old Style" panose="02050604050505020204" pitchFamily="18" charset="0"/>
               </a:rPr>
@@ -21111,9 +21205,6 @@
                 <a:ln>
                   <a:noFill/>
                 </a:ln>
-                <a:solidFill>
-                  <a:srgbClr val="A9B7C6"/>
-                </a:solidFill>
                 <a:effectLst/>
                 <a:latin typeface="Bookman Old Style" panose="02050604050505020204" pitchFamily="18" charset="0"/>
               </a:rPr>
@@ -21124,9 +21215,6 @@
                 <a:ln>
                   <a:noFill/>
                 </a:ln>
-                <a:solidFill>
-                  <a:srgbClr val="A9B7C6"/>
-                </a:solidFill>
                 <a:effectLst/>
                 <a:latin typeface="Bookman Old Style" panose="02050604050505020204" pitchFamily="18" charset="0"/>
               </a:rPr>
@@ -21137,9 +21225,6 @@
                 <a:ln>
                   <a:noFill/>
                 </a:ln>
-                <a:solidFill>
-                  <a:srgbClr val="A9B7C6"/>
-                </a:solidFill>
                 <a:effectLst/>
                 <a:latin typeface="Bookman Old Style" panose="02050604050505020204" pitchFamily="18" charset="0"/>
               </a:rPr>
@@ -21149,9 +21234,6 @@
               <a:ln>
                 <a:noFill/>
               </a:ln>
-              <a:solidFill>
-                <a:schemeClr val="tx1"/>
-              </a:solidFill>
               <a:effectLst/>
               <a:latin typeface="Bookman Old Style" panose="02050604050505020204" pitchFamily="18" charset="0"/>
             </a:endParaRPr>
@@ -21739,9 +21821,6 @@
                 <a:ln>
                   <a:noFill/>
                 </a:ln>
-                <a:solidFill>
-                  <a:srgbClr val="A9B7C6"/>
-                </a:solidFill>
                 <a:effectLst/>
               </a:rPr>
               <a:t>Additionally</a:t>
@@ -21751,9 +21830,6 @@
                 <a:ln>
                   <a:noFill/>
                 </a:ln>
-                <a:solidFill>
-                  <a:srgbClr val="A9B7C6"/>
-                </a:solidFill>
                 <a:effectLst/>
               </a:rPr>
               <a:t>, </a:t>
@@ -21763,9 +21839,6 @@
                 <a:ln>
                   <a:noFill/>
                 </a:ln>
-                <a:solidFill>
-                  <a:srgbClr val="A9B7C6"/>
-                </a:solidFill>
                 <a:effectLst/>
               </a:rPr>
               <a:t>they've</a:t>
@@ -21775,9 +21848,6 @@
                 <a:ln>
                   <a:noFill/>
                 </a:ln>
-                <a:solidFill>
-                  <a:srgbClr val="A9B7C6"/>
-                </a:solidFill>
                 <a:effectLst/>
               </a:rPr>
               <a:t> </a:t>
@@ -21787,9 +21857,6 @@
                 <a:ln>
                   <a:noFill/>
                 </a:ln>
-                <a:solidFill>
-                  <a:srgbClr val="A9B7C6"/>
-                </a:solidFill>
                 <a:effectLst/>
               </a:rPr>
               <a:t>surveyed</a:t>
@@ -21799,9 +21866,6 @@
                 <a:ln>
                   <a:noFill/>
                 </a:ln>
-                <a:solidFill>
-                  <a:srgbClr val="A9B7C6"/>
-                </a:solidFill>
                 <a:effectLst/>
               </a:rPr>
               <a:t> </a:t>
@@ -21811,9 +21875,6 @@
                 <a:ln>
                   <a:noFill/>
                 </a:ln>
-                <a:solidFill>
-                  <a:srgbClr val="A9B7C6"/>
-                </a:solidFill>
                 <a:effectLst/>
               </a:rPr>
               <a:t>employees</a:t>
@@ -21823,9 +21884,6 @@
                 <a:ln>
                   <a:noFill/>
                 </a:ln>
-                <a:solidFill>
-                  <a:srgbClr val="A9B7C6"/>
-                </a:solidFill>
                 <a:effectLst/>
               </a:rPr>
               <a:t> to </a:t>
@@ -21835,9 +21893,6 @@
                 <a:ln>
                   <a:noFill/>
                 </a:ln>
-                <a:solidFill>
-                  <a:srgbClr val="A9B7C6"/>
-                </a:solidFill>
                 <a:effectLst/>
               </a:rPr>
               <a:t>collect</a:t>
@@ -21847,9 +21902,6 @@
                 <a:ln>
                   <a:noFill/>
                 </a:ln>
-                <a:solidFill>
-                  <a:srgbClr val="A9B7C6"/>
-                </a:solidFill>
                 <a:effectLst/>
               </a:rPr>
               <a:t> the </a:t>
@@ -21859,9 +21911,6 @@
                 <a:ln>
                   <a:noFill/>
                 </a:ln>
-                <a:solidFill>
-                  <a:srgbClr val="A9B7C6"/>
-                </a:solidFill>
                 <a:effectLst/>
               </a:rPr>
               <a:t>relative</a:t>
@@ -21871,9 +21920,6 @@
                 <a:ln>
                   <a:noFill/>
                 </a:ln>
-                <a:solidFill>
-                  <a:srgbClr val="A9B7C6"/>
-                </a:solidFill>
                 <a:effectLst/>
               </a:rPr>
               <a:t> </a:t>
@@ -21883,9 +21929,6 @@
                 <a:ln>
                   <a:noFill/>
                 </a:ln>
-                <a:solidFill>
-                  <a:srgbClr val="A9B7C6"/>
-                </a:solidFill>
                 <a:effectLst/>
               </a:rPr>
               <a:t>importance</a:t>
@@ -21895,9 +21938,6 @@
                 <a:ln>
                   <a:noFill/>
                 </a:ln>
-                <a:solidFill>
-                  <a:srgbClr val="A9B7C6"/>
-                </a:solidFill>
                 <a:effectLst/>
               </a:rPr>
               <a:t> of the </a:t>
@@ -21907,9 +21947,6 @@
                 <a:ln>
                   <a:noFill/>
                 </a:ln>
-                <a:solidFill>
-                  <a:srgbClr val="A9B7C6"/>
-                </a:solidFill>
                 <a:effectLst/>
               </a:rPr>
               <a:t>following</a:t>
@@ -21919,9 +21956,6 @@
                 <a:ln>
                   <a:noFill/>
                 </a:ln>
-                <a:solidFill>
-                  <a:srgbClr val="A9B7C6"/>
-                </a:solidFill>
                 <a:effectLst/>
               </a:rPr>
               <a:t> </a:t>
@@ -21931,9 +21965,6 @@
                 <a:ln>
                   <a:noFill/>
                 </a:ln>
-                <a:solidFill>
-                  <a:srgbClr val="A9B7C6"/>
-                </a:solidFill>
                 <a:effectLst/>
               </a:rPr>
               <a:t>variables</a:t>
@@ -21943,9 +21974,6 @@
                 <a:ln>
                   <a:noFill/>
                 </a:ln>
-                <a:solidFill>
-                  <a:srgbClr val="A9B7C6"/>
-                </a:solidFill>
                 <a:effectLst/>
               </a:rPr>
               <a:t> </a:t>
@@ -21955,9 +21983,6 @@
                 <a:ln>
                   <a:noFill/>
                 </a:ln>
-                <a:solidFill>
-                  <a:srgbClr val="A9B7C6"/>
-                </a:solidFill>
                 <a:effectLst/>
               </a:rPr>
               <a:t>describing</a:t>
@@ -21967,9 +21992,6 @@
                 <a:ln>
                   <a:noFill/>
                 </a:ln>
-                <a:solidFill>
-                  <a:srgbClr val="A9B7C6"/>
-                </a:solidFill>
                 <a:effectLst/>
               </a:rPr>
               <a:t> a</a:t>
@@ -21979,9 +22001,6 @@
                 <a:ln>
                   <a:noFill/>
                 </a:ln>
-                <a:solidFill>
-                  <a:srgbClr val="A9B7C6"/>
-                </a:solidFill>
                 <a:effectLst/>
               </a:rPr>
             </a:br>
@@ -21990,9 +22009,6 @@
                 <a:ln>
                   <a:noFill/>
                 </a:ln>
-                <a:solidFill>
-                  <a:srgbClr val="A9B7C6"/>
-                </a:solidFill>
                 <a:effectLst/>
               </a:rPr>
               <a:t>computer's</a:t>
@@ -22002,9 +22018,6 @@
                 <a:ln>
                   <a:noFill/>
                 </a:ln>
-                <a:solidFill>
-                  <a:srgbClr val="A9B7C6"/>
-                </a:solidFill>
                 <a:effectLst/>
               </a:rPr>
               <a:t> performance:</a:t>
@@ -22028,9 +22041,6 @@
                 <a:ln>
                   <a:noFill/>
                 </a:ln>
-                <a:solidFill>
-                  <a:srgbClr val="A9B7C6"/>
-                </a:solidFill>
                 <a:effectLst/>
               </a:rPr>
               <a:t>Memory</a:t>
@@ -22040,9 +22050,6 @@
                 <a:ln>
                   <a:noFill/>
                 </a:ln>
-                <a:solidFill>
-                  <a:srgbClr val="CC7832"/>
-                </a:solidFill>
                 <a:effectLst/>
               </a:rPr>
               <a:t> </a:t>
@@ -22066,9 +22073,6 @@
                 <a:ln>
                   <a:noFill/>
                 </a:ln>
-                <a:solidFill>
-                  <a:srgbClr val="A9B7C6"/>
-                </a:solidFill>
                 <a:effectLst/>
               </a:rPr>
               <a:t>Processing</a:t>
@@ -22092,9 +22096,6 @@
                 <a:ln>
                   <a:noFill/>
                 </a:ln>
-                <a:solidFill>
-                  <a:srgbClr val="A9B7C6"/>
-                </a:solidFill>
                 <a:effectLst/>
               </a:rPr>
               <a:t>Storage</a:t>
@@ -22118,9 +22119,6 @@
                 <a:ln>
                   <a:noFill/>
                 </a:ln>
-                <a:solidFill>
-                  <a:srgbClr val="A9B7C6"/>
-                </a:solidFill>
                 <a:effectLst/>
               </a:rPr>
               <a:t>Price</a:t>
@@ -22130,9 +22128,6 @@
                 <a:ln>
                   <a:noFill/>
                 </a:ln>
-                <a:solidFill>
-                  <a:srgbClr val="A9B7C6"/>
-                </a:solidFill>
                 <a:effectLst/>
               </a:rPr>
               <a:t> </a:t>
@@ -22142,9 +22137,6 @@
                 <a:ln>
                   <a:noFill/>
                 </a:ln>
-                <a:solidFill>
-                  <a:srgbClr val="A9B7C6"/>
-                </a:solidFill>
                 <a:effectLst/>
               </a:rPr>
               <a:t>inverse</a:t>
@@ -22154,9 +22146,6 @@
                 <a:ln>
                   <a:noFill/>
                 </a:ln>
-                <a:solidFill>
-                  <a:srgbClr val="A9B7C6"/>
-                </a:solidFill>
                 <a:effectLst/>
               </a:rPr>
               <a:t> </a:t>
@@ -22166,9 +22155,6 @@
                 <a:ln>
                   <a:noFill/>
                 </a:ln>
-                <a:solidFill>
-                  <a:srgbClr val="A9B7C6"/>
-                </a:solidFill>
                 <a:effectLst/>
               </a:rPr>
               <a:t>- </a:t>
@@ -22178,9 +22164,6 @@
                 <a:ln>
                   <a:noFill/>
                 </a:ln>
-                <a:solidFill>
-                  <a:srgbClr val="A9B7C6"/>
-                </a:solidFill>
                 <a:effectLst/>
               </a:rPr>
               <a:t>this</a:t>
@@ -22190,9 +22173,6 @@
                 <a:ln>
                   <a:noFill/>
                 </a:ln>
-                <a:solidFill>
-                  <a:srgbClr val="A9B7C6"/>
-                </a:solidFill>
                 <a:effectLst/>
               </a:rPr>
               <a:t> </a:t>
@@ -22202,9 +22182,6 @@
                 <a:ln>
                   <a:noFill/>
                 </a:ln>
-                <a:solidFill>
-                  <a:srgbClr val="A9B7C6"/>
-                </a:solidFill>
                 <a:effectLst/>
               </a:rPr>
               <a:t>metric</a:t>
@@ -22214,9 +22191,6 @@
                 <a:ln>
                   <a:noFill/>
                 </a:ln>
-                <a:solidFill>
-                  <a:srgbClr val="A9B7C6"/>
-                </a:solidFill>
                 <a:effectLst/>
               </a:rPr>
               <a:t> was </a:t>
@@ -22226,9 +22200,6 @@
                 <a:ln>
                   <a:noFill/>
                 </a:ln>
-                <a:solidFill>
-                  <a:srgbClr val="A9B7C6"/>
-                </a:solidFill>
                 <a:effectLst/>
               </a:rPr>
               <a:t>given</a:t>
@@ -22238,9 +22209,6 @@
                 <a:ln>
                   <a:noFill/>
                 </a:ln>
-                <a:solidFill>
-                  <a:srgbClr val="A9B7C6"/>
-                </a:solidFill>
                 <a:effectLst/>
               </a:rPr>
               <a:t> to </a:t>
@@ -22250,9 +22218,6 @@
                 <a:ln>
                   <a:noFill/>
                 </a:ln>
-                <a:solidFill>
-                  <a:srgbClr val="A9B7C6"/>
-                </a:solidFill>
                 <a:effectLst/>
               </a:rPr>
               <a:t>you</a:t>
@@ -22262,9 +22227,6 @@
                 <a:ln>
                   <a:noFill/>
                 </a:ln>
-                <a:solidFill>
-                  <a:srgbClr val="A9B7C6"/>
-                </a:solidFill>
                 <a:effectLst/>
               </a:rPr>
               <a:t> by the </a:t>
@@ -22274,9 +22236,6 @@
                 <a:ln>
                   <a:noFill/>
                 </a:ln>
-                <a:solidFill>
-                  <a:srgbClr val="A9B7C6"/>
-                </a:solidFill>
                 <a:effectLst/>
               </a:rPr>
               <a:t>company</a:t>
@@ -22286,9 +22245,6 @@
                 <a:ln>
                   <a:noFill/>
                 </a:ln>
-                <a:solidFill>
-                  <a:srgbClr val="A9B7C6"/>
-                </a:solidFill>
                 <a:effectLst/>
               </a:rPr>
               <a:t> as </a:t>
@@ -22298,9 +22254,6 @@
                 <a:ln>
                   <a:noFill/>
                 </a:ln>
-                <a:solidFill>
-                  <a:srgbClr val="A9B7C6"/>
-                </a:solidFill>
                 <a:effectLst/>
               </a:rPr>
               <a:t>you</a:t>
@@ -22310,9 +22263,6 @@
                 <a:ln>
                   <a:noFill/>
                 </a:ln>
-                <a:solidFill>
-                  <a:srgbClr val="A9B7C6"/>
-                </a:solidFill>
                 <a:effectLst/>
               </a:rPr>
               <a:t> </a:t>
@@ -22322,9 +22272,6 @@
                 <a:ln>
                   <a:noFill/>
                 </a:ln>
-                <a:solidFill>
-                  <a:srgbClr val="A9B7C6"/>
-                </a:solidFill>
                 <a:effectLst/>
               </a:rPr>
               <a:t>can</a:t>
@@ -22334,9 +22281,6 @@
                 <a:ln>
                   <a:noFill/>
                 </a:ln>
-                <a:solidFill>
-                  <a:srgbClr val="A9B7C6"/>
-                </a:solidFill>
                 <a:effectLst/>
               </a:rPr>
               <a:t> </a:t>
@@ -22346,9 +22290,6 @@
                 <a:ln>
                   <a:noFill/>
                 </a:ln>
-                <a:solidFill>
-                  <a:srgbClr val="A9B7C6"/>
-                </a:solidFill>
                 <a:effectLst/>
               </a:rPr>
               <a:t>see</a:t>
@@ -22358,9 +22299,6 @@
                 <a:ln>
                   <a:noFill/>
                 </a:ln>
-                <a:solidFill>
-                  <a:srgbClr val="A9B7C6"/>
-                </a:solidFill>
                 <a:effectLst/>
               </a:rPr>
               <a:t> in the </a:t>
@@ -22370,9 +22308,6 @@
                 <a:ln>
                   <a:noFill/>
                 </a:ln>
-                <a:solidFill>
-                  <a:srgbClr val="A9B7C6"/>
-                </a:solidFill>
                 <a:effectLst/>
               </a:rPr>
               <a:t>dataset</a:t>
@@ -22382,9 +22317,6 @@
                 <a:ln>
                   <a:noFill/>
                 </a:ln>
-                <a:solidFill>
-                  <a:srgbClr val="A9B7C6"/>
-                </a:solidFill>
                 <a:effectLst/>
               </a:rPr>
               <a:t>, with the </a:t>
@@ -22394,9 +22326,6 @@
                 <a:ln>
                   <a:noFill/>
                 </a:ln>
-                <a:solidFill>
-                  <a:srgbClr val="A9B7C6"/>
-                </a:solidFill>
                 <a:effectLst/>
               </a:rPr>
               <a:t>directive</a:t>
@@ -22406,9 +22335,6 @@
                 <a:ln>
                   <a:noFill/>
                 </a:ln>
-                <a:solidFill>
-                  <a:srgbClr val="A9B7C6"/>
-                </a:solidFill>
                 <a:effectLst/>
               </a:rPr>
               <a:t> </a:t>
@@ -22418,19 +22344,12 @@
                 <a:ln>
                   <a:noFill/>
                 </a:ln>
-                <a:solidFill>
-                  <a:srgbClr val="A9B7C6"/>
-                </a:solidFill>
                 <a:effectLst/>
               </a:rPr>
               <a:t>that</a:t>
             </a:r>
             <a:r>
-              <a:rPr lang="pl-PL" altLang="pl-PL" sz="2400" dirty="0">
-                <a:solidFill>
-                  <a:srgbClr val="A9B7C6"/>
-                </a:solidFill>
-              </a:rPr>
+              <a:rPr lang="pl-PL" altLang="pl-PL" sz="2400" dirty="0"/>
               <a:t> </a:t>
             </a:r>
             <a:r>
@@ -22438,9 +22357,6 @@
                 <a:ln>
                   <a:noFill/>
                 </a:ln>
-                <a:solidFill>
-                  <a:srgbClr val="A9B7C6"/>
-                </a:solidFill>
                 <a:effectLst/>
               </a:rPr>
               <a:t>price</a:t>
@@ -22450,9 +22366,6 @@
                 <a:ln>
                   <a:noFill/>
                 </a:ln>
-                <a:solidFill>
-                  <a:srgbClr val="A9B7C6"/>
-                </a:solidFill>
                 <a:effectLst/>
               </a:rPr>
               <a:t> </a:t>
@@ -22462,9 +22375,6 @@
                 <a:ln>
                   <a:noFill/>
                 </a:ln>
-                <a:solidFill>
-                  <a:srgbClr val="A9B7C6"/>
-                </a:solidFill>
                 <a:effectLst/>
               </a:rPr>
               <a:t>inverse</a:t>
@@ -22474,9 +22384,6 @@
                 <a:ln>
                   <a:noFill/>
                 </a:ln>
-                <a:solidFill>
-                  <a:srgbClr val="A9B7C6"/>
-                </a:solidFill>
                 <a:effectLst/>
               </a:rPr>
               <a:t> </a:t>
@@ -22486,9 +22393,6 @@
                 <a:ln>
                   <a:noFill/>
                 </a:ln>
-                <a:solidFill>
-                  <a:srgbClr val="A9B7C6"/>
-                </a:solidFill>
                 <a:effectLst/>
               </a:rPr>
               <a:t>being</a:t>
@@ -22498,9 +22402,6 @@
                 <a:ln>
                   <a:noFill/>
                 </a:ln>
-                <a:solidFill>
-                  <a:srgbClr val="A9B7C6"/>
-                </a:solidFill>
                 <a:effectLst/>
               </a:rPr>
               <a:t> </a:t>
@@ -22510,9 +22411,6 @@
                 <a:ln>
                   <a:noFill/>
                 </a:ln>
-                <a:solidFill>
-                  <a:srgbClr val="A9B7C6"/>
-                </a:solidFill>
                 <a:effectLst/>
               </a:rPr>
               <a:t>fixed</a:t>
@@ -22522,9 +22420,6 @@
                 <a:ln>
                   <a:noFill/>
                 </a:ln>
-                <a:solidFill>
-                  <a:srgbClr val="A9B7C6"/>
-                </a:solidFill>
                 <a:effectLst/>
               </a:rPr>
               <a:t> </a:t>
@@ -22534,9 +22429,6 @@
                 <a:ln>
                   <a:noFill/>
                 </a:ln>
-                <a:solidFill>
-                  <a:srgbClr val="A9B7C6"/>
-                </a:solidFill>
                 <a:effectLst/>
               </a:rPr>
               <a:t>at</a:t>
@@ -22546,9 +22438,6 @@
                 <a:ln>
                   <a:noFill/>
                 </a:ln>
-                <a:solidFill>
-                  <a:srgbClr val="A9B7C6"/>
-                </a:solidFill>
                 <a:effectLst/>
               </a:rPr>
               <a:t> a 25% </a:t>
@@ -22558,9 +22447,6 @@
                 <a:ln>
                   <a:noFill/>
                 </a:ln>
-                <a:solidFill>
-                  <a:srgbClr val="A9B7C6"/>
-                </a:solidFill>
                 <a:effectLst/>
               </a:rPr>
               <a:t>weight</a:t>
@@ -22570,9 +22456,6 @@
                 <a:ln>
                   <a:noFill/>
                 </a:ln>
-                <a:solidFill>
-                  <a:srgbClr val="A9B7C6"/>
-                </a:solidFill>
                 <a:effectLst/>
               </a:rPr>
               <a:t> in the </a:t>
@@ -22582,9 +22465,6 @@
                 <a:ln>
                   <a:noFill/>
                 </a:ln>
-                <a:solidFill>
-                  <a:srgbClr val="A9B7C6"/>
-                </a:solidFill>
                 <a:effectLst/>
               </a:rPr>
               <a:t>purchase</a:t>
@@ -22594,9 +22474,6 @@
                 <a:ln>
                   <a:noFill/>
                 </a:ln>
-                <a:solidFill>
-                  <a:srgbClr val="A9B7C6"/>
-                </a:solidFill>
                 <a:effectLst/>
               </a:rPr>
               <a:t> </a:t>
@@ -22606,9 +22483,6 @@
                 <a:ln>
                   <a:noFill/>
                 </a:ln>
-                <a:solidFill>
-                  <a:srgbClr val="A9B7C6"/>
-                </a:solidFill>
                 <a:effectLst/>
               </a:rPr>
               <a:t>decision</a:t>
@@ -22617,9 +22491,6 @@
               <a:ln>
                 <a:noFill/>
               </a:ln>
-              <a:solidFill>
-                <a:schemeClr val="tx1"/>
-              </a:solidFill>
               <a:effectLst/>
             </a:endParaRPr>
           </a:p>
@@ -23044,9 +22915,6 @@
                 <a:ln>
                   <a:noFill/>
                 </a:ln>
-                <a:solidFill>
-                  <a:srgbClr val="A9B7C6"/>
-                </a:solidFill>
                 <a:effectLst/>
               </a:rPr>
               <a:t>Data:</a:t>
@@ -23056,9 +22924,6 @@
                 <a:ln>
                   <a:noFill/>
                 </a:ln>
-                <a:solidFill>
-                  <a:srgbClr val="A9B7C6"/>
-                </a:solidFill>
                 <a:effectLst/>
               </a:rPr>
             </a:br>
@@ -23067,9 +22932,6 @@
                 <a:ln>
                   <a:noFill/>
                 </a:ln>
-                <a:solidFill>
-                  <a:srgbClr val="A9B7C6"/>
-                </a:solidFill>
                 <a:effectLst/>
               </a:rPr>
               <a:t>computers</a:t>
@@ -23138,9 +23000,6 @@
                 <a:ln>
                   <a:noFill/>
                 </a:ln>
-                <a:solidFill>
-                  <a:srgbClr val="A9B7C6"/>
-                </a:solidFill>
                 <a:effectLst/>
               </a:rPr>
               <a:t>Lastly</a:t>
@@ -23150,9 +23009,6 @@
                 <a:ln>
                   <a:noFill/>
                 </a:ln>
-                <a:solidFill>
-                  <a:srgbClr val="A9B7C6"/>
-                </a:solidFill>
                 <a:effectLst/>
               </a:rPr>
               <a:t>, the </a:t>
@@ -23162,9 +23018,6 @@
                 <a:ln>
                   <a:noFill/>
                 </a:ln>
-                <a:solidFill>
-                  <a:srgbClr val="A9B7C6"/>
-                </a:solidFill>
                 <a:effectLst/>
               </a:rPr>
               <a:t>company</a:t>
@@ -23174,9 +23027,6 @@
                 <a:ln>
                   <a:noFill/>
                 </a:ln>
-                <a:solidFill>
-                  <a:srgbClr val="A9B7C6"/>
-                </a:solidFill>
                 <a:effectLst/>
               </a:rPr>
               <a:t> </a:t>
@@ -23186,9 +23036,6 @@
                 <a:ln>
                   <a:noFill/>
                 </a:ln>
-                <a:solidFill>
-                  <a:srgbClr val="A9B7C6"/>
-                </a:solidFill>
                 <a:effectLst/>
               </a:rPr>
               <a:t>is</a:t>
@@ -23198,9 +23045,6 @@
                 <a:ln>
                   <a:noFill/>
                 </a:ln>
-                <a:solidFill>
-                  <a:srgbClr val="A9B7C6"/>
-                </a:solidFill>
                 <a:effectLst/>
               </a:rPr>
               <a:t> </a:t>
@@ -23210,9 +23054,6 @@
                 <a:ln>
                   <a:noFill/>
                 </a:ln>
-                <a:solidFill>
-                  <a:srgbClr val="A9B7C6"/>
-                </a:solidFill>
                 <a:effectLst/>
               </a:rPr>
               <a:t>looking</a:t>
@@ -23222,9 +23063,6 @@
                 <a:ln>
                   <a:noFill/>
                 </a:ln>
-                <a:solidFill>
-                  <a:srgbClr val="A9B7C6"/>
-                </a:solidFill>
                 <a:effectLst/>
               </a:rPr>
               <a:t> to </a:t>
@@ -23234,9 +23072,6 @@
                 <a:ln>
                   <a:noFill/>
                 </a:ln>
-                <a:solidFill>
-                  <a:srgbClr val="A9B7C6"/>
-                </a:solidFill>
                 <a:effectLst/>
               </a:rPr>
               <a:t>purchase</a:t>
@@ -23246,9 +23081,6 @@
                 <a:ln>
                   <a:noFill/>
                 </a:ln>
-                <a:solidFill>
-                  <a:srgbClr val="A9B7C6"/>
-                </a:solidFill>
                 <a:effectLst/>
               </a:rPr>
               <a:t> a </a:t>
@@ -23258,9 +23090,6 @@
                 <a:ln>
                   <a:noFill/>
                 </a:ln>
-                <a:solidFill>
-                  <a:srgbClr val="A9B7C6"/>
-                </a:solidFill>
                 <a:effectLst/>
               </a:rPr>
               <a:t>maximum</a:t>
@@ -23270,9 +23099,6 @@
                 <a:ln>
                   <a:noFill/>
                 </a:ln>
-                <a:solidFill>
-                  <a:srgbClr val="A9B7C6"/>
-                </a:solidFill>
                 <a:effectLst/>
               </a:rPr>
               <a:t> </a:t>
@@ -23282,9 +23108,6 @@
                 <a:ln>
                   <a:noFill/>
                 </a:ln>
-                <a:solidFill>
-                  <a:srgbClr val="A9B7C6"/>
-                </a:solidFill>
                 <a:effectLst/>
               </a:rPr>
               <a:t>of</a:t>
@@ -23294,9 +23117,6 @@
                 <a:ln>
                   <a:noFill/>
                 </a:ln>
-                <a:solidFill>
-                  <a:srgbClr val="A9B7C6"/>
-                </a:solidFill>
                 <a:effectLst/>
               </a:rPr>
               <a:t> </a:t>
@@ -23306,9 +23126,6 @@
                 <a:ln>
                   <a:noFill/>
                 </a:ln>
-                <a:solidFill>
-                  <a:srgbClr val="A9B7C6"/>
-                </a:solidFill>
                 <a:effectLst/>
               </a:rPr>
               <a:t>3 </a:t>
@@ -23318,9 +23135,6 @@
                 <a:ln>
                   <a:noFill/>
                 </a:ln>
-                <a:solidFill>
-                  <a:srgbClr val="A9B7C6"/>
-                </a:solidFill>
                 <a:effectLst/>
               </a:rPr>
               <a:t>different</a:t>
@@ -23330,9 +23144,6 @@
                 <a:ln>
                   <a:noFill/>
                 </a:ln>
-                <a:solidFill>
-                  <a:srgbClr val="A9B7C6"/>
-                </a:solidFill>
                 <a:effectLst/>
               </a:rPr>
               <a:t> </a:t>
@@ -23342,9 +23153,6 @@
                 <a:ln>
                   <a:noFill/>
                 </a:ln>
-                <a:solidFill>
-                  <a:srgbClr val="A9B7C6"/>
-                </a:solidFill>
                 <a:effectLst/>
               </a:rPr>
               <a:t>computer</a:t>
@@ -23354,9 +23162,6 @@
                 <a:ln>
                   <a:noFill/>
                 </a:ln>
-                <a:solidFill>
-                  <a:srgbClr val="A9B7C6"/>
-                </a:solidFill>
                 <a:effectLst/>
               </a:rPr>
               <a:t> </a:t>
@@ -23366,9 +23171,6 @@
                 <a:ln>
                   <a:noFill/>
                 </a:ln>
-                <a:solidFill>
-                  <a:srgbClr val="A9B7C6"/>
-                </a:solidFill>
                 <a:effectLst/>
               </a:rPr>
               <a:t>models</a:t>
@@ -23378,9 +23180,6 @@
                 <a:ln>
                   <a:noFill/>
                 </a:ln>
-                <a:solidFill>
-                  <a:srgbClr val="A9B7C6"/>
-                </a:solidFill>
                 <a:effectLst/>
               </a:rPr>
               <a:t>, and </a:t>
@@ -23390,9 +23189,6 @@
                 <a:ln>
                   <a:noFill/>
                 </a:ln>
-                <a:solidFill>
-                  <a:srgbClr val="A9B7C6"/>
-                </a:solidFill>
                 <a:effectLst/>
               </a:rPr>
               <a:t>have</a:t>
@@ -23402,9 +23198,6 @@
                 <a:ln>
                   <a:noFill/>
                 </a:ln>
-                <a:solidFill>
-                  <a:srgbClr val="A9B7C6"/>
-                </a:solidFill>
                 <a:effectLst/>
               </a:rPr>
               <a:t> </a:t>
@@ -23414,9 +23207,6 @@
                 <a:ln>
                   <a:noFill/>
                 </a:ln>
-                <a:solidFill>
-                  <a:srgbClr val="A9B7C6"/>
-                </a:solidFill>
                 <a:effectLst/>
               </a:rPr>
               <a:t>compiled</a:t>
@@ -23426,9 +23216,6 @@
                 <a:ln>
                   <a:noFill/>
                 </a:ln>
-                <a:solidFill>
-                  <a:srgbClr val="A9B7C6"/>
-                </a:solidFill>
                 <a:effectLst/>
               </a:rPr>
               <a:t> the </a:t>
@@ -23438,9 +23225,6 @@
                 <a:ln>
                   <a:noFill/>
                 </a:ln>
-                <a:solidFill>
-                  <a:srgbClr val="A9B7C6"/>
-                </a:solidFill>
                 <a:effectLst/>
               </a:rPr>
               <a:t>following</a:t>
@@ -23450,9 +23234,6 @@
                 <a:ln>
                   <a:noFill/>
                 </a:ln>
-                <a:solidFill>
-                  <a:srgbClr val="A9B7C6"/>
-                </a:solidFill>
                 <a:effectLst/>
               </a:rPr>
               <a:t> list </a:t>
@@ -23462,9 +23243,6 @@
                 <a:ln>
                   <a:noFill/>
                 </a:ln>
-                <a:solidFill>
-                  <a:srgbClr val="A9B7C6"/>
-                </a:solidFill>
                 <a:effectLst/>
               </a:rPr>
               <a:t>scoring</a:t>
@@ -23474,9 +23252,6 @@
                 <a:ln>
                   <a:noFill/>
                 </a:ln>
-                <a:solidFill>
-                  <a:srgbClr val="A9B7C6"/>
-                </a:solidFill>
                 <a:effectLst/>
               </a:rPr>
               <a:t> </a:t>
@@ -23486,9 +23261,6 @@
                 <a:ln>
                   <a:noFill/>
                 </a:ln>
-                <a:solidFill>
-                  <a:srgbClr val="A9B7C6"/>
-                </a:solidFill>
                 <a:effectLst/>
               </a:rPr>
               <a:t>their</a:t>
@@ -23498,9 +23270,6 @@
                 <a:ln>
                   <a:noFill/>
                 </a:ln>
-                <a:solidFill>
-                  <a:srgbClr val="A9B7C6"/>
-                </a:solidFill>
                 <a:effectLst/>
               </a:rPr>
               <a:t> </a:t>
@@ -23510,9 +23279,6 @@
                 <a:ln>
                   <a:noFill/>
                 </a:ln>
-                <a:solidFill>
-                  <a:srgbClr val="A9B7C6"/>
-                </a:solidFill>
                 <a:effectLst/>
               </a:rPr>
               <a:t>memory</a:t>
@@ -23522,9 +23288,6 @@
                 <a:ln>
                   <a:noFill/>
                 </a:ln>
-                <a:solidFill>
-                  <a:srgbClr val="A9B7C6"/>
-                </a:solidFill>
                 <a:effectLst/>
               </a:rPr>
               <a:t>, </a:t>
@@ -23534,9 +23297,6 @@
                 <a:ln>
                   <a:noFill/>
                 </a:ln>
-                <a:solidFill>
-                  <a:srgbClr val="A9B7C6"/>
-                </a:solidFill>
                 <a:effectLst/>
               </a:rPr>
               <a:t>processing</a:t>
@@ -23546,9 +23306,6 @@
                 <a:ln>
                   <a:noFill/>
                 </a:ln>
-                <a:solidFill>
-                  <a:srgbClr val="A9B7C6"/>
-                </a:solidFill>
                 <a:effectLst/>
               </a:rPr>
               <a:t>, </a:t>
@@ -23558,9 +23315,6 @@
                 <a:ln>
                   <a:noFill/>
                 </a:ln>
-                <a:solidFill>
-                  <a:srgbClr val="A9B7C6"/>
-                </a:solidFill>
                 <a:effectLst/>
               </a:rPr>
               <a:t>storage</a:t>
@@ -23570,9 +23324,6 @@
                 <a:ln>
                   <a:noFill/>
                 </a:ln>
-                <a:solidFill>
-                  <a:srgbClr val="A9B7C6"/>
-                </a:solidFill>
                 <a:effectLst/>
               </a:rPr>
               <a:t>, and </a:t>
@@ -23582,9 +23333,6 @@
                 <a:ln>
                   <a:noFill/>
                 </a:ln>
-                <a:solidFill>
-                  <a:srgbClr val="A9B7C6"/>
-                </a:solidFill>
                 <a:effectLst/>
               </a:rPr>
               <a:t>relative</a:t>
@@ -23594,9 +23342,6 @@
                 <a:ln>
                   <a:noFill/>
                 </a:ln>
-                <a:solidFill>
-                  <a:srgbClr val="A9B7C6"/>
-                </a:solidFill>
                 <a:effectLst/>
               </a:rPr>
               <a:t> </a:t>
@@ -23606,9 +23351,6 @@
                 <a:ln>
                   <a:noFill/>
                 </a:ln>
-                <a:solidFill>
-                  <a:srgbClr val="A9B7C6"/>
-                </a:solidFill>
                 <a:effectLst/>
               </a:rPr>
               <a:t>price</a:t>
@@ -23618,9 +23360,6 @@
                 <a:ln>
                   <a:noFill/>
                 </a:ln>
-                <a:solidFill>
-                  <a:srgbClr val="A9B7C6"/>
-                </a:solidFill>
                 <a:effectLst/>
               </a:rPr>
               <a:t>. </a:t>
@@ -23630,9 +23369,6 @@
                 <a:ln>
                   <a:noFill/>
                 </a:ln>
-                <a:solidFill>
-                  <a:srgbClr val="A9B7C6"/>
-                </a:solidFill>
                 <a:effectLst/>
               </a:rPr>
               <a:t>Each</a:t>
@@ -23642,9 +23378,6 @@
                 <a:ln>
                   <a:noFill/>
                 </a:ln>
-                <a:solidFill>
-                  <a:srgbClr val="A9B7C6"/>
-                </a:solidFill>
                 <a:effectLst/>
               </a:rPr>
               <a:t> </a:t>
@@ -23654,9 +23387,6 @@
                 <a:ln>
                   <a:noFill/>
                 </a:ln>
-                <a:solidFill>
-                  <a:srgbClr val="A9B7C6"/>
-                </a:solidFill>
                 <a:effectLst/>
               </a:rPr>
               <a:t>dimension</a:t>
@@ -23666,9 +23396,6 @@
                 <a:ln>
                   <a:noFill/>
                 </a:ln>
-                <a:solidFill>
-                  <a:srgbClr val="A9B7C6"/>
-                </a:solidFill>
                 <a:effectLst/>
               </a:rPr>
               <a:t> </a:t>
@@ -23678,9 +23405,6 @@
                 <a:ln>
                   <a:noFill/>
                 </a:ln>
-                <a:solidFill>
-                  <a:srgbClr val="A9B7C6"/>
-                </a:solidFill>
                 <a:effectLst/>
               </a:rPr>
               <a:t>is</a:t>
@@ -23690,9 +23414,6 @@
                 <a:ln>
                   <a:noFill/>
                 </a:ln>
-                <a:solidFill>
-                  <a:srgbClr val="A9B7C6"/>
-                </a:solidFill>
                 <a:effectLst/>
               </a:rPr>
               <a:t> </a:t>
@@ -23702,9 +23423,6 @@
                 <a:ln>
                   <a:noFill/>
                 </a:ln>
-                <a:solidFill>
-                  <a:srgbClr val="A9B7C6"/>
-                </a:solidFill>
                 <a:effectLst/>
               </a:rPr>
               <a:t>scored</a:t>
@@ -23714,9 +23432,6 @@
                 <a:ln>
                   <a:noFill/>
                 </a:ln>
-                <a:solidFill>
-                  <a:srgbClr val="A9B7C6"/>
-                </a:solidFill>
                 <a:effectLst/>
               </a:rPr>
               <a:t> from 0-10</a:t>
@@ -23726,9 +23441,6 @@
                 <a:ln>
                   <a:noFill/>
                 </a:ln>
-                <a:solidFill>
-                  <a:srgbClr val="A9B7C6"/>
-                </a:solidFill>
                 <a:effectLst/>
               </a:rPr>
               <a:t>, with </a:t>
@@ -23738,9 +23450,6 @@
                 <a:ln>
                   <a:noFill/>
                 </a:ln>
-                <a:solidFill>
-                  <a:srgbClr val="A9B7C6"/>
-                </a:solidFill>
                 <a:effectLst/>
               </a:rPr>
               <a:t>10 </a:t>
@@ -23750,9 +23459,6 @@
                 <a:ln>
                   <a:noFill/>
                 </a:ln>
-                <a:solidFill>
-                  <a:srgbClr val="A9B7C6"/>
-                </a:solidFill>
                 <a:effectLst/>
               </a:rPr>
               <a:t>being</a:t>
@@ -23762,9 +23468,6 @@
                 <a:ln>
                   <a:noFill/>
                 </a:ln>
-                <a:solidFill>
-                  <a:srgbClr val="A9B7C6"/>
-                </a:solidFill>
                 <a:effectLst/>
               </a:rPr>
               <a:t> the </a:t>
@@ -23774,9 +23477,6 @@
                 <a:ln>
                   <a:noFill/>
                 </a:ln>
-                <a:solidFill>
-                  <a:srgbClr val="A9B7C6"/>
-                </a:solidFill>
                 <a:effectLst/>
               </a:rPr>
               <a:t>best</a:t>
@@ -23786,9 +23486,6 @@
                 <a:ln>
                   <a:noFill/>
                 </a:ln>
-                <a:solidFill>
-                  <a:srgbClr val="A9B7C6"/>
-                </a:solidFill>
                 <a:effectLst/>
               </a:rPr>
               <a:t>.</a:t>
@@ -23797,9 +23494,6 @@
               <a:ln>
                 <a:noFill/>
               </a:ln>
-              <a:solidFill>
-                <a:schemeClr val="tx1"/>
-              </a:solidFill>
               <a:effectLst/>
             </a:endParaRPr>
           </a:p>
